--- a/presentations/BAS_2/OpenCL.pptx
+++ b/presentations/BAS_2/OpenCL.pptx
@@ -539,11 +539,11 @@
           <c:showPercent val="0"/>
           <c:showBubbleSize val="0"/>
         </c:dLbls>
-        <c:axId val="174643968"/>
-        <c:axId val="174646976"/>
+        <c:axId val="48757504"/>
+        <c:axId val="48758080"/>
       </c:scatterChart>
       <c:valAx>
-        <c:axId val="174643968"/>
+        <c:axId val="48757504"/>
         <c:scaling>
           <c:orientation val="minMax"/>
           <c:max val="33554432"/>
@@ -591,12 +591,12 @@
         <c:majorTickMark val="out"/>
         <c:minorTickMark val="none"/>
         <c:tickLblPos val="nextTo"/>
-        <c:crossAx val="174646976"/>
+        <c:crossAx val="48758080"/>
         <c:crosses val="autoZero"/>
         <c:crossBetween val="midCat"/>
       </c:valAx>
       <c:valAx>
-        <c:axId val="174646976"/>
+        <c:axId val="48758080"/>
         <c:scaling>
           <c:orientation val="minMax"/>
         </c:scaling>
@@ -627,7 +627,7 @@
         <c:majorTickMark val="out"/>
         <c:minorTickMark val="none"/>
         <c:tickLblPos val="nextTo"/>
-        <c:crossAx val="174643968"/>
+        <c:crossAx val="48757504"/>
         <c:crosses val="autoZero"/>
         <c:crossBetween val="midCat"/>
       </c:valAx>
@@ -953,11 +953,11 @@
           <c:showPercent val="0"/>
           <c:showBubbleSize val="0"/>
         </c:dLbls>
-        <c:axId val="41699584"/>
-        <c:axId val="41700160"/>
+        <c:axId val="51144384"/>
+        <c:axId val="51144960"/>
       </c:scatterChart>
       <c:valAx>
-        <c:axId val="41699584"/>
+        <c:axId val="51144384"/>
         <c:scaling>
           <c:orientation val="minMax"/>
           <c:max val="16777216"/>
@@ -989,12 +989,12 @@
         <c:majorTickMark val="out"/>
         <c:minorTickMark val="none"/>
         <c:tickLblPos val="nextTo"/>
-        <c:crossAx val="41700160"/>
+        <c:crossAx val="51144960"/>
         <c:crosses val="autoZero"/>
         <c:crossBetween val="midCat"/>
       </c:valAx>
       <c:valAx>
-        <c:axId val="41700160"/>
+        <c:axId val="51144960"/>
         <c:scaling>
           <c:orientation val="minMax"/>
         </c:scaling>
@@ -1025,7 +1025,7 @@
         <c:majorTickMark val="out"/>
         <c:minorTickMark val="none"/>
         <c:tickLblPos val="nextTo"/>
-        <c:crossAx val="41699584"/>
+        <c:crossAx val="51144384"/>
         <c:crosses val="autoZero"/>
         <c:crossBetween val="midCat"/>
       </c:valAx>
@@ -1993,11 +1993,11 @@
           <c:showPercent val="0"/>
           <c:showBubbleSize val="0"/>
         </c:dLbls>
-        <c:axId val="174609472"/>
-        <c:axId val="174610048"/>
+        <c:axId val="52250880"/>
+        <c:axId val="52251456"/>
       </c:scatterChart>
       <c:valAx>
-        <c:axId val="174609472"/>
+        <c:axId val="52250880"/>
         <c:scaling>
           <c:orientation val="minMax"/>
           <c:max val="2000"/>
@@ -2052,12 +2052,12 @@
         <c:majorTickMark val="out"/>
         <c:minorTickMark val="none"/>
         <c:tickLblPos val="nextTo"/>
-        <c:crossAx val="174610048"/>
+        <c:crossAx val="52251456"/>
         <c:crosses val="autoZero"/>
         <c:crossBetween val="midCat"/>
       </c:valAx>
       <c:valAx>
-        <c:axId val="174610048"/>
+        <c:axId val="52251456"/>
         <c:scaling>
           <c:orientation val="minMax"/>
           <c:max val="5"/>
@@ -2089,7 +2089,7 @@
         <c:majorTickMark val="out"/>
         <c:minorTickMark val="none"/>
         <c:tickLblPos val="nextTo"/>
-        <c:crossAx val="174609472"/>
+        <c:crossAx val="52250880"/>
         <c:crosses val="autoZero"/>
         <c:crossBetween val="midCat"/>
       </c:valAx>
@@ -2402,11 +2402,11 @@
           <c:showPercent val="0"/>
           <c:showBubbleSize val="0"/>
         </c:dLbls>
-        <c:axId val="115275392"/>
-        <c:axId val="174640512"/>
+        <c:axId val="51148992"/>
+        <c:axId val="51149568"/>
       </c:scatterChart>
       <c:valAx>
-        <c:axId val="115275392"/>
+        <c:axId val="51148992"/>
         <c:scaling>
           <c:orientation val="minMax"/>
           <c:max val="33554432"/>
@@ -2438,12 +2438,12 @@
         <c:majorTickMark val="out"/>
         <c:minorTickMark val="none"/>
         <c:tickLblPos val="nextTo"/>
-        <c:crossAx val="174640512"/>
+        <c:crossAx val="51149568"/>
         <c:crosses val="autoZero"/>
         <c:crossBetween val="midCat"/>
       </c:valAx>
       <c:valAx>
-        <c:axId val="174640512"/>
+        <c:axId val="51149568"/>
         <c:scaling>
           <c:orientation val="minMax"/>
         </c:scaling>
@@ -2482,7 +2482,7 @@
         <c:majorTickMark val="out"/>
         <c:minorTickMark val="none"/>
         <c:tickLblPos val="nextTo"/>
-        <c:crossAx val="115275392"/>
+        <c:crossAx val="51148992"/>
         <c:crosses val="autoZero"/>
         <c:crossBetween val="midCat"/>
       </c:valAx>
@@ -2759,11 +2759,11 @@
           <c:showPercent val="0"/>
           <c:showBubbleSize val="0"/>
         </c:dLbls>
-        <c:axId val="266513408"/>
-        <c:axId val="116953024"/>
+        <c:axId val="51320320"/>
+        <c:axId val="52249728"/>
       </c:areaChart>
       <c:catAx>
-        <c:axId val="266513408"/>
+        <c:axId val="51320320"/>
         <c:scaling>
           <c:orientation val="minMax"/>
         </c:scaling>
@@ -2829,7 +2829,7 @@
         <c:majorTickMark val="out"/>
         <c:minorTickMark val="none"/>
         <c:tickLblPos val="nextTo"/>
-        <c:crossAx val="116953024"/>
+        <c:crossAx val="52249728"/>
         <c:crosses val="autoZero"/>
         <c:auto val="1"/>
         <c:lblAlgn val="ctr"/>
@@ -2837,7 +2837,7 @@
         <c:noMultiLvlLbl val="0"/>
       </c:catAx>
       <c:valAx>
-        <c:axId val="116953024"/>
+        <c:axId val="52249728"/>
         <c:scaling>
           <c:orientation val="minMax"/>
         </c:scaling>
@@ -2868,7 +2868,7 @@
         <c:majorTickMark val="out"/>
         <c:minorTickMark val="none"/>
         <c:tickLblPos val="nextTo"/>
-        <c:crossAx val="266513408"/>
+        <c:crossAx val="51320320"/>
         <c:crosses val="autoZero"/>
         <c:crossBetween val="midCat"/>
       </c:valAx>
@@ -9104,7 +9104,7 @@
           <a:p>
             <a:fld id="{FAF648E3-ABF5-4FCD-BDF2-371C3D165212}" type="datetimeFigureOut">
               <a:rPr lang="en-US" smtClean="0"/>
-              <a:t>1/8/2013</a:t>
+              <a:t>1/9/2013</a:t>
             </a:fld>
             <a:endParaRPr lang="en-US"/>
           </a:p>
@@ -9417,345 +9417,504 @@
           <a:lstStyle/>
           <a:p>
             <a:r>
-              <a:rPr lang="en-US" noProof="0" dirty="0" smtClean="0"/>
-              <a:t>And this is where</a:t>
-            </a:r>
-            <a:r>
-              <a:rPr lang="en-US" baseline="0" noProof="0" dirty="0" smtClean="0"/>
-              <a:t> OpenCL comes into play. OpenCL will form the </a:t>
-            </a:r>
-            <a:r>
-              <a:rPr lang="en-US" b="1" baseline="0" noProof="0" dirty="0" smtClean="0"/>
-              <a:t>first part</a:t>
-            </a:r>
-            <a:r>
-              <a:rPr lang="en-US" baseline="0" noProof="0" dirty="0" smtClean="0"/>
-              <a:t> of my bachelor thesis, because building an application for the GPU using OpenCL is </a:t>
-            </a:r>
-            <a:r>
-              <a:rPr lang="en-US" b="1" baseline="0" noProof="0" dirty="0" smtClean="0"/>
-              <a:t>not as straightforward</a:t>
-            </a:r>
-            <a:r>
-              <a:rPr lang="en-US" baseline="0" noProof="0" dirty="0" smtClean="0"/>
-              <a:t> as writing an application for the CPU. Let's look what is different [CLICK].</a:t>
+              <a:rPr lang="de-AT" baseline="0" noProof="0" dirty="0" smtClean="0"/>
+              <a:t>Welcome </a:t>
+            </a:r>
+            <a:r>
+              <a:rPr lang="de-AT" baseline="0" noProof="0" dirty="0" err="1" smtClean="0"/>
+              <a:t>to</a:t>
+            </a:r>
+            <a:r>
+              <a:rPr lang="de-AT" baseline="0" noProof="0" dirty="0" smtClean="0"/>
+              <a:t> </a:t>
+            </a:r>
+            <a:r>
+              <a:rPr lang="de-AT" baseline="0" noProof="0" dirty="0" err="1" smtClean="0"/>
+              <a:t>my</a:t>
+            </a:r>
+            <a:r>
+              <a:rPr lang="de-AT" baseline="0" noProof="0" dirty="0" smtClean="0"/>
+              <a:t> </a:t>
+            </a:r>
+            <a:r>
+              <a:rPr lang="de-AT" baseline="0" noProof="0" dirty="0" err="1" smtClean="0"/>
+              <a:t>second</a:t>
+            </a:r>
+            <a:r>
+              <a:rPr lang="de-AT" baseline="0" noProof="0" dirty="0" smtClean="0"/>
+              <a:t> </a:t>
+            </a:r>
+            <a:r>
+              <a:rPr lang="de-AT" baseline="0" noProof="0" dirty="0" err="1" smtClean="0"/>
+              <a:t>presentation</a:t>
+            </a:r>
+            <a:r>
+              <a:rPr lang="de-AT" baseline="0" noProof="0" dirty="0" smtClean="0"/>
+              <a:t> </a:t>
+            </a:r>
+            <a:r>
+              <a:rPr lang="de-AT" baseline="0" noProof="0" dirty="0" err="1" smtClean="0"/>
+              <a:t>about</a:t>
+            </a:r>
+            <a:r>
+              <a:rPr lang="de-AT" baseline="0" noProof="0" dirty="0" smtClean="0"/>
+              <a:t> OpenCL, </a:t>
+            </a:r>
+            <a:r>
+              <a:rPr lang="de-AT" baseline="0" noProof="0" dirty="0" err="1" smtClean="0"/>
+              <a:t>about</a:t>
+            </a:r>
+            <a:r>
+              <a:rPr lang="de-AT" baseline="0" noProof="0" dirty="0" smtClean="0"/>
+              <a:t> </a:t>
+            </a:r>
+            <a:r>
+              <a:rPr lang="de-AT" baseline="0" noProof="0" dirty="0" err="1" smtClean="0"/>
+              <a:t>the</a:t>
+            </a:r>
+            <a:r>
+              <a:rPr lang="de-AT" baseline="0" noProof="0" dirty="0" smtClean="0"/>
+              <a:t> Open Computing Language.</a:t>
             </a:r>
           </a:p>
           <a:p>
             <a:r>
-              <a:rPr lang="en-US" baseline="0" noProof="0" dirty="0" smtClean="0"/>
-              <a:t>Like most other languages OpenCL has a </a:t>
-            </a:r>
-            <a:r>
-              <a:rPr lang="en-US" b="1" baseline="0" noProof="0" dirty="0" smtClean="0"/>
-              <a:t>compiler</a:t>
-            </a:r>
-            <a:r>
-              <a:rPr lang="en-US" baseline="0" noProof="0" dirty="0" smtClean="0"/>
-              <a:t>, that compiles OpenCL programs, the kernels. But the difference is, that is program </a:t>
-            </a:r>
-            <a:r>
-              <a:rPr lang="en-US" b="1" baseline="0" noProof="0" dirty="0" smtClean="0"/>
-              <a:t>cannot be run</a:t>
-            </a:r>
-            <a:r>
-              <a:rPr lang="en-US" baseline="0" noProof="0" dirty="0" smtClean="0"/>
-              <a:t>. It needs a so called </a:t>
-            </a:r>
-            <a:r>
-              <a:rPr lang="en-US" b="1" baseline="0" noProof="0" dirty="0" smtClean="0"/>
-              <a:t>host application</a:t>
-            </a:r>
-            <a:r>
-              <a:rPr lang="en-US" baseline="0" noProof="0" dirty="0" smtClean="0"/>
-              <a:t>, that moves this OpenCL program through the driver to the GPU. The host application running on the CPU then </a:t>
-            </a:r>
-            <a:r>
-              <a:rPr lang="en-US" b="1" baseline="0" noProof="0" dirty="0" smtClean="0"/>
-              <a:t>communicates</a:t>
-            </a:r>
-            <a:r>
-              <a:rPr lang="en-US" baseline="0" noProof="0" dirty="0" smtClean="0"/>
-              <a:t> with the OpenCL kernel through the </a:t>
-            </a:r>
-            <a:r>
-              <a:rPr lang="en-US" b="1" baseline="0" noProof="0" dirty="0" smtClean="0"/>
-              <a:t>OpenCL API</a:t>
-            </a:r>
-            <a:r>
-              <a:rPr lang="en-US" baseline="0" noProof="0" dirty="0" smtClean="0"/>
-              <a:t> and driver.</a:t>
+              <a:rPr lang="de-AT" baseline="0" noProof="0" dirty="0" smtClean="0"/>
+              <a:t>I will </a:t>
+            </a:r>
+            <a:r>
+              <a:rPr lang="de-AT" baseline="0" noProof="0" dirty="0" err="1" smtClean="0"/>
+              <a:t>start</a:t>
+            </a:r>
+            <a:r>
+              <a:rPr lang="de-AT" baseline="0" noProof="0" dirty="0" smtClean="0"/>
+              <a:t> </a:t>
+            </a:r>
+            <a:r>
+              <a:rPr lang="de-AT" baseline="0" noProof="0" dirty="0" err="1" smtClean="0"/>
+              <a:t>with</a:t>
+            </a:r>
+            <a:r>
+              <a:rPr lang="de-AT" baseline="0" noProof="0" dirty="0" smtClean="0"/>
+              <a:t> a </a:t>
+            </a:r>
+            <a:r>
+              <a:rPr lang="de-AT" baseline="0" noProof="0" dirty="0" err="1" smtClean="0"/>
+              <a:t>short</a:t>
+            </a:r>
+            <a:r>
+              <a:rPr lang="de-AT" baseline="0" noProof="0" dirty="0" smtClean="0"/>
+              <a:t> </a:t>
+            </a:r>
+            <a:r>
+              <a:rPr lang="de-AT" b="1" baseline="0" noProof="0" dirty="0" err="1" smtClean="0"/>
+              <a:t>flashback</a:t>
+            </a:r>
+            <a:r>
+              <a:rPr lang="de-AT" baseline="0" noProof="0" dirty="0" smtClean="0"/>
+              <a:t> </a:t>
+            </a:r>
+            <a:r>
+              <a:rPr lang="de-AT" baseline="0" noProof="0" dirty="0" err="1" smtClean="0"/>
+              <a:t>about</a:t>
+            </a:r>
+            <a:r>
+              <a:rPr lang="de-AT" baseline="0" noProof="0" dirty="0" smtClean="0"/>
+              <a:t> </a:t>
+            </a:r>
+            <a:r>
+              <a:rPr lang="de-AT" baseline="0" noProof="0" dirty="0" err="1" smtClean="0"/>
+              <a:t>what</a:t>
+            </a:r>
+            <a:r>
+              <a:rPr lang="de-AT" baseline="0" noProof="0" dirty="0" smtClean="0"/>
+              <a:t> I </a:t>
+            </a:r>
+            <a:r>
+              <a:rPr lang="de-AT" baseline="0" noProof="0" dirty="0" err="1" smtClean="0"/>
+              <a:t>have</a:t>
+            </a:r>
+            <a:r>
+              <a:rPr lang="de-AT" baseline="0" noProof="0" dirty="0" smtClean="0"/>
+              <a:t> </a:t>
+            </a:r>
+            <a:r>
+              <a:rPr lang="de-AT" baseline="0" noProof="0" dirty="0" err="1" smtClean="0"/>
+              <a:t>presented</a:t>
+            </a:r>
+            <a:r>
+              <a:rPr lang="de-AT" baseline="0" noProof="0" dirty="0" smtClean="0"/>
+              <a:t> last time.</a:t>
             </a:r>
           </a:p>
           <a:p>
-            <a:pPr marL="0" marR="0" indent="0" algn="l" defTabSz="914400" rtl="0" eaLnBrk="1" fontAlgn="auto" latinLnBrk="0" hangingPunct="1">
-              <a:lnSpc>
-                <a:spcPct val="100000"/>
-              </a:lnSpc>
-              <a:spcBef>
-                <a:spcPts val="0"/>
-              </a:spcBef>
-              <a:spcAft>
-                <a:spcPts val="0"/>
-              </a:spcAft>
-              <a:buClrTx/>
-              <a:buSzTx/>
-              <a:buFontTx/>
-              <a:buNone/>
-              <a:tabLst/>
-              <a:defRPr/>
-            </a:pPr>
-            <a:r>
-              <a:rPr lang="en-US" baseline="0" noProof="0" dirty="0" smtClean="0"/>
-              <a:t>But OpenCL is </a:t>
-            </a:r>
-            <a:r>
-              <a:rPr lang="en-US" b="1" baseline="0" noProof="0" dirty="0" smtClean="0"/>
-              <a:t>not </a:t>
-            </a:r>
-            <a:r>
-              <a:rPr lang="en-US" b="1" baseline="0" noProof="0" dirty="0" err="1" smtClean="0"/>
-              <a:t>limitted</a:t>
-            </a:r>
-            <a:r>
-              <a:rPr lang="en-US" b="1" baseline="0" noProof="0" dirty="0" smtClean="0"/>
-              <a:t> to GPUs</a:t>
-            </a:r>
-            <a:r>
-              <a:rPr lang="en-US" baseline="0" noProof="0" dirty="0" smtClean="0"/>
+            <a:r>
+              <a:rPr lang="de-AT" baseline="0" noProof="0" dirty="0" err="1" smtClean="0"/>
+              <a:t>We</a:t>
+            </a:r>
+            <a:r>
+              <a:rPr lang="de-AT" baseline="0" noProof="0" dirty="0" smtClean="0"/>
+              <a:t> </a:t>
+            </a:r>
+            <a:r>
+              <a:rPr lang="de-AT" baseline="0" noProof="0" dirty="0" err="1" smtClean="0"/>
+              <a:t>talked</a:t>
+            </a:r>
+            <a:r>
+              <a:rPr lang="de-AT" baseline="0" noProof="0" dirty="0" smtClean="0"/>
+              <a:t> </a:t>
+            </a:r>
+            <a:r>
+              <a:rPr lang="de-AT" baseline="0" noProof="0" dirty="0" err="1" smtClean="0"/>
+              <a:t>about</a:t>
+            </a:r>
+            <a:r>
+              <a:rPr lang="de-AT" baseline="0" noProof="0" dirty="0" smtClean="0"/>
+              <a:t> </a:t>
+            </a:r>
+            <a:r>
+              <a:rPr lang="de-AT" b="1" baseline="0" noProof="0" dirty="0" err="1" smtClean="0"/>
+              <a:t>what</a:t>
+            </a:r>
+            <a:r>
+              <a:rPr lang="de-AT" b="1" baseline="0" noProof="0" dirty="0" smtClean="0"/>
+              <a:t> a GPU </a:t>
+            </a:r>
+            <a:r>
+              <a:rPr lang="de-AT" b="1" baseline="0" noProof="0" dirty="0" err="1" smtClean="0"/>
+              <a:t>is</a:t>
+            </a:r>
+            <a:r>
+              <a:rPr lang="de-AT" baseline="0" noProof="0" dirty="0" smtClean="0"/>
+              <a:t> </a:t>
+            </a:r>
+            <a:r>
+              <a:rPr lang="de-AT" baseline="0" noProof="0" dirty="0" err="1" smtClean="0"/>
+              <a:t>and</a:t>
+            </a:r>
+            <a:r>
+              <a:rPr lang="de-AT" baseline="0" noProof="0" dirty="0" smtClean="0"/>
+              <a:t> </a:t>
+            </a:r>
+            <a:r>
+              <a:rPr lang="de-AT" baseline="0" noProof="0" dirty="0" err="1" smtClean="0"/>
+              <a:t>what</a:t>
+            </a:r>
+            <a:r>
+              <a:rPr lang="de-AT" baseline="0" noProof="0" dirty="0" smtClean="0"/>
+              <a:t> </a:t>
+            </a:r>
+            <a:r>
+              <a:rPr lang="de-AT" baseline="0" noProof="0" dirty="0" err="1" smtClean="0"/>
+              <a:t>the</a:t>
+            </a:r>
+            <a:r>
+              <a:rPr lang="de-AT" baseline="0" noProof="0" dirty="0" smtClean="0"/>
+              <a:t> </a:t>
+            </a:r>
+            <a:r>
+              <a:rPr lang="de-AT" b="1" baseline="0" noProof="0" dirty="0" err="1" smtClean="0"/>
+              <a:t>differences</a:t>
+            </a:r>
+            <a:r>
+              <a:rPr lang="de-AT" baseline="0" noProof="0" dirty="0" smtClean="0"/>
+              <a:t> </a:t>
+            </a:r>
+            <a:r>
+              <a:rPr lang="de-AT" baseline="0" noProof="0" dirty="0" err="1" smtClean="0"/>
+              <a:t>between</a:t>
+            </a:r>
+            <a:r>
+              <a:rPr lang="de-AT" baseline="0" noProof="0" dirty="0" smtClean="0"/>
+              <a:t> a CPU </a:t>
+            </a:r>
+            <a:r>
+              <a:rPr lang="de-AT" baseline="0" noProof="0" dirty="0" err="1" smtClean="0"/>
+              <a:t>and</a:t>
+            </a:r>
+            <a:r>
+              <a:rPr lang="de-AT" baseline="0" noProof="0" dirty="0" smtClean="0"/>
+              <a:t> GPU </a:t>
+            </a:r>
+            <a:r>
+              <a:rPr lang="de-AT" baseline="0" noProof="0" dirty="0" err="1" smtClean="0"/>
+              <a:t>are</a:t>
+            </a:r>
+            <a:r>
+              <a:rPr lang="de-AT" baseline="0" noProof="0" dirty="0" smtClean="0"/>
               <a:t>.</a:t>
             </a:r>
-            <a:r>
-              <a:rPr lang="de-AT" dirty="0" smtClean="0"/>
-              <a:t> OpenCL </a:t>
-            </a:r>
-            <a:r>
-              <a:rPr lang="de-AT" dirty="0" err="1" smtClean="0"/>
-              <a:t>runs</a:t>
-            </a:r>
-            <a:r>
-              <a:rPr lang="de-AT" dirty="0" smtClean="0"/>
-              <a:t> on </a:t>
-            </a:r>
-            <a:r>
-              <a:rPr lang="de-AT" dirty="0" err="1" smtClean="0"/>
-              <a:t>the</a:t>
-            </a:r>
-            <a:r>
-              <a:rPr lang="de-AT" dirty="0" smtClean="0"/>
-              <a:t> CPU </a:t>
-            </a:r>
-            <a:r>
-              <a:rPr lang="de-AT" dirty="0" err="1" smtClean="0"/>
-              <a:t>as</a:t>
-            </a:r>
-            <a:r>
-              <a:rPr lang="de-AT" dirty="0" smtClean="0"/>
-              <a:t> </a:t>
-            </a:r>
-            <a:r>
-              <a:rPr lang="de-AT" dirty="0" err="1" smtClean="0"/>
-              <a:t>well</a:t>
-            </a:r>
-            <a:r>
-              <a:rPr lang="de-AT" dirty="0" smtClean="0"/>
-              <a:t> </a:t>
-            </a:r>
-            <a:r>
-              <a:rPr lang="de-AT" baseline="0" dirty="0" smtClean="0"/>
-              <a:t>[CLICK]</a:t>
-            </a:r>
-            <a:r>
-              <a:rPr lang="de-AT" dirty="0" smtClean="0"/>
-              <a:t>. </a:t>
-            </a:r>
-            <a:r>
-              <a:rPr lang="de-AT" baseline="0" dirty="0" err="1" smtClean="0"/>
-              <a:t>Therefore</a:t>
-            </a:r>
-            <a:r>
-              <a:rPr lang="de-AT" baseline="0" dirty="0" smtClean="0"/>
-              <a:t>, OpenCL </a:t>
-            </a:r>
-            <a:r>
-              <a:rPr lang="de-AT" baseline="0" dirty="0" err="1" smtClean="0"/>
-              <a:t>has</a:t>
-            </a:r>
-            <a:r>
-              <a:rPr lang="de-AT" baseline="0" dirty="0" smtClean="0"/>
-              <a:t> </a:t>
-            </a:r>
-            <a:r>
-              <a:rPr lang="de-AT" baseline="0" dirty="0" err="1" smtClean="0"/>
-              <a:t>several</a:t>
-            </a:r>
-            <a:r>
-              <a:rPr lang="de-AT" baseline="0" dirty="0" smtClean="0"/>
-              <a:t> </a:t>
-            </a:r>
-            <a:r>
-              <a:rPr lang="de-AT" b="1" baseline="0" dirty="0" err="1" smtClean="0"/>
-              <a:t>concepts</a:t>
-            </a:r>
-            <a:r>
-              <a:rPr lang="de-AT" b="1" baseline="0" dirty="0" smtClean="0"/>
-              <a:t> </a:t>
-            </a:r>
-            <a:r>
-              <a:rPr lang="de-AT" b="1" baseline="0" dirty="0" err="1" smtClean="0"/>
-              <a:t>to</a:t>
-            </a:r>
-            <a:r>
-              <a:rPr lang="de-AT" b="1" baseline="0" dirty="0" smtClean="0"/>
-              <a:t> </a:t>
-            </a:r>
-            <a:r>
-              <a:rPr lang="de-AT" b="1" baseline="0" dirty="0" err="1" smtClean="0"/>
-              <a:t>abstract</a:t>
-            </a:r>
-            <a:r>
-              <a:rPr lang="de-AT" b="1" baseline="0" dirty="0" smtClean="0"/>
-              <a:t> </a:t>
-            </a:r>
-            <a:r>
-              <a:rPr lang="de-AT" b="1" baseline="0" dirty="0" err="1" smtClean="0"/>
-              <a:t>the</a:t>
-            </a:r>
-            <a:r>
-              <a:rPr lang="de-AT" b="1" baseline="0" dirty="0" smtClean="0"/>
-              <a:t> </a:t>
-            </a:r>
-            <a:r>
-              <a:rPr lang="de-AT" b="1" baseline="0" dirty="0" err="1" smtClean="0"/>
-              <a:t>hardware</a:t>
-            </a:r>
-            <a:r>
-              <a:rPr lang="de-AT" baseline="0" dirty="0" smtClean="0"/>
-              <a:t> </a:t>
-            </a:r>
-            <a:r>
-              <a:rPr lang="de-AT" baseline="0" dirty="0" err="1" smtClean="0"/>
-              <a:t>to</a:t>
-            </a:r>
-            <a:r>
-              <a:rPr lang="de-AT" baseline="0" dirty="0" smtClean="0"/>
-              <a:t> </a:t>
-            </a:r>
-            <a:r>
-              <a:rPr lang="de-AT" baseline="0" dirty="0" err="1" smtClean="0"/>
-              <a:t>the</a:t>
-            </a:r>
-            <a:r>
-              <a:rPr lang="de-AT" baseline="0" dirty="0" smtClean="0"/>
-              <a:t> </a:t>
-            </a:r>
-            <a:r>
-              <a:rPr lang="de-AT" baseline="0" dirty="0" err="1" smtClean="0"/>
-              <a:t>programmer</a:t>
-            </a:r>
-            <a:r>
-              <a:rPr lang="de-AT" baseline="0" dirty="0" smtClean="0"/>
-              <a:t> </a:t>
-            </a:r>
-            <a:r>
-              <a:rPr lang="de-AT" baseline="0" dirty="0" err="1" smtClean="0"/>
-              <a:t>and</a:t>
-            </a:r>
-            <a:r>
-              <a:rPr lang="de-AT" baseline="0" dirty="0" smtClean="0"/>
-              <a:t> </a:t>
-            </a:r>
-            <a:r>
-              <a:rPr lang="de-AT" baseline="0" dirty="0" err="1" smtClean="0"/>
-              <a:t>these</a:t>
-            </a:r>
-            <a:r>
-              <a:rPr lang="de-AT" baseline="0" dirty="0" smtClean="0"/>
-              <a:t> </a:t>
-            </a:r>
-            <a:r>
-              <a:rPr lang="de-AT" baseline="0" dirty="0" err="1" smtClean="0"/>
-              <a:t>concepts</a:t>
-            </a:r>
-            <a:r>
-              <a:rPr lang="de-AT" baseline="0" dirty="0" smtClean="0"/>
-              <a:t> </a:t>
-            </a:r>
-            <a:r>
-              <a:rPr lang="de-AT" baseline="0" dirty="0" err="1" smtClean="0"/>
-              <a:t>and</a:t>
-            </a:r>
-            <a:r>
-              <a:rPr lang="de-AT" baseline="0" dirty="0" smtClean="0"/>
-              <a:t> </a:t>
-            </a:r>
-            <a:r>
-              <a:rPr lang="de-AT" baseline="0" dirty="0" err="1" smtClean="0"/>
-              <a:t>the</a:t>
-            </a:r>
-            <a:r>
-              <a:rPr lang="de-AT" baseline="0" dirty="0" smtClean="0"/>
-              <a:t> </a:t>
-            </a:r>
-            <a:r>
-              <a:rPr lang="de-AT" baseline="0" dirty="0" err="1" smtClean="0"/>
-              <a:t>corresponding</a:t>
-            </a:r>
-            <a:r>
-              <a:rPr lang="de-AT" baseline="0" dirty="0" smtClean="0"/>
-              <a:t> APIs form a </a:t>
-            </a:r>
-            <a:r>
-              <a:rPr lang="de-AT" baseline="0" dirty="0" err="1" smtClean="0"/>
-              <a:t>main</a:t>
-            </a:r>
-            <a:r>
-              <a:rPr lang="de-AT" baseline="0" dirty="0" smtClean="0"/>
-              <a:t> </a:t>
-            </a:r>
-            <a:r>
-              <a:rPr lang="de-AT" baseline="0" dirty="0" err="1" smtClean="0"/>
-              <a:t>part</a:t>
-            </a:r>
-            <a:r>
-              <a:rPr lang="de-AT" baseline="0" dirty="0" smtClean="0"/>
-              <a:t> </a:t>
-            </a:r>
-            <a:r>
-              <a:rPr lang="de-AT" baseline="0" dirty="0" err="1" smtClean="0"/>
-              <a:t>of</a:t>
-            </a:r>
-            <a:r>
-              <a:rPr lang="de-AT" baseline="0" dirty="0" smtClean="0"/>
-              <a:t> </a:t>
-            </a:r>
-            <a:r>
-              <a:rPr lang="de-AT" baseline="0" dirty="0" err="1" smtClean="0"/>
-              <a:t>my</a:t>
-            </a:r>
-            <a:r>
-              <a:rPr lang="de-AT" baseline="0" dirty="0" smtClean="0"/>
-              <a:t> </a:t>
-            </a:r>
-            <a:r>
-              <a:rPr lang="de-AT" baseline="0" dirty="0" err="1" smtClean="0"/>
-              <a:t>bachelor</a:t>
-            </a:r>
-            <a:r>
-              <a:rPr lang="de-AT" baseline="0" dirty="0" smtClean="0"/>
-              <a:t> </a:t>
-            </a:r>
-            <a:r>
-              <a:rPr lang="de-AT" baseline="0" dirty="0" err="1" smtClean="0"/>
-              <a:t>thesis</a:t>
-            </a:r>
-            <a:r>
-              <a:rPr lang="de-AT" baseline="0" dirty="0" smtClean="0"/>
-              <a:t>.</a:t>
-            </a:r>
-            <a:endParaRPr lang="en-US" dirty="0" smtClean="0"/>
           </a:p>
           <a:p>
+            <a:r>
+              <a:rPr lang="de-AT" baseline="0" noProof="0" dirty="0" smtClean="0"/>
+              <a:t>In </a:t>
+            </a:r>
+            <a:r>
+              <a:rPr lang="de-AT" baseline="0" noProof="0" dirty="0" err="1" smtClean="0"/>
+              <a:t>the</a:t>
+            </a:r>
+            <a:r>
+              <a:rPr lang="de-AT" baseline="0" noProof="0" dirty="0" smtClean="0"/>
+              <a:t> </a:t>
+            </a:r>
+            <a:r>
+              <a:rPr lang="de-AT" baseline="0" noProof="0" dirty="0" err="1" smtClean="0"/>
+              <a:t>second</a:t>
+            </a:r>
+            <a:r>
+              <a:rPr lang="de-AT" baseline="0" noProof="0" dirty="0" smtClean="0"/>
+              <a:t> </a:t>
+            </a:r>
+            <a:r>
+              <a:rPr lang="de-AT" baseline="0" noProof="0" dirty="0" err="1" smtClean="0"/>
+              <a:t>part</a:t>
+            </a:r>
+            <a:r>
+              <a:rPr lang="de-AT" baseline="0" noProof="0" dirty="0" smtClean="0"/>
+              <a:t>, I </a:t>
+            </a:r>
+            <a:r>
+              <a:rPr lang="de-AT" baseline="0" noProof="0" dirty="0" err="1" smtClean="0"/>
+              <a:t>covered</a:t>
+            </a:r>
+            <a:r>
+              <a:rPr lang="de-AT" baseline="0" noProof="0" dirty="0" smtClean="0"/>
+              <a:t> </a:t>
+            </a:r>
+            <a:r>
+              <a:rPr lang="de-AT" baseline="0" noProof="0" dirty="0" err="1" smtClean="0"/>
+              <a:t>the</a:t>
+            </a:r>
+            <a:r>
+              <a:rPr lang="de-AT" baseline="0" noProof="0" dirty="0" smtClean="0"/>
+              <a:t> </a:t>
+            </a:r>
+            <a:r>
+              <a:rPr lang="de-AT" b="1" baseline="0" noProof="0" dirty="0" err="1" smtClean="0"/>
+              <a:t>algorithms</a:t>
+            </a:r>
+            <a:r>
+              <a:rPr lang="de-AT" baseline="0" noProof="0" dirty="0" smtClean="0"/>
+              <a:t> I </a:t>
+            </a:r>
+            <a:r>
+              <a:rPr lang="de-AT" baseline="0" noProof="0" dirty="0" err="1" smtClean="0"/>
+              <a:t>wanted</a:t>
+            </a:r>
+            <a:r>
+              <a:rPr lang="de-AT" baseline="0" noProof="0" dirty="0" smtClean="0"/>
+              <a:t> </a:t>
+            </a:r>
+            <a:r>
+              <a:rPr lang="de-AT" baseline="0" noProof="0" dirty="0" err="1" smtClean="0"/>
+              <a:t>to</a:t>
+            </a:r>
+            <a:r>
+              <a:rPr lang="de-AT" baseline="0" noProof="0" dirty="0" smtClean="0"/>
+              <a:t> </a:t>
+            </a:r>
+            <a:r>
+              <a:rPr lang="de-AT" baseline="0" noProof="0" dirty="0" err="1" smtClean="0"/>
+              <a:t>implement</a:t>
+            </a:r>
+            <a:r>
+              <a:rPr lang="de-AT" baseline="0" noProof="0" dirty="0" smtClean="0"/>
+              <a:t>.</a:t>
+            </a:r>
+          </a:p>
+          <a:p>
+            <a:endParaRPr lang="de-AT" baseline="0" noProof="0" dirty="0" smtClean="0"/>
+          </a:p>
+          <a:p>
+            <a:r>
+              <a:rPr lang="de-AT" baseline="0" noProof="0" dirty="0" smtClean="0"/>
+              <a:t>Today </a:t>
+            </a:r>
+            <a:r>
+              <a:rPr lang="de-AT" baseline="0" noProof="0" dirty="0" err="1" smtClean="0"/>
+              <a:t>we</a:t>
+            </a:r>
+            <a:r>
+              <a:rPr lang="de-AT" baseline="0" noProof="0" dirty="0" smtClean="0"/>
+              <a:t> will </a:t>
+            </a:r>
+            <a:r>
+              <a:rPr lang="de-AT" baseline="0" noProof="0" dirty="0" err="1" smtClean="0"/>
+              <a:t>take</a:t>
+            </a:r>
+            <a:r>
+              <a:rPr lang="de-AT" baseline="0" noProof="0" dirty="0" smtClean="0"/>
+              <a:t> a </a:t>
+            </a:r>
+            <a:r>
+              <a:rPr lang="de-AT" b="1" baseline="0" noProof="0" dirty="0" err="1" smtClean="0"/>
+              <a:t>short</a:t>
+            </a:r>
+            <a:r>
+              <a:rPr lang="de-AT" b="1" baseline="0" noProof="0" dirty="0" smtClean="0"/>
+              <a:t> </a:t>
+            </a:r>
+            <a:r>
+              <a:rPr lang="de-AT" b="1" baseline="0" noProof="0" dirty="0" err="1" smtClean="0"/>
+              <a:t>look</a:t>
+            </a:r>
+            <a:r>
+              <a:rPr lang="de-AT" b="1" baseline="0" noProof="0" dirty="0" smtClean="0"/>
+              <a:t> </a:t>
+            </a:r>
+            <a:r>
+              <a:rPr lang="de-AT" baseline="0" noProof="0" dirty="0" err="1" smtClean="0"/>
+              <a:t>onto</a:t>
+            </a:r>
+            <a:r>
+              <a:rPr lang="de-AT" baseline="0" noProof="0" dirty="0" smtClean="0"/>
+              <a:t> </a:t>
+            </a:r>
+            <a:r>
+              <a:rPr lang="de-AT" baseline="0" noProof="0" dirty="0" err="1" smtClean="0"/>
+              <a:t>the</a:t>
+            </a:r>
+            <a:r>
+              <a:rPr lang="de-AT" baseline="0" noProof="0" dirty="0" smtClean="0"/>
+              <a:t> </a:t>
+            </a:r>
+            <a:r>
+              <a:rPr lang="de-AT" b="1" baseline="0" noProof="0" dirty="0" err="1" smtClean="0"/>
+              <a:t>hardware</a:t>
+            </a:r>
+            <a:r>
+              <a:rPr lang="de-AT" baseline="0" noProof="0" dirty="0" smtClean="0"/>
+              <a:t> </a:t>
+            </a:r>
+            <a:r>
+              <a:rPr lang="de-AT" baseline="0" noProof="0" dirty="0" err="1" smtClean="0"/>
+              <a:t>again</a:t>
+            </a:r>
+            <a:r>
+              <a:rPr lang="de-AT" baseline="0" noProof="0" dirty="0" smtClean="0"/>
+              <a:t> </a:t>
+            </a:r>
+            <a:r>
+              <a:rPr lang="de-AT" baseline="0" noProof="0" dirty="0" err="1" smtClean="0"/>
+              <a:t>and</a:t>
+            </a:r>
+            <a:r>
+              <a:rPr lang="de-AT" baseline="0" noProof="0" dirty="0" smtClean="0"/>
+              <a:t> </a:t>
+            </a:r>
+            <a:r>
+              <a:rPr lang="de-AT" baseline="0" noProof="0" dirty="0" err="1" smtClean="0"/>
+              <a:t>then</a:t>
+            </a:r>
+            <a:r>
+              <a:rPr lang="de-AT" baseline="0" noProof="0" dirty="0" smtClean="0"/>
+              <a:t> </a:t>
+            </a:r>
+            <a:r>
+              <a:rPr lang="de-AT" baseline="0" noProof="0" dirty="0" err="1" smtClean="0"/>
+              <a:t>continue</a:t>
+            </a:r>
+            <a:r>
+              <a:rPr lang="de-AT" baseline="0" noProof="0" dirty="0" smtClean="0"/>
+              <a:t> </a:t>
+            </a:r>
+            <a:r>
+              <a:rPr lang="de-AT" baseline="0" noProof="0" dirty="0" err="1" smtClean="0"/>
+              <a:t>with</a:t>
+            </a:r>
+            <a:r>
+              <a:rPr lang="de-AT" baseline="0" noProof="0" dirty="0" smtClean="0"/>
+              <a:t> </a:t>
+            </a:r>
+            <a:r>
+              <a:rPr lang="de-AT" baseline="0" noProof="0" dirty="0" err="1" smtClean="0"/>
+              <a:t>some</a:t>
+            </a:r>
+            <a:r>
+              <a:rPr lang="de-AT" baseline="0" noProof="0" dirty="0" smtClean="0"/>
+              <a:t> </a:t>
+            </a:r>
+            <a:r>
+              <a:rPr lang="de-AT" b="1" baseline="0" noProof="0" dirty="0" err="1" smtClean="0"/>
+              <a:t>concrete</a:t>
+            </a:r>
+            <a:r>
+              <a:rPr lang="de-AT" b="1" baseline="0" noProof="0" dirty="0" smtClean="0"/>
+              <a:t> </a:t>
+            </a:r>
+            <a:r>
+              <a:rPr lang="de-AT" b="1" baseline="0" noProof="0" dirty="0" err="1" smtClean="0"/>
+              <a:t>concepts</a:t>
+            </a:r>
+            <a:r>
+              <a:rPr lang="de-AT" baseline="0" noProof="0" dirty="0" smtClean="0"/>
+              <a:t> </a:t>
+            </a:r>
+            <a:r>
+              <a:rPr lang="de-AT" baseline="0" noProof="0" dirty="0" err="1" smtClean="0"/>
+              <a:t>about</a:t>
+            </a:r>
+            <a:r>
+              <a:rPr lang="de-AT" baseline="0" noProof="0" dirty="0" smtClean="0"/>
+              <a:t> </a:t>
+            </a:r>
+            <a:r>
+              <a:rPr lang="de-AT" baseline="0" noProof="0" dirty="0" err="1" smtClean="0"/>
+              <a:t>how</a:t>
+            </a:r>
+            <a:r>
+              <a:rPr lang="de-AT" baseline="0" noProof="0" dirty="0" smtClean="0"/>
+              <a:t> </a:t>
+            </a:r>
+            <a:r>
+              <a:rPr lang="de-AT" baseline="0" noProof="0" dirty="0" err="1" smtClean="0"/>
+              <a:t>we</a:t>
+            </a:r>
+            <a:r>
+              <a:rPr lang="de-AT" baseline="0" noProof="0" dirty="0" smtClean="0"/>
+              <a:t> </a:t>
+            </a:r>
+            <a:r>
+              <a:rPr lang="de-AT" baseline="0" noProof="0" dirty="0" err="1" smtClean="0"/>
+              <a:t>can</a:t>
+            </a:r>
+            <a:r>
+              <a:rPr lang="de-AT" baseline="0" noProof="0" dirty="0" smtClean="0"/>
+              <a:t> </a:t>
+            </a:r>
+            <a:r>
+              <a:rPr lang="de-AT" baseline="0" noProof="0" dirty="0" err="1" smtClean="0"/>
+              <a:t>implement</a:t>
+            </a:r>
+            <a:r>
+              <a:rPr lang="de-AT" baseline="0" noProof="0" dirty="0" smtClean="0"/>
+              <a:t> </a:t>
+            </a:r>
+            <a:r>
+              <a:rPr lang="de-AT" baseline="0" noProof="0" dirty="0" err="1" smtClean="0"/>
+              <a:t>those</a:t>
+            </a:r>
+            <a:r>
+              <a:rPr lang="de-AT" baseline="0" noProof="0" dirty="0" smtClean="0"/>
+              <a:t> </a:t>
+            </a:r>
+            <a:r>
+              <a:rPr lang="de-AT" baseline="0" noProof="0" dirty="0" err="1" smtClean="0"/>
+              <a:t>algorithms</a:t>
+            </a:r>
+            <a:r>
+              <a:rPr lang="de-AT" baseline="0" noProof="0" dirty="0" smtClean="0"/>
+              <a:t> </a:t>
+            </a:r>
+            <a:r>
+              <a:rPr lang="de-AT" baseline="0" noProof="0" dirty="0" err="1" smtClean="0"/>
+              <a:t>for</a:t>
+            </a:r>
+            <a:r>
+              <a:rPr lang="de-AT" baseline="0" noProof="0" dirty="0" smtClean="0"/>
+              <a:t> a GPU.</a:t>
+            </a:r>
             <a:endParaRPr lang="en-US" baseline="0" noProof="0" dirty="0" smtClean="0"/>
           </a:p>
         </p:txBody>
@@ -9787,6 +9946,1810 @@
     <p:extLst>
       <p:ext uri="{BB962C8B-B14F-4D97-AF65-F5344CB8AC3E}">
         <p14:creationId xmlns:p14="http://schemas.microsoft.com/office/powerpoint/2010/main" val="441294791"/>
+      </p:ext>
+    </p:extLst>
+  </p:cSld>
+  <p:clrMapOvr>
+    <a:masterClrMapping/>
+  </p:clrMapOvr>
+</p:notes>
+</file>
+
+<file path=ppt/notesSlides/notesSlide10.xml><?xml version="1.0" encoding="utf-8"?>
+<p:notes xmlns:a="http://schemas.openxmlformats.org/drawingml/2006/main" xmlns:r="http://schemas.openxmlformats.org/officeDocument/2006/relationships" xmlns:p="http://schemas.openxmlformats.org/presentationml/2006/main">
+  <p:cSld>
+    <p:spTree>
+      <p:nvGrpSpPr>
+        <p:cNvPr id="1" name=""/>
+        <p:cNvGrpSpPr/>
+        <p:nvPr/>
+      </p:nvGrpSpPr>
+      <p:grpSpPr>
+        <a:xfrm>
+          <a:off x="0" y="0"/>
+          <a:ext cx="0" cy="0"/>
+          <a:chOff x="0" y="0"/>
+          <a:chExt cx="0" cy="0"/>
+        </a:xfrm>
+      </p:grpSpPr>
+      <p:sp>
+        <p:nvSpPr>
+          <p:cNvPr id="2" name="Slide Image Placeholder 1"/>
+          <p:cNvSpPr>
+            <a:spLocks noGrp="1" noRot="1" noChangeAspect="1"/>
+          </p:cNvSpPr>
+          <p:nvPr>
+            <p:ph type="sldImg"/>
+          </p:nvPr>
+        </p:nvSpPr>
+        <p:spPr/>
+      </p:sp>
+      <p:sp>
+        <p:nvSpPr>
+          <p:cNvPr id="3" name="Notes Placeholder 2"/>
+          <p:cNvSpPr>
+            <a:spLocks noGrp="1"/>
+          </p:cNvSpPr>
+          <p:nvPr>
+            <p:ph type="body" idx="1"/>
+          </p:nvPr>
+        </p:nvSpPr>
+        <p:spPr/>
+        <p:txBody>
+          <a:bodyPr/>
+          <a:lstStyle/>
+          <a:p>
+            <a:endParaRPr lang="en-US" dirty="0"/>
+          </a:p>
+        </p:txBody>
+      </p:sp>
+      <p:sp>
+        <p:nvSpPr>
+          <p:cNvPr id="4" name="Slide Number Placeholder 3"/>
+          <p:cNvSpPr>
+            <a:spLocks noGrp="1"/>
+          </p:cNvSpPr>
+          <p:nvPr>
+            <p:ph type="sldNum" sz="quarter" idx="10"/>
+          </p:nvPr>
+        </p:nvSpPr>
+        <p:spPr/>
+        <p:txBody>
+          <a:bodyPr/>
+          <a:lstStyle/>
+          <a:p>
+            <a:fld id="{E19E8DFC-DE97-490B-8572-C8B1A4CD170F}" type="slidenum">
+              <a:rPr lang="en-US" smtClean="0"/>
+              <a:t>10</a:t>
+            </a:fld>
+            <a:endParaRPr lang="en-US"/>
+          </a:p>
+        </p:txBody>
+      </p:sp>
+    </p:spTree>
+    <p:extLst>
+      <p:ext uri="{BB962C8B-B14F-4D97-AF65-F5344CB8AC3E}">
+        <p14:creationId xmlns:p14="http://schemas.microsoft.com/office/powerpoint/2010/main" val="3282836178"/>
+      </p:ext>
+    </p:extLst>
+  </p:cSld>
+  <p:clrMapOvr>
+    <a:masterClrMapping/>
+  </p:clrMapOvr>
+</p:notes>
+</file>
+
+<file path=ppt/notesSlides/notesSlide11.xml><?xml version="1.0" encoding="utf-8"?>
+<p:notes xmlns:a="http://schemas.openxmlformats.org/drawingml/2006/main" xmlns:r="http://schemas.openxmlformats.org/officeDocument/2006/relationships" xmlns:p="http://schemas.openxmlformats.org/presentationml/2006/main">
+  <p:cSld>
+    <p:spTree>
+      <p:nvGrpSpPr>
+        <p:cNvPr id="1" name=""/>
+        <p:cNvGrpSpPr/>
+        <p:nvPr/>
+      </p:nvGrpSpPr>
+      <p:grpSpPr>
+        <a:xfrm>
+          <a:off x="0" y="0"/>
+          <a:ext cx="0" cy="0"/>
+          <a:chOff x="0" y="0"/>
+          <a:chExt cx="0" cy="0"/>
+        </a:xfrm>
+      </p:grpSpPr>
+      <p:sp>
+        <p:nvSpPr>
+          <p:cNvPr id="2" name="Slide Image Placeholder 1"/>
+          <p:cNvSpPr>
+            <a:spLocks noGrp="1" noRot="1" noChangeAspect="1"/>
+          </p:cNvSpPr>
+          <p:nvPr>
+            <p:ph type="sldImg"/>
+          </p:nvPr>
+        </p:nvSpPr>
+        <p:spPr/>
+      </p:sp>
+      <p:sp>
+        <p:nvSpPr>
+          <p:cNvPr id="3" name="Notes Placeholder 2"/>
+          <p:cNvSpPr>
+            <a:spLocks noGrp="1"/>
+          </p:cNvSpPr>
+          <p:nvPr>
+            <p:ph type="body" idx="1"/>
+          </p:nvPr>
+        </p:nvSpPr>
+        <p:spPr/>
+        <p:txBody>
+          <a:bodyPr/>
+          <a:lstStyle/>
+          <a:p>
+            <a:r>
+              <a:rPr lang="en-US" b="0" noProof="0" dirty="0" smtClean="0"/>
+              <a:t>The final problem I</a:t>
+            </a:r>
+            <a:r>
+              <a:rPr lang="en-US" b="0" baseline="0" noProof="0" dirty="0" smtClean="0"/>
+              <a:t> tried was the matrix multiplication. The beauty of this problem is that each output element is computed completely independently of each other element. This means, that calculating the result matrix should be very fast and easy to implement on a GPU, as we can simply assign each separate output element to a different GPU core.</a:t>
+            </a:r>
+            <a:endParaRPr lang="en-US" b="0" noProof="0" dirty="0"/>
+          </a:p>
+        </p:txBody>
+      </p:sp>
+      <p:sp>
+        <p:nvSpPr>
+          <p:cNvPr id="4" name="Slide Number Placeholder 3"/>
+          <p:cNvSpPr>
+            <a:spLocks noGrp="1"/>
+          </p:cNvSpPr>
+          <p:nvPr>
+            <p:ph type="sldNum" sz="quarter" idx="10"/>
+          </p:nvPr>
+        </p:nvSpPr>
+        <p:spPr/>
+        <p:txBody>
+          <a:bodyPr/>
+          <a:lstStyle/>
+          <a:p>
+            <a:fld id="{E19E8DFC-DE97-490B-8572-C8B1A4CD170F}" type="slidenum">
+              <a:rPr lang="en-US" smtClean="0"/>
+              <a:t>11</a:t>
+            </a:fld>
+            <a:endParaRPr lang="en-US"/>
+          </a:p>
+        </p:txBody>
+      </p:sp>
+    </p:spTree>
+    <p:extLst>
+      <p:ext uri="{BB962C8B-B14F-4D97-AF65-F5344CB8AC3E}">
+        <p14:creationId xmlns:p14="http://schemas.microsoft.com/office/powerpoint/2010/main" val="3530741468"/>
+      </p:ext>
+    </p:extLst>
+  </p:cSld>
+  <p:clrMapOvr>
+    <a:masterClrMapping/>
+  </p:clrMapOvr>
+</p:notes>
+</file>
+
+<file path=ppt/notesSlides/notesSlide12.xml><?xml version="1.0" encoding="utf-8"?>
+<p:notes xmlns:a="http://schemas.openxmlformats.org/drawingml/2006/main" xmlns:r="http://schemas.openxmlformats.org/officeDocument/2006/relationships" xmlns:p="http://schemas.openxmlformats.org/presentationml/2006/main">
+  <p:cSld>
+    <p:spTree>
+      <p:nvGrpSpPr>
+        <p:cNvPr id="1" name=""/>
+        <p:cNvGrpSpPr/>
+        <p:nvPr/>
+      </p:nvGrpSpPr>
+      <p:grpSpPr>
+        <a:xfrm>
+          <a:off x="0" y="0"/>
+          <a:ext cx="0" cy="0"/>
+          <a:chOff x="0" y="0"/>
+          <a:chExt cx="0" cy="0"/>
+        </a:xfrm>
+      </p:grpSpPr>
+      <p:sp>
+        <p:nvSpPr>
+          <p:cNvPr id="2" name="Slide Image Placeholder 1"/>
+          <p:cNvSpPr>
+            <a:spLocks noGrp="1" noRot="1" noChangeAspect="1"/>
+          </p:cNvSpPr>
+          <p:nvPr>
+            <p:ph type="sldImg"/>
+          </p:nvPr>
+        </p:nvSpPr>
+        <p:spPr/>
+      </p:sp>
+      <p:sp>
+        <p:nvSpPr>
+          <p:cNvPr id="3" name="Notes Placeholder 2"/>
+          <p:cNvSpPr>
+            <a:spLocks noGrp="1"/>
+          </p:cNvSpPr>
+          <p:nvPr>
+            <p:ph type="body" idx="1"/>
+          </p:nvPr>
+        </p:nvSpPr>
+        <p:spPr/>
+        <p:txBody>
+          <a:bodyPr/>
+          <a:lstStyle/>
+          <a:p>
+            <a:r>
+              <a:rPr lang="de-AT" dirty="0" smtClean="0"/>
+              <a:t>The </a:t>
+            </a:r>
+            <a:r>
+              <a:rPr lang="de-AT" dirty="0" err="1" smtClean="0"/>
+              <a:t>results</a:t>
+            </a:r>
+            <a:r>
+              <a:rPr lang="de-AT" dirty="0" smtClean="0"/>
+              <a:t> </a:t>
+            </a:r>
+            <a:r>
+              <a:rPr lang="de-AT" dirty="0" err="1" smtClean="0"/>
+              <a:t>are</a:t>
+            </a:r>
+            <a:r>
+              <a:rPr lang="de-AT" dirty="0" smtClean="0"/>
+              <a:t> </a:t>
+            </a:r>
+            <a:r>
+              <a:rPr lang="de-AT" dirty="0" err="1" smtClean="0"/>
+              <a:t>amazing</a:t>
+            </a:r>
+            <a:r>
+              <a:rPr lang="de-AT" dirty="0" smtClean="0"/>
+              <a:t>.</a:t>
+            </a:r>
+            <a:endParaRPr lang="en-US" dirty="0"/>
+          </a:p>
+        </p:txBody>
+      </p:sp>
+      <p:sp>
+        <p:nvSpPr>
+          <p:cNvPr id="4" name="Slide Number Placeholder 3"/>
+          <p:cNvSpPr>
+            <a:spLocks noGrp="1"/>
+          </p:cNvSpPr>
+          <p:nvPr>
+            <p:ph type="sldNum" sz="quarter" idx="10"/>
+          </p:nvPr>
+        </p:nvSpPr>
+        <p:spPr/>
+        <p:txBody>
+          <a:bodyPr/>
+          <a:lstStyle/>
+          <a:p>
+            <a:fld id="{E19E8DFC-DE97-490B-8572-C8B1A4CD170F}" type="slidenum">
+              <a:rPr lang="en-US" smtClean="0"/>
+              <a:t>12</a:t>
+            </a:fld>
+            <a:endParaRPr lang="en-US"/>
+          </a:p>
+        </p:txBody>
+      </p:sp>
+    </p:spTree>
+    <p:extLst>
+      <p:ext uri="{BB962C8B-B14F-4D97-AF65-F5344CB8AC3E}">
+        <p14:creationId xmlns:p14="http://schemas.microsoft.com/office/powerpoint/2010/main" val="76273470"/>
+      </p:ext>
+    </p:extLst>
+  </p:cSld>
+  <p:clrMapOvr>
+    <a:masterClrMapping/>
+  </p:clrMapOvr>
+</p:notes>
+</file>
+
+<file path=ppt/notesSlides/notesSlide13.xml><?xml version="1.0" encoding="utf-8"?>
+<p:notes xmlns:a="http://schemas.openxmlformats.org/drawingml/2006/main" xmlns:r="http://schemas.openxmlformats.org/officeDocument/2006/relationships" xmlns:p="http://schemas.openxmlformats.org/presentationml/2006/main">
+  <p:cSld>
+    <p:spTree>
+      <p:nvGrpSpPr>
+        <p:cNvPr id="1" name=""/>
+        <p:cNvGrpSpPr/>
+        <p:nvPr/>
+      </p:nvGrpSpPr>
+      <p:grpSpPr>
+        <a:xfrm>
+          <a:off x="0" y="0"/>
+          <a:ext cx="0" cy="0"/>
+          <a:chOff x="0" y="0"/>
+          <a:chExt cx="0" cy="0"/>
+        </a:xfrm>
+      </p:grpSpPr>
+      <p:sp>
+        <p:nvSpPr>
+          <p:cNvPr id="2" name="Slide Image Placeholder 1"/>
+          <p:cNvSpPr>
+            <a:spLocks noGrp="1" noRot="1" noChangeAspect="1"/>
+          </p:cNvSpPr>
+          <p:nvPr>
+            <p:ph type="sldImg"/>
+          </p:nvPr>
+        </p:nvSpPr>
+        <p:spPr/>
+      </p:sp>
+      <p:sp>
+        <p:nvSpPr>
+          <p:cNvPr id="3" name="Notes Placeholder 2"/>
+          <p:cNvSpPr>
+            <a:spLocks noGrp="1"/>
+          </p:cNvSpPr>
+          <p:nvPr>
+            <p:ph type="body" idx="1"/>
+          </p:nvPr>
+        </p:nvSpPr>
+        <p:spPr/>
+        <p:txBody>
+          <a:bodyPr/>
+          <a:lstStyle/>
+          <a:p>
+            <a:r>
+              <a:rPr lang="de-AT" dirty="0" smtClean="0"/>
+              <a:t>But </a:t>
+            </a:r>
+            <a:r>
+              <a:rPr lang="de-AT" dirty="0" err="1" smtClean="0"/>
+              <a:t>why</a:t>
+            </a:r>
+            <a:r>
+              <a:rPr lang="de-AT" baseline="0" dirty="0" smtClean="0"/>
+              <a:t> </a:t>
+            </a:r>
+            <a:r>
+              <a:rPr lang="de-AT" baseline="0" dirty="0" err="1" smtClean="0"/>
+              <a:t>take</a:t>
+            </a:r>
+            <a:r>
+              <a:rPr lang="de-AT" baseline="0" dirty="0" smtClean="0"/>
+              <a:t> </a:t>
+            </a:r>
+            <a:r>
+              <a:rPr lang="de-AT" baseline="0" dirty="0" err="1" smtClean="0"/>
+              <a:t>one</a:t>
+            </a:r>
+            <a:r>
+              <a:rPr lang="de-AT" baseline="0" dirty="0" smtClean="0"/>
+              <a:t> </a:t>
+            </a:r>
+            <a:r>
+              <a:rPr lang="de-AT" baseline="0" dirty="0" err="1" smtClean="0"/>
+              <a:t>matrix</a:t>
+            </a:r>
+            <a:r>
+              <a:rPr lang="de-AT" baseline="0" dirty="0" smtClean="0"/>
+              <a:t> </a:t>
+            </a:r>
+            <a:r>
+              <a:rPr lang="de-AT" baseline="0" dirty="0" err="1" smtClean="0"/>
+              <a:t>multiplication</a:t>
+            </a:r>
+            <a:r>
+              <a:rPr lang="de-AT" baseline="0" dirty="0" smtClean="0"/>
+              <a:t>, </a:t>
+            </a:r>
+            <a:r>
+              <a:rPr lang="de-AT" baseline="0" dirty="0" err="1" smtClean="0"/>
+              <a:t>when</a:t>
+            </a:r>
+            <a:r>
+              <a:rPr lang="de-AT" baseline="0" dirty="0" smtClean="0"/>
+              <a:t> </a:t>
+            </a:r>
+            <a:r>
+              <a:rPr lang="de-AT" baseline="0" dirty="0" err="1" smtClean="0"/>
+              <a:t>we</a:t>
+            </a:r>
+            <a:r>
+              <a:rPr lang="de-AT" baseline="0" dirty="0" smtClean="0"/>
+              <a:t> </a:t>
+            </a:r>
+            <a:r>
+              <a:rPr lang="de-AT" baseline="0" dirty="0" err="1" smtClean="0"/>
+              <a:t>can</a:t>
+            </a:r>
+            <a:r>
+              <a:rPr lang="de-AT" baseline="0" dirty="0" smtClean="0"/>
+              <a:t> </a:t>
+            </a:r>
+            <a:r>
+              <a:rPr lang="de-AT" baseline="0" dirty="0" err="1" smtClean="0"/>
+              <a:t>have</a:t>
+            </a:r>
+            <a:r>
+              <a:rPr lang="de-AT" baseline="0" dirty="0" smtClean="0"/>
+              <a:t> lots </a:t>
+            </a:r>
+            <a:r>
+              <a:rPr lang="de-AT" baseline="0" dirty="0" err="1" smtClean="0"/>
+              <a:t>of</a:t>
+            </a:r>
+            <a:r>
+              <a:rPr lang="de-AT" baseline="0" dirty="0" smtClean="0"/>
+              <a:t> </a:t>
+            </a:r>
+            <a:r>
+              <a:rPr lang="de-AT" baseline="0" dirty="0" err="1" smtClean="0"/>
+              <a:t>multiplications</a:t>
+            </a:r>
+            <a:r>
+              <a:rPr lang="de-AT" baseline="0" dirty="0" smtClean="0"/>
+              <a:t> in parallel. This </a:t>
+            </a:r>
+            <a:r>
+              <a:rPr lang="de-AT" baseline="0" dirty="0" err="1" smtClean="0"/>
+              <a:t>is</a:t>
+            </a:r>
+            <a:r>
+              <a:rPr lang="de-AT" baseline="0" dirty="0" smtClean="0"/>
+              <a:t> </a:t>
+            </a:r>
+            <a:r>
+              <a:rPr lang="de-AT" baseline="0" dirty="0" err="1" smtClean="0"/>
+              <a:t>often</a:t>
+            </a:r>
+            <a:r>
+              <a:rPr lang="de-AT" baseline="0" dirty="0" smtClean="0"/>
+              <a:t> </a:t>
+            </a:r>
+            <a:r>
+              <a:rPr lang="de-AT" baseline="0" dirty="0" err="1" smtClean="0"/>
+              <a:t>used</a:t>
+            </a:r>
+            <a:r>
+              <a:rPr lang="de-AT" baseline="0" dirty="0" smtClean="0"/>
+              <a:t> in 3D </a:t>
+            </a:r>
+            <a:r>
+              <a:rPr lang="de-AT" baseline="0" dirty="0" err="1" smtClean="0"/>
+              <a:t>geometry</a:t>
+            </a:r>
+            <a:r>
+              <a:rPr lang="de-AT" baseline="0" dirty="0" smtClean="0"/>
+              <a:t>, </a:t>
+            </a:r>
+            <a:r>
+              <a:rPr lang="de-AT" baseline="0" dirty="0" err="1" smtClean="0"/>
+              <a:t>when</a:t>
+            </a:r>
+            <a:r>
+              <a:rPr lang="de-AT" baseline="0" dirty="0" smtClean="0"/>
+              <a:t> </a:t>
+            </a:r>
+            <a:r>
+              <a:rPr lang="de-AT" baseline="0" dirty="0" err="1" smtClean="0"/>
+              <a:t>the</a:t>
+            </a:r>
+            <a:r>
+              <a:rPr lang="de-AT" baseline="0" dirty="0" smtClean="0"/>
+              <a:t> </a:t>
+            </a:r>
+            <a:r>
+              <a:rPr lang="de-AT" baseline="0" dirty="0" err="1" smtClean="0"/>
+              <a:t>vertices</a:t>
+            </a:r>
+            <a:r>
+              <a:rPr lang="de-AT" baseline="0" dirty="0" smtClean="0"/>
+              <a:t> </a:t>
+            </a:r>
+            <a:r>
+              <a:rPr lang="de-AT" baseline="0" dirty="0" err="1" smtClean="0"/>
+              <a:t>of</a:t>
+            </a:r>
+            <a:r>
+              <a:rPr lang="de-AT" baseline="0" dirty="0" smtClean="0"/>
+              <a:t> a 3D </a:t>
+            </a:r>
+            <a:r>
+              <a:rPr lang="de-AT" baseline="0" dirty="0" err="1" smtClean="0"/>
+              <a:t>model</a:t>
+            </a:r>
+            <a:r>
+              <a:rPr lang="de-AT" baseline="0" dirty="0" smtClean="0"/>
+              <a:t> </a:t>
+            </a:r>
+            <a:r>
+              <a:rPr lang="de-AT" baseline="0" dirty="0" err="1" smtClean="0"/>
+              <a:t>have</a:t>
+            </a:r>
+            <a:r>
+              <a:rPr lang="de-AT" baseline="0" dirty="0" smtClean="0"/>
+              <a:t> </a:t>
+            </a:r>
+            <a:r>
+              <a:rPr lang="de-AT" baseline="0" dirty="0" err="1" smtClean="0"/>
+              <a:t>to</a:t>
+            </a:r>
+            <a:r>
+              <a:rPr lang="de-AT" baseline="0" dirty="0" smtClean="0"/>
+              <a:t> </a:t>
+            </a:r>
+            <a:r>
+              <a:rPr lang="de-AT" baseline="0" dirty="0" err="1" smtClean="0"/>
+              <a:t>be</a:t>
+            </a:r>
+            <a:r>
+              <a:rPr lang="de-AT" baseline="0" dirty="0" smtClean="0"/>
+              <a:t> </a:t>
+            </a:r>
+            <a:r>
+              <a:rPr lang="de-AT" baseline="0" dirty="0" err="1" smtClean="0"/>
+              <a:t>transformed</a:t>
+            </a:r>
+            <a:r>
+              <a:rPr lang="de-AT" baseline="0" dirty="0" smtClean="0"/>
+              <a:t> </a:t>
+            </a:r>
+            <a:r>
+              <a:rPr lang="de-AT" baseline="0" dirty="0" err="1" smtClean="0"/>
+              <a:t>by</a:t>
+            </a:r>
+            <a:r>
+              <a:rPr lang="de-AT" baseline="0" dirty="0" smtClean="0"/>
+              <a:t> a </a:t>
+            </a:r>
+            <a:r>
+              <a:rPr lang="de-AT" baseline="0" dirty="0" err="1" smtClean="0"/>
+              <a:t>matrix</a:t>
+            </a:r>
+            <a:r>
+              <a:rPr lang="de-AT" baseline="0" dirty="0" smtClean="0"/>
+              <a:t>.</a:t>
+            </a:r>
+          </a:p>
+          <a:p>
+            <a:endParaRPr lang="de-AT" baseline="0" dirty="0" smtClean="0"/>
+          </a:p>
+          <a:p>
+            <a:r>
+              <a:rPr lang="de-AT" baseline="0" dirty="0" err="1" smtClean="0"/>
+              <a:t>My</a:t>
+            </a:r>
+            <a:r>
+              <a:rPr lang="de-AT" baseline="0" dirty="0" smtClean="0"/>
+              <a:t> </a:t>
+            </a:r>
+            <a:r>
+              <a:rPr lang="de-AT" baseline="0" dirty="0" err="1" smtClean="0"/>
+              <a:t>guess</a:t>
+            </a:r>
+            <a:r>
+              <a:rPr lang="de-AT" baseline="0" dirty="0" smtClean="0"/>
+              <a:t> was </a:t>
+            </a:r>
+            <a:r>
+              <a:rPr lang="de-AT" baseline="0" dirty="0" err="1" smtClean="0"/>
+              <a:t>that</a:t>
+            </a:r>
+            <a:r>
+              <a:rPr lang="de-AT" baseline="0" dirty="0" smtClean="0"/>
+              <a:t> </a:t>
+            </a:r>
+            <a:r>
+              <a:rPr lang="de-AT" baseline="0" dirty="0" err="1" smtClean="0"/>
+              <a:t>this</a:t>
+            </a:r>
+            <a:r>
+              <a:rPr lang="de-AT" baseline="0" dirty="0" smtClean="0"/>
+              <a:t> </a:t>
+            </a:r>
+            <a:r>
+              <a:rPr lang="de-AT" baseline="0" dirty="0" err="1" smtClean="0"/>
+              <a:t>should</a:t>
+            </a:r>
+            <a:r>
+              <a:rPr lang="de-AT" baseline="0" dirty="0" smtClean="0"/>
+              <a:t> also </a:t>
+            </a:r>
+            <a:r>
+              <a:rPr lang="de-AT" baseline="0" dirty="0" err="1" smtClean="0"/>
+              <a:t>run</a:t>
+            </a:r>
+            <a:r>
+              <a:rPr lang="de-AT" baseline="0" dirty="0" smtClean="0"/>
+              <a:t> </a:t>
+            </a:r>
+            <a:r>
+              <a:rPr lang="de-AT" baseline="0" dirty="0" err="1" smtClean="0"/>
+              <a:t>very</a:t>
+            </a:r>
+            <a:r>
+              <a:rPr lang="de-AT" baseline="0" dirty="0" smtClean="0"/>
+              <a:t> fast an </a:t>
+            </a:r>
+            <a:r>
+              <a:rPr lang="de-AT" baseline="0" dirty="0" err="1" smtClean="0"/>
+              <a:t>the</a:t>
+            </a:r>
+            <a:r>
+              <a:rPr lang="de-AT" baseline="0" dirty="0" smtClean="0"/>
+              <a:t> GPU. But </a:t>
+            </a:r>
+            <a:r>
+              <a:rPr lang="de-AT" baseline="0" dirty="0" err="1" smtClean="0"/>
+              <a:t>the</a:t>
+            </a:r>
+            <a:r>
+              <a:rPr lang="de-AT" baseline="0" dirty="0" smtClean="0"/>
+              <a:t> </a:t>
+            </a:r>
+            <a:r>
+              <a:rPr lang="de-AT" baseline="0" dirty="0" err="1" smtClean="0"/>
+              <a:t>results</a:t>
+            </a:r>
+            <a:r>
+              <a:rPr lang="de-AT" baseline="0" dirty="0" smtClean="0"/>
+              <a:t> </a:t>
+            </a:r>
+            <a:r>
+              <a:rPr lang="de-AT" baseline="0" dirty="0" err="1" smtClean="0"/>
+              <a:t>where</a:t>
+            </a:r>
+            <a:r>
+              <a:rPr lang="de-AT" baseline="0" dirty="0" smtClean="0"/>
+              <a:t> different … </a:t>
+            </a:r>
+            <a:r>
+              <a:rPr lang="de-AT" baseline="0" dirty="0" err="1" smtClean="0"/>
+              <a:t>totally</a:t>
+            </a:r>
+            <a:r>
+              <a:rPr lang="de-AT" baseline="0" dirty="0" smtClean="0"/>
+              <a:t> different …</a:t>
+            </a:r>
+            <a:endParaRPr lang="en-US" dirty="0"/>
+          </a:p>
+        </p:txBody>
+      </p:sp>
+      <p:sp>
+        <p:nvSpPr>
+          <p:cNvPr id="4" name="Slide Number Placeholder 3"/>
+          <p:cNvSpPr>
+            <a:spLocks noGrp="1"/>
+          </p:cNvSpPr>
+          <p:nvPr>
+            <p:ph type="sldNum" sz="quarter" idx="10"/>
+          </p:nvPr>
+        </p:nvSpPr>
+        <p:spPr/>
+        <p:txBody>
+          <a:bodyPr/>
+          <a:lstStyle/>
+          <a:p>
+            <a:fld id="{E19E8DFC-DE97-490B-8572-C8B1A4CD170F}" type="slidenum">
+              <a:rPr lang="en-US" smtClean="0"/>
+              <a:t>13</a:t>
+            </a:fld>
+            <a:endParaRPr lang="en-US"/>
+          </a:p>
+        </p:txBody>
+      </p:sp>
+    </p:spTree>
+    <p:extLst>
+      <p:ext uri="{BB962C8B-B14F-4D97-AF65-F5344CB8AC3E}">
+        <p14:creationId xmlns:p14="http://schemas.microsoft.com/office/powerpoint/2010/main" val="4055065643"/>
+      </p:ext>
+    </p:extLst>
+  </p:cSld>
+  <p:clrMapOvr>
+    <a:masterClrMapping/>
+  </p:clrMapOvr>
+</p:notes>
+</file>
+
+<file path=ppt/notesSlides/notesSlide14.xml><?xml version="1.0" encoding="utf-8"?>
+<p:notes xmlns:a="http://schemas.openxmlformats.org/drawingml/2006/main" xmlns:r="http://schemas.openxmlformats.org/officeDocument/2006/relationships" xmlns:p="http://schemas.openxmlformats.org/presentationml/2006/main">
+  <p:cSld>
+    <p:spTree>
+      <p:nvGrpSpPr>
+        <p:cNvPr id="1" name=""/>
+        <p:cNvGrpSpPr/>
+        <p:nvPr/>
+      </p:nvGrpSpPr>
+      <p:grpSpPr>
+        <a:xfrm>
+          <a:off x="0" y="0"/>
+          <a:ext cx="0" cy="0"/>
+          <a:chOff x="0" y="0"/>
+          <a:chExt cx="0" cy="0"/>
+        </a:xfrm>
+      </p:grpSpPr>
+      <p:sp>
+        <p:nvSpPr>
+          <p:cNvPr id="2" name="Slide Image Placeholder 1"/>
+          <p:cNvSpPr>
+            <a:spLocks noGrp="1" noRot="1" noChangeAspect="1"/>
+          </p:cNvSpPr>
+          <p:nvPr>
+            <p:ph type="sldImg"/>
+          </p:nvPr>
+        </p:nvSpPr>
+        <p:spPr/>
+      </p:sp>
+      <p:sp>
+        <p:nvSpPr>
+          <p:cNvPr id="3" name="Notes Placeholder 2"/>
+          <p:cNvSpPr>
+            <a:spLocks noGrp="1"/>
+          </p:cNvSpPr>
+          <p:nvPr>
+            <p:ph type="body" idx="1"/>
+          </p:nvPr>
+        </p:nvSpPr>
+        <p:spPr/>
+        <p:txBody>
+          <a:bodyPr/>
+          <a:lstStyle/>
+          <a:p>
+            <a:r>
+              <a:rPr lang="en-US" noProof="0" dirty="0" smtClean="0"/>
+              <a:t>As it turns out, a</a:t>
+            </a:r>
+            <a:r>
+              <a:rPr lang="en-US" baseline="0" noProof="0" dirty="0" smtClean="0"/>
+              <a:t> multithreaded CPU implementation using </a:t>
+            </a:r>
+            <a:r>
+              <a:rPr lang="en-US" baseline="0" noProof="0" dirty="0" err="1" smtClean="0"/>
+              <a:t>OpenMP</a:t>
+            </a:r>
+            <a:r>
+              <a:rPr lang="en-US" baseline="0" noProof="0" dirty="0" smtClean="0"/>
+              <a:t> runs faster than the GPU implementation.</a:t>
+            </a:r>
+          </a:p>
+          <a:p>
+            <a:r>
+              <a:rPr lang="en-US" baseline="0" noProof="0" dirty="0" smtClean="0"/>
+              <a:t>How is this possible? The single matrix multiplication was so amazingly fast.</a:t>
+            </a:r>
+          </a:p>
+          <a:p>
+            <a:endParaRPr lang="en-US" noProof="0" dirty="0" smtClean="0"/>
+          </a:p>
+          <a:p>
+            <a:r>
+              <a:rPr lang="en-US" noProof="0" dirty="0" smtClean="0"/>
+              <a:t>And this is where memory transfer comes into play</a:t>
+            </a:r>
+            <a:r>
+              <a:rPr lang="en-US" baseline="0" noProof="0" dirty="0" smtClean="0"/>
+              <a:t> …</a:t>
+            </a:r>
+            <a:endParaRPr lang="en-US" noProof="0" dirty="0"/>
+          </a:p>
+        </p:txBody>
+      </p:sp>
+      <p:sp>
+        <p:nvSpPr>
+          <p:cNvPr id="4" name="Slide Number Placeholder 3"/>
+          <p:cNvSpPr>
+            <a:spLocks noGrp="1"/>
+          </p:cNvSpPr>
+          <p:nvPr>
+            <p:ph type="sldNum" sz="quarter" idx="10"/>
+          </p:nvPr>
+        </p:nvSpPr>
+        <p:spPr/>
+        <p:txBody>
+          <a:bodyPr/>
+          <a:lstStyle/>
+          <a:p>
+            <a:fld id="{E19E8DFC-DE97-490B-8572-C8B1A4CD170F}" type="slidenum">
+              <a:rPr lang="en-US" smtClean="0"/>
+              <a:t>14</a:t>
+            </a:fld>
+            <a:endParaRPr lang="en-US"/>
+          </a:p>
+        </p:txBody>
+      </p:sp>
+    </p:spTree>
+    <p:extLst>
+      <p:ext uri="{BB962C8B-B14F-4D97-AF65-F5344CB8AC3E}">
+        <p14:creationId xmlns:p14="http://schemas.microsoft.com/office/powerpoint/2010/main" val="4092009159"/>
+      </p:ext>
+    </p:extLst>
+  </p:cSld>
+  <p:clrMapOvr>
+    <a:masterClrMapping/>
+  </p:clrMapOvr>
+</p:notes>
+</file>
+
+<file path=ppt/notesSlides/notesSlide15.xml><?xml version="1.0" encoding="utf-8"?>
+<p:notes xmlns:a="http://schemas.openxmlformats.org/drawingml/2006/main" xmlns:r="http://schemas.openxmlformats.org/officeDocument/2006/relationships" xmlns:p="http://schemas.openxmlformats.org/presentationml/2006/main">
+  <p:cSld>
+    <p:spTree>
+      <p:nvGrpSpPr>
+        <p:cNvPr id="1" name=""/>
+        <p:cNvGrpSpPr/>
+        <p:nvPr/>
+      </p:nvGrpSpPr>
+      <p:grpSpPr>
+        <a:xfrm>
+          <a:off x="0" y="0"/>
+          <a:ext cx="0" cy="0"/>
+          <a:chOff x="0" y="0"/>
+          <a:chExt cx="0" cy="0"/>
+        </a:xfrm>
+      </p:grpSpPr>
+      <p:sp>
+        <p:nvSpPr>
+          <p:cNvPr id="2" name="Slide Image Placeholder 1"/>
+          <p:cNvSpPr>
+            <a:spLocks noGrp="1" noRot="1" noChangeAspect="1"/>
+          </p:cNvSpPr>
+          <p:nvPr>
+            <p:ph type="sldImg"/>
+          </p:nvPr>
+        </p:nvSpPr>
+        <p:spPr/>
+      </p:sp>
+      <p:sp>
+        <p:nvSpPr>
+          <p:cNvPr id="3" name="Notes Placeholder 2"/>
+          <p:cNvSpPr>
+            <a:spLocks noGrp="1"/>
+          </p:cNvSpPr>
+          <p:nvPr>
+            <p:ph type="body" idx="1"/>
+          </p:nvPr>
+        </p:nvSpPr>
+        <p:spPr/>
+        <p:txBody>
+          <a:bodyPr/>
+          <a:lstStyle/>
+          <a:p>
+            <a:r>
+              <a:rPr lang="de-AT" dirty="0" smtClean="0"/>
+              <a:t>In </a:t>
+            </a:r>
+            <a:r>
+              <a:rPr lang="de-AT" dirty="0" err="1" smtClean="0"/>
+              <a:t>fact</a:t>
+            </a:r>
+            <a:r>
+              <a:rPr lang="de-AT" dirty="0" smtClean="0"/>
+              <a:t>, </a:t>
+            </a:r>
+            <a:r>
+              <a:rPr lang="de-AT" dirty="0" err="1" smtClean="0"/>
+              <a:t>the</a:t>
+            </a:r>
+            <a:r>
+              <a:rPr lang="de-AT" dirty="0" smtClean="0"/>
+              <a:t> GPU was </a:t>
+            </a:r>
+            <a:r>
+              <a:rPr lang="de-AT" dirty="0" err="1" smtClean="0"/>
+              <a:t>way</a:t>
+            </a:r>
+            <a:r>
+              <a:rPr lang="de-AT" dirty="0" smtClean="0"/>
+              <a:t> </a:t>
+            </a:r>
+            <a:r>
+              <a:rPr lang="de-AT" dirty="0" err="1" smtClean="0"/>
+              <a:t>faster</a:t>
+            </a:r>
+            <a:r>
+              <a:rPr lang="de-AT" dirty="0" smtClean="0"/>
+              <a:t> </a:t>
+            </a:r>
+            <a:r>
+              <a:rPr lang="de-AT" dirty="0" err="1" smtClean="0"/>
+              <a:t>than</a:t>
+            </a:r>
+            <a:r>
+              <a:rPr lang="de-AT" baseline="0" dirty="0" smtClean="0"/>
+              <a:t> </a:t>
+            </a:r>
+            <a:r>
+              <a:rPr lang="de-AT" baseline="0" dirty="0" err="1" smtClean="0"/>
+              <a:t>the</a:t>
+            </a:r>
+            <a:r>
+              <a:rPr lang="de-AT" baseline="0" dirty="0" smtClean="0"/>
+              <a:t> CPU. But, </a:t>
+            </a:r>
+            <a:r>
+              <a:rPr lang="de-AT" baseline="0" dirty="0" err="1" smtClean="0"/>
+              <a:t>the</a:t>
+            </a:r>
+            <a:r>
+              <a:rPr lang="de-AT" baseline="0" dirty="0" smtClean="0"/>
+              <a:t> time </a:t>
+            </a:r>
+            <a:r>
+              <a:rPr lang="de-AT" baseline="0" dirty="0" err="1" smtClean="0"/>
+              <a:t>needed</a:t>
+            </a:r>
+            <a:r>
+              <a:rPr lang="de-AT" baseline="0" dirty="0" smtClean="0"/>
+              <a:t> </a:t>
+            </a:r>
+            <a:r>
+              <a:rPr lang="de-AT" baseline="0" dirty="0" err="1" smtClean="0"/>
+              <a:t>to</a:t>
+            </a:r>
+            <a:r>
+              <a:rPr lang="de-AT" baseline="0" dirty="0" smtClean="0"/>
+              <a:t> </a:t>
+            </a:r>
+            <a:r>
+              <a:rPr lang="de-AT" baseline="0" dirty="0" err="1" smtClean="0"/>
+              <a:t>copy</a:t>
+            </a:r>
+            <a:r>
+              <a:rPr lang="de-AT" baseline="0" dirty="0" smtClean="0"/>
+              <a:t> all </a:t>
+            </a:r>
+            <a:r>
+              <a:rPr lang="de-AT" baseline="0" dirty="0" err="1" smtClean="0"/>
+              <a:t>the</a:t>
+            </a:r>
+            <a:r>
+              <a:rPr lang="de-AT" baseline="0" dirty="0" smtClean="0"/>
+              <a:t> </a:t>
+            </a:r>
+            <a:r>
+              <a:rPr lang="de-AT" baseline="0" dirty="0" err="1" smtClean="0"/>
+              <a:t>input</a:t>
+            </a:r>
+            <a:r>
+              <a:rPr lang="de-AT" baseline="0" dirty="0" smtClean="0"/>
+              <a:t> </a:t>
+            </a:r>
+            <a:r>
+              <a:rPr lang="de-AT" baseline="0" dirty="0" err="1" smtClean="0"/>
+              <a:t>data</a:t>
+            </a:r>
+            <a:r>
+              <a:rPr lang="de-AT" baseline="0" dirty="0" smtClean="0"/>
+              <a:t> </a:t>
+            </a:r>
+            <a:r>
+              <a:rPr lang="de-AT" baseline="0" dirty="0" err="1" smtClean="0"/>
+              <a:t>to</a:t>
+            </a:r>
+            <a:r>
+              <a:rPr lang="de-AT" baseline="0" dirty="0" smtClean="0"/>
+              <a:t> </a:t>
+            </a:r>
+            <a:r>
+              <a:rPr lang="de-AT" baseline="0" dirty="0" err="1" smtClean="0"/>
+              <a:t>the</a:t>
+            </a:r>
+            <a:r>
+              <a:rPr lang="de-AT" baseline="0" dirty="0" smtClean="0"/>
+              <a:t> </a:t>
+            </a:r>
+            <a:r>
+              <a:rPr lang="de-AT" baseline="0" dirty="0" err="1" smtClean="0"/>
+              <a:t>graphics</a:t>
+            </a:r>
+            <a:r>
+              <a:rPr lang="de-AT" baseline="0" dirty="0" smtClean="0"/>
+              <a:t> </a:t>
+            </a:r>
+            <a:r>
+              <a:rPr lang="de-AT" baseline="0" dirty="0" err="1" smtClean="0"/>
+              <a:t>card</a:t>
+            </a:r>
+            <a:r>
+              <a:rPr lang="de-AT" baseline="0" dirty="0" smtClean="0"/>
+              <a:t> </a:t>
+            </a:r>
+            <a:r>
+              <a:rPr lang="de-AT" baseline="0" dirty="0" err="1" smtClean="0"/>
+              <a:t>and</a:t>
+            </a:r>
+            <a:r>
+              <a:rPr lang="de-AT" baseline="0" dirty="0" smtClean="0"/>
+              <a:t> </a:t>
+            </a:r>
+            <a:r>
+              <a:rPr lang="de-AT" baseline="0" dirty="0" err="1" smtClean="0"/>
+              <a:t>download</a:t>
+            </a:r>
+            <a:r>
+              <a:rPr lang="de-AT" baseline="0" dirty="0" smtClean="0"/>
+              <a:t> </a:t>
+            </a:r>
+            <a:r>
+              <a:rPr lang="de-AT" baseline="0" dirty="0" err="1" smtClean="0"/>
+              <a:t>it</a:t>
+            </a:r>
+            <a:r>
+              <a:rPr lang="de-AT" baseline="0" dirty="0" smtClean="0"/>
+              <a:t> </a:t>
+            </a:r>
+            <a:r>
+              <a:rPr lang="de-AT" baseline="0" dirty="0" err="1" smtClean="0"/>
+              <a:t>again</a:t>
+            </a:r>
+            <a:r>
+              <a:rPr lang="de-AT" baseline="0" dirty="0" smtClean="0"/>
+              <a:t> after </a:t>
+            </a:r>
+            <a:r>
+              <a:rPr lang="de-AT" baseline="0" dirty="0" err="1" smtClean="0"/>
+              <a:t>the</a:t>
+            </a:r>
+            <a:r>
+              <a:rPr lang="de-AT" baseline="0" dirty="0" smtClean="0"/>
+              <a:t> </a:t>
+            </a:r>
+            <a:r>
+              <a:rPr lang="de-AT" baseline="0" dirty="0" err="1" smtClean="0"/>
+              <a:t>calculation</a:t>
+            </a:r>
+            <a:r>
+              <a:rPr lang="de-AT" baseline="0" dirty="0" smtClean="0"/>
+              <a:t> </a:t>
+            </a:r>
+            <a:r>
+              <a:rPr lang="de-AT" baseline="0" dirty="0" err="1" smtClean="0"/>
+              <a:t>is</a:t>
+            </a:r>
+            <a:r>
+              <a:rPr lang="de-AT" baseline="0" dirty="0" smtClean="0"/>
+              <a:t> so </a:t>
+            </a:r>
+            <a:r>
+              <a:rPr lang="de-AT" baseline="0" dirty="0" err="1" smtClean="0"/>
+              <a:t>big</a:t>
+            </a:r>
+            <a:r>
+              <a:rPr lang="de-AT" baseline="0" dirty="0" smtClean="0"/>
+              <a:t>, </a:t>
+            </a:r>
+            <a:r>
+              <a:rPr lang="de-AT" baseline="0" dirty="0" err="1" smtClean="0"/>
+              <a:t>that</a:t>
+            </a:r>
+            <a:r>
+              <a:rPr lang="de-AT" baseline="0" dirty="0" smtClean="0"/>
+              <a:t> </a:t>
+            </a:r>
+            <a:r>
+              <a:rPr lang="de-AT" baseline="0" dirty="0" err="1" smtClean="0"/>
+              <a:t>the</a:t>
+            </a:r>
+            <a:r>
+              <a:rPr lang="de-AT" baseline="0" dirty="0" smtClean="0"/>
+              <a:t> GPU loses </a:t>
+            </a:r>
+            <a:r>
+              <a:rPr lang="de-AT" baseline="0" dirty="0" err="1" smtClean="0"/>
+              <a:t>the</a:t>
+            </a:r>
+            <a:r>
+              <a:rPr lang="de-AT" baseline="0" dirty="0" smtClean="0"/>
+              <a:t> </a:t>
+            </a:r>
+            <a:r>
+              <a:rPr lang="de-AT" baseline="0" dirty="0" err="1" smtClean="0"/>
+              <a:t>fight</a:t>
+            </a:r>
+            <a:r>
+              <a:rPr lang="de-AT" baseline="0" dirty="0" smtClean="0"/>
+              <a:t> </a:t>
+            </a:r>
+            <a:r>
+              <a:rPr lang="de-AT" baseline="0" dirty="0" err="1" smtClean="0"/>
+              <a:t>agains</a:t>
+            </a:r>
+            <a:r>
+              <a:rPr lang="de-AT" baseline="0" dirty="0" smtClean="0"/>
+              <a:t> </a:t>
+            </a:r>
+            <a:r>
+              <a:rPr lang="de-AT" baseline="0" dirty="0" err="1" smtClean="0"/>
+              <a:t>the</a:t>
+            </a:r>
+            <a:r>
+              <a:rPr lang="de-AT" baseline="0" dirty="0" smtClean="0"/>
+              <a:t> CPU.</a:t>
+            </a:r>
+          </a:p>
+          <a:p>
+            <a:endParaRPr lang="de-AT" baseline="0" dirty="0" smtClean="0"/>
+          </a:p>
+          <a:p>
+            <a:r>
+              <a:rPr lang="de-AT" baseline="0" dirty="0" smtClean="0"/>
+              <a:t>Memory </a:t>
+            </a:r>
+            <a:r>
+              <a:rPr lang="de-AT" baseline="0" dirty="0" err="1" smtClean="0"/>
+              <a:t>transfere</a:t>
+            </a:r>
+            <a:r>
+              <a:rPr lang="de-AT" baseline="0" dirty="0" smtClean="0"/>
+              <a:t> </a:t>
+            </a:r>
+            <a:r>
+              <a:rPr lang="de-AT" baseline="0" dirty="0" err="1" smtClean="0"/>
+              <a:t>is</a:t>
+            </a:r>
+            <a:r>
+              <a:rPr lang="de-AT" baseline="0" dirty="0" smtClean="0"/>
+              <a:t> still a </a:t>
+            </a:r>
+            <a:r>
+              <a:rPr lang="de-AT" baseline="0" dirty="0" err="1" smtClean="0"/>
+              <a:t>big</a:t>
+            </a:r>
+            <a:r>
+              <a:rPr lang="de-AT" baseline="0" dirty="0" smtClean="0"/>
+              <a:t> </a:t>
+            </a:r>
+            <a:r>
+              <a:rPr lang="de-AT" baseline="0" dirty="0" err="1" smtClean="0"/>
+              <a:t>trouble</a:t>
+            </a:r>
+            <a:r>
+              <a:rPr lang="de-AT" baseline="0" dirty="0" smtClean="0"/>
+              <a:t> in </a:t>
+            </a:r>
+            <a:r>
+              <a:rPr lang="de-AT" baseline="0" dirty="0" err="1" smtClean="0"/>
+              <a:t>many</a:t>
+            </a:r>
+            <a:r>
+              <a:rPr lang="de-AT" baseline="0" dirty="0" smtClean="0"/>
+              <a:t> GPU implementations. But </a:t>
+            </a:r>
+            <a:r>
+              <a:rPr lang="de-AT" baseline="0" dirty="0" err="1" smtClean="0"/>
+              <a:t>fortunately</a:t>
+            </a:r>
+            <a:r>
+              <a:rPr lang="de-AT" baseline="0" dirty="0" smtClean="0"/>
+              <a:t>, </a:t>
+            </a:r>
+            <a:r>
+              <a:rPr lang="de-AT" baseline="0" dirty="0" err="1" smtClean="0"/>
+              <a:t>hardware</a:t>
+            </a:r>
+            <a:r>
+              <a:rPr lang="de-AT" baseline="0" dirty="0" smtClean="0"/>
+              <a:t> </a:t>
+            </a:r>
+            <a:r>
+              <a:rPr lang="de-AT" baseline="0" dirty="0" err="1" smtClean="0"/>
+              <a:t>venors</a:t>
+            </a:r>
+            <a:r>
+              <a:rPr lang="de-AT" baseline="0" dirty="0" smtClean="0"/>
+              <a:t> </a:t>
+            </a:r>
+            <a:r>
+              <a:rPr lang="de-AT" baseline="0" dirty="0" err="1" smtClean="0"/>
+              <a:t>are</a:t>
+            </a:r>
+            <a:r>
+              <a:rPr lang="de-AT" baseline="0" dirty="0" smtClean="0"/>
+              <a:t> </a:t>
+            </a:r>
+            <a:r>
+              <a:rPr lang="de-AT" baseline="0" dirty="0" err="1" smtClean="0"/>
+              <a:t>already</a:t>
+            </a:r>
+            <a:r>
+              <a:rPr lang="de-AT" baseline="0" dirty="0" smtClean="0"/>
+              <a:t> </a:t>
+            </a:r>
+            <a:r>
+              <a:rPr lang="de-AT" baseline="0" dirty="0" err="1" smtClean="0"/>
+              <a:t>experimenting</a:t>
+            </a:r>
+            <a:r>
+              <a:rPr lang="de-AT" baseline="0" dirty="0" smtClean="0"/>
+              <a:t> </a:t>
+            </a:r>
+            <a:r>
+              <a:rPr lang="de-AT" baseline="0" dirty="0" err="1" smtClean="0"/>
+              <a:t>with</a:t>
+            </a:r>
+            <a:r>
+              <a:rPr lang="de-AT" baseline="0" dirty="0" smtClean="0"/>
+              <a:t> a </a:t>
+            </a:r>
+            <a:r>
+              <a:rPr lang="de-AT" baseline="0" dirty="0" err="1" smtClean="0"/>
+              <a:t>solution</a:t>
+            </a:r>
+            <a:r>
+              <a:rPr lang="de-AT" baseline="0" dirty="0" smtClean="0"/>
+              <a:t> </a:t>
+            </a:r>
+            <a:r>
+              <a:rPr lang="de-AT" baseline="0" dirty="0" err="1" smtClean="0"/>
+              <a:t>to</a:t>
+            </a:r>
+            <a:r>
+              <a:rPr lang="de-AT" baseline="0" dirty="0" smtClean="0"/>
+              <a:t> </a:t>
+            </a:r>
+            <a:r>
+              <a:rPr lang="de-AT" baseline="0" dirty="0" err="1" smtClean="0"/>
+              <a:t>the</a:t>
+            </a:r>
+            <a:r>
+              <a:rPr lang="de-AT" baseline="0" dirty="0" smtClean="0"/>
+              <a:t> </a:t>
+            </a:r>
+            <a:r>
+              <a:rPr lang="de-AT" baseline="0" dirty="0" err="1" smtClean="0"/>
+              <a:t>problem</a:t>
+            </a:r>
+            <a:r>
+              <a:rPr lang="de-AT" baseline="0" dirty="0" smtClean="0"/>
+              <a:t> </a:t>
+            </a:r>
+            <a:r>
+              <a:rPr lang="de-AT" baseline="0" dirty="0" err="1" smtClean="0"/>
+              <a:t>by</a:t>
+            </a:r>
+            <a:r>
+              <a:rPr lang="de-AT" baseline="0" dirty="0" smtClean="0"/>
+              <a:t> </a:t>
+            </a:r>
+            <a:r>
+              <a:rPr lang="de-AT" baseline="0" dirty="0" err="1" smtClean="0"/>
+              <a:t>placing</a:t>
+            </a:r>
+            <a:r>
+              <a:rPr lang="de-AT" baseline="0" dirty="0" smtClean="0"/>
+              <a:t> </a:t>
+            </a:r>
+            <a:r>
+              <a:rPr lang="de-AT" baseline="0" dirty="0" err="1" smtClean="0"/>
+              <a:t>the</a:t>
+            </a:r>
+            <a:r>
+              <a:rPr lang="de-AT" baseline="0" dirty="0" smtClean="0"/>
+              <a:t> GPUs on </a:t>
+            </a:r>
+            <a:r>
+              <a:rPr lang="de-AT" baseline="0" dirty="0" err="1" smtClean="0"/>
+              <a:t>the</a:t>
+            </a:r>
+            <a:r>
+              <a:rPr lang="de-AT" baseline="0" dirty="0" smtClean="0"/>
+              <a:t> same </a:t>
+            </a:r>
+            <a:r>
+              <a:rPr lang="de-AT" baseline="0" dirty="0" err="1" smtClean="0"/>
+              <a:t>chip</a:t>
+            </a:r>
+            <a:r>
+              <a:rPr lang="de-AT" baseline="0" dirty="0" smtClean="0"/>
+              <a:t> </a:t>
+            </a:r>
+            <a:r>
+              <a:rPr lang="de-AT" baseline="0" dirty="0" err="1" smtClean="0"/>
+              <a:t>as</a:t>
+            </a:r>
+            <a:r>
+              <a:rPr lang="de-AT" baseline="0" dirty="0" smtClean="0"/>
+              <a:t> </a:t>
+            </a:r>
+            <a:r>
+              <a:rPr lang="de-AT" baseline="0" dirty="0" err="1" smtClean="0"/>
+              <a:t>the</a:t>
+            </a:r>
+            <a:r>
+              <a:rPr lang="de-AT" baseline="0" dirty="0" smtClean="0"/>
+              <a:t> CPU. </a:t>
+            </a:r>
+            <a:r>
+              <a:rPr lang="de-AT" baseline="0" dirty="0" err="1" smtClean="0"/>
+              <a:t>Examples</a:t>
+            </a:r>
+            <a:r>
+              <a:rPr lang="de-AT" baseline="0" dirty="0" smtClean="0"/>
+              <a:t> </a:t>
+            </a:r>
+            <a:r>
+              <a:rPr lang="de-AT" baseline="0" dirty="0" err="1" smtClean="0"/>
+              <a:t>of</a:t>
+            </a:r>
+            <a:r>
+              <a:rPr lang="de-AT" baseline="0" dirty="0" smtClean="0"/>
+              <a:t> </a:t>
+            </a:r>
+            <a:r>
+              <a:rPr lang="de-AT" baseline="0" dirty="0" err="1" smtClean="0"/>
+              <a:t>this</a:t>
+            </a:r>
+            <a:r>
+              <a:rPr lang="de-AT" baseline="0" dirty="0" smtClean="0"/>
+              <a:t> </a:t>
+            </a:r>
+            <a:r>
+              <a:rPr lang="de-AT" baseline="0" dirty="0" err="1" smtClean="0"/>
+              <a:t>try</a:t>
+            </a:r>
+            <a:r>
+              <a:rPr lang="de-AT" baseline="0" dirty="0" smtClean="0"/>
+              <a:t> </a:t>
+            </a:r>
+            <a:r>
+              <a:rPr lang="de-AT" baseline="0" dirty="0" err="1" smtClean="0"/>
+              <a:t>would</a:t>
+            </a:r>
+            <a:r>
+              <a:rPr lang="de-AT" baseline="0" dirty="0" smtClean="0"/>
+              <a:t> </a:t>
+            </a:r>
+            <a:r>
+              <a:rPr lang="de-AT" baseline="0" dirty="0" err="1" smtClean="0"/>
+              <a:t>be</a:t>
+            </a:r>
+            <a:r>
+              <a:rPr lang="de-AT" baseline="0" dirty="0" smtClean="0"/>
+              <a:t> </a:t>
+            </a:r>
+            <a:r>
+              <a:rPr lang="de-AT" baseline="0" dirty="0" err="1" smtClean="0"/>
+              <a:t>Intel's</a:t>
+            </a:r>
+            <a:r>
+              <a:rPr lang="de-AT" baseline="0" dirty="0" smtClean="0"/>
+              <a:t> Sandy Bridge </a:t>
+            </a:r>
+            <a:r>
+              <a:rPr lang="de-AT" baseline="0" dirty="0" err="1" smtClean="0"/>
+              <a:t>and</a:t>
+            </a:r>
+            <a:r>
+              <a:rPr lang="de-AT" baseline="0" dirty="0" smtClean="0"/>
+              <a:t> Ivy Bridge.</a:t>
+            </a:r>
+            <a:endParaRPr lang="en-US" dirty="0"/>
+          </a:p>
+        </p:txBody>
+      </p:sp>
+      <p:sp>
+        <p:nvSpPr>
+          <p:cNvPr id="4" name="Slide Number Placeholder 3"/>
+          <p:cNvSpPr>
+            <a:spLocks noGrp="1"/>
+          </p:cNvSpPr>
+          <p:nvPr>
+            <p:ph type="sldNum" sz="quarter" idx="10"/>
+          </p:nvPr>
+        </p:nvSpPr>
+        <p:spPr/>
+        <p:txBody>
+          <a:bodyPr/>
+          <a:lstStyle/>
+          <a:p>
+            <a:fld id="{E19E8DFC-DE97-490B-8572-C8B1A4CD170F}" type="slidenum">
+              <a:rPr lang="en-US" smtClean="0"/>
+              <a:t>15</a:t>
+            </a:fld>
+            <a:endParaRPr lang="en-US"/>
+          </a:p>
+        </p:txBody>
+      </p:sp>
+    </p:spTree>
+    <p:extLst>
+      <p:ext uri="{BB962C8B-B14F-4D97-AF65-F5344CB8AC3E}">
+        <p14:creationId xmlns:p14="http://schemas.microsoft.com/office/powerpoint/2010/main" val="2453464396"/>
+      </p:ext>
+    </p:extLst>
+  </p:cSld>
+  <p:clrMapOvr>
+    <a:masterClrMapping/>
+  </p:clrMapOvr>
+</p:notes>
+</file>
+
+<file path=ppt/notesSlides/notesSlide16.xml><?xml version="1.0" encoding="utf-8"?>
+<p:notes xmlns:a="http://schemas.openxmlformats.org/drawingml/2006/main" xmlns:r="http://schemas.openxmlformats.org/officeDocument/2006/relationships" xmlns:p="http://schemas.openxmlformats.org/presentationml/2006/main">
+  <p:cSld>
+    <p:spTree>
+      <p:nvGrpSpPr>
+        <p:cNvPr id="1" name=""/>
+        <p:cNvGrpSpPr/>
+        <p:nvPr/>
+      </p:nvGrpSpPr>
+      <p:grpSpPr>
+        <a:xfrm>
+          <a:off x="0" y="0"/>
+          <a:ext cx="0" cy="0"/>
+          <a:chOff x="0" y="0"/>
+          <a:chExt cx="0" cy="0"/>
+        </a:xfrm>
+      </p:grpSpPr>
+      <p:sp>
+        <p:nvSpPr>
+          <p:cNvPr id="2" name="Slide Image Placeholder 1"/>
+          <p:cNvSpPr>
+            <a:spLocks noGrp="1" noRot="1" noChangeAspect="1"/>
+          </p:cNvSpPr>
+          <p:nvPr>
+            <p:ph type="sldImg"/>
+          </p:nvPr>
+        </p:nvSpPr>
+        <p:spPr/>
+      </p:sp>
+      <p:sp>
+        <p:nvSpPr>
+          <p:cNvPr id="3" name="Notes Placeholder 2"/>
+          <p:cNvSpPr>
+            <a:spLocks noGrp="1"/>
+          </p:cNvSpPr>
+          <p:nvPr>
+            <p:ph type="body" idx="1"/>
+          </p:nvPr>
+        </p:nvSpPr>
+        <p:spPr/>
+        <p:txBody>
+          <a:bodyPr/>
+          <a:lstStyle/>
+          <a:p>
+            <a:r>
+              <a:rPr lang="de-AT" dirty="0" smtClean="0"/>
+              <a:t>The </a:t>
+            </a:r>
+            <a:r>
+              <a:rPr lang="de-AT" dirty="0" err="1" smtClean="0"/>
+              <a:t>conclusion</a:t>
+            </a:r>
+            <a:r>
+              <a:rPr lang="de-AT" dirty="0" smtClean="0"/>
+              <a:t> </a:t>
+            </a:r>
+            <a:r>
+              <a:rPr lang="de-AT" dirty="0" err="1" smtClean="0"/>
+              <a:t>that</a:t>
+            </a:r>
+            <a:r>
+              <a:rPr lang="de-AT" dirty="0" smtClean="0"/>
+              <a:t> </a:t>
+            </a:r>
+            <a:r>
+              <a:rPr lang="de-AT" dirty="0" err="1" smtClean="0"/>
+              <a:t>we</a:t>
+            </a:r>
+            <a:r>
+              <a:rPr lang="de-AT" dirty="0" smtClean="0"/>
+              <a:t> </a:t>
+            </a:r>
+            <a:r>
+              <a:rPr lang="de-AT" dirty="0" err="1" smtClean="0"/>
+              <a:t>can</a:t>
+            </a:r>
+            <a:r>
+              <a:rPr lang="de-AT" dirty="0" smtClean="0"/>
+              <a:t> </a:t>
+            </a:r>
+            <a:r>
+              <a:rPr lang="de-AT" dirty="0" err="1" smtClean="0"/>
+              <a:t>draw</a:t>
+            </a:r>
+            <a:r>
+              <a:rPr lang="de-AT" dirty="0" smtClean="0"/>
+              <a:t> </a:t>
+            </a:r>
+            <a:r>
+              <a:rPr lang="de-AT" dirty="0" err="1" smtClean="0"/>
+              <a:t>from</a:t>
+            </a:r>
+            <a:r>
+              <a:rPr lang="de-AT" dirty="0" smtClean="0"/>
+              <a:t> </a:t>
+            </a:r>
+            <a:r>
+              <a:rPr lang="de-AT" dirty="0" err="1" smtClean="0"/>
+              <a:t>these</a:t>
+            </a:r>
+            <a:r>
+              <a:rPr lang="de-AT" dirty="0" smtClean="0"/>
+              <a:t> </a:t>
+            </a:r>
+            <a:r>
+              <a:rPr lang="de-AT" dirty="0" err="1" smtClean="0"/>
+              <a:t>results</a:t>
+            </a:r>
+            <a:r>
+              <a:rPr lang="de-AT" dirty="0" smtClean="0"/>
+              <a:t> </a:t>
+            </a:r>
+            <a:r>
+              <a:rPr lang="de-AT" dirty="0" err="1" smtClean="0"/>
+              <a:t>is</a:t>
+            </a:r>
+            <a:r>
+              <a:rPr lang="de-AT" dirty="0" smtClean="0"/>
+              <a:t> </a:t>
+            </a:r>
+            <a:r>
+              <a:rPr lang="de-AT" dirty="0" err="1" smtClean="0"/>
+              <a:t>that</a:t>
+            </a:r>
+            <a:r>
+              <a:rPr lang="de-AT" dirty="0" smtClean="0"/>
+              <a:t> GPUs</a:t>
+            </a:r>
+            <a:r>
+              <a:rPr lang="de-AT" baseline="0" dirty="0" smtClean="0"/>
+              <a:t> </a:t>
+            </a:r>
+            <a:r>
+              <a:rPr lang="de-AT" baseline="0" dirty="0" err="1" smtClean="0"/>
+              <a:t>are</a:t>
+            </a:r>
+            <a:r>
+              <a:rPr lang="de-AT" baseline="0" dirty="0" smtClean="0"/>
+              <a:t> </a:t>
+            </a:r>
+            <a:r>
+              <a:rPr lang="de-AT" baseline="0" dirty="0" err="1" smtClean="0"/>
+              <a:t>awesome</a:t>
+            </a:r>
+            <a:r>
+              <a:rPr lang="de-AT" baseline="0" dirty="0" smtClean="0"/>
+              <a:t>!</a:t>
+            </a:r>
+          </a:p>
+          <a:p>
+            <a:r>
+              <a:rPr lang="de-AT" baseline="0" dirty="0" smtClean="0"/>
+              <a:t>IF, </a:t>
+            </a:r>
+            <a:r>
+              <a:rPr lang="de-AT" baseline="0" dirty="0" err="1" smtClean="0"/>
+              <a:t>the</a:t>
+            </a:r>
+            <a:r>
+              <a:rPr lang="de-AT" baseline="0" dirty="0" smtClean="0"/>
+              <a:t> </a:t>
+            </a:r>
+            <a:r>
+              <a:rPr lang="de-AT" baseline="0" dirty="0" err="1" smtClean="0"/>
+              <a:t>problem</a:t>
+            </a:r>
+            <a:r>
+              <a:rPr lang="de-AT" baseline="0" dirty="0" smtClean="0"/>
+              <a:t> </a:t>
+            </a:r>
+            <a:r>
+              <a:rPr lang="de-AT" baseline="0" dirty="0" err="1" smtClean="0"/>
+              <a:t>is</a:t>
+            </a:r>
+            <a:r>
+              <a:rPr lang="de-AT" baseline="0" dirty="0" smtClean="0"/>
+              <a:t> …</a:t>
+            </a:r>
+          </a:p>
+          <a:p>
+            <a:r>
+              <a:rPr lang="de-AT" baseline="0" dirty="0" err="1" smtClean="0"/>
+              <a:t>Otherwise</a:t>
+            </a:r>
+            <a:r>
+              <a:rPr lang="de-AT" baseline="0" dirty="0" smtClean="0"/>
+              <a:t> </a:t>
+            </a:r>
+            <a:r>
+              <a:rPr lang="de-AT" baseline="0" dirty="0" err="1" smtClean="0"/>
+              <a:t>it</a:t>
+            </a:r>
+            <a:r>
+              <a:rPr lang="de-AT" baseline="0" dirty="0" smtClean="0"/>
+              <a:t> </a:t>
+            </a:r>
+            <a:r>
+              <a:rPr lang="de-AT" baseline="0" dirty="0" err="1" smtClean="0"/>
+              <a:t>is</a:t>
+            </a:r>
+            <a:r>
+              <a:rPr lang="de-AT" baseline="0" dirty="0" smtClean="0"/>
+              <a:t> </a:t>
+            </a:r>
+            <a:r>
+              <a:rPr lang="de-AT" baseline="0" dirty="0" err="1" smtClean="0"/>
+              <a:t>the</a:t>
+            </a:r>
+            <a:r>
+              <a:rPr lang="de-AT" baseline="0" dirty="0" smtClean="0"/>
+              <a:t> </a:t>
+            </a:r>
+            <a:r>
+              <a:rPr lang="de-AT" baseline="0" dirty="0" err="1" smtClean="0"/>
+              <a:t>better</a:t>
+            </a:r>
+            <a:r>
+              <a:rPr lang="de-AT" baseline="0" dirty="0" smtClean="0"/>
+              <a:t> </a:t>
+            </a:r>
+            <a:r>
+              <a:rPr lang="de-AT" baseline="0" dirty="0" err="1" smtClean="0"/>
+              <a:t>idea</a:t>
+            </a:r>
+            <a:r>
+              <a:rPr lang="de-AT" baseline="0" dirty="0" smtClean="0"/>
+              <a:t> </a:t>
+            </a:r>
+            <a:r>
+              <a:rPr lang="de-AT" baseline="0" dirty="0" err="1" smtClean="0"/>
+              <a:t>to</a:t>
+            </a:r>
+            <a:r>
+              <a:rPr lang="de-AT" baseline="0" dirty="0" smtClean="0"/>
+              <a:t> </a:t>
+            </a:r>
+            <a:r>
+              <a:rPr lang="de-AT" baseline="0" dirty="0" err="1" smtClean="0"/>
+              <a:t>develop</a:t>
+            </a:r>
+            <a:r>
+              <a:rPr lang="de-AT" baseline="0" dirty="0" smtClean="0"/>
+              <a:t> </a:t>
+            </a:r>
+            <a:r>
+              <a:rPr lang="de-AT" baseline="0" dirty="0" err="1" smtClean="0"/>
+              <a:t>for</a:t>
+            </a:r>
+            <a:r>
+              <a:rPr lang="de-AT" baseline="0" dirty="0" smtClean="0"/>
+              <a:t> a CPU, </a:t>
+            </a:r>
+            <a:r>
+              <a:rPr lang="de-AT" baseline="0" dirty="0" err="1" smtClean="0"/>
+              <a:t>as</a:t>
+            </a:r>
+            <a:r>
+              <a:rPr lang="de-AT" baseline="0" dirty="0" smtClean="0"/>
+              <a:t> </a:t>
+            </a:r>
+            <a:r>
+              <a:rPr lang="de-AT" baseline="0" dirty="0" err="1" smtClean="0"/>
+              <a:t>this</a:t>
+            </a:r>
+            <a:r>
+              <a:rPr lang="de-AT" baseline="0" dirty="0" smtClean="0"/>
+              <a:t> </a:t>
+            </a:r>
+            <a:r>
+              <a:rPr lang="de-AT" baseline="0" dirty="0" err="1" smtClean="0"/>
+              <a:t>is</a:t>
+            </a:r>
+            <a:r>
+              <a:rPr lang="de-AT" baseline="0" dirty="0" smtClean="0"/>
+              <a:t> </a:t>
+            </a:r>
+            <a:r>
+              <a:rPr lang="de-AT" baseline="0" dirty="0" err="1" smtClean="0"/>
+              <a:t>usually</a:t>
+            </a:r>
+            <a:r>
+              <a:rPr lang="de-AT" baseline="0" dirty="0" smtClean="0"/>
+              <a:t> </a:t>
+            </a:r>
+            <a:r>
+              <a:rPr lang="de-AT" baseline="0" dirty="0" err="1" smtClean="0"/>
+              <a:t>much</a:t>
+            </a:r>
+            <a:r>
+              <a:rPr lang="de-AT" baseline="0" dirty="0" smtClean="0"/>
+              <a:t> </a:t>
+            </a:r>
+            <a:r>
+              <a:rPr lang="de-AT" baseline="0" dirty="0" err="1" smtClean="0"/>
+              <a:t>easier</a:t>
+            </a:r>
+            <a:r>
+              <a:rPr lang="de-AT" baseline="0" dirty="0" smtClean="0"/>
+              <a:t>.</a:t>
+            </a:r>
+          </a:p>
+          <a:p>
+            <a:endParaRPr lang="de-AT" baseline="0" dirty="0" smtClean="0"/>
+          </a:p>
+          <a:p>
+            <a:r>
+              <a:rPr lang="de-AT" baseline="0" dirty="0" err="1" smtClean="0"/>
+              <a:t>Thank</a:t>
+            </a:r>
+            <a:r>
+              <a:rPr lang="de-AT" baseline="0" dirty="0" smtClean="0"/>
+              <a:t> </a:t>
+            </a:r>
+            <a:r>
+              <a:rPr lang="de-AT" baseline="0" dirty="0" err="1" smtClean="0"/>
+              <a:t>you</a:t>
+            </a:r>
+            <a:r>
+              <a:rPr lang="de-AT" baseline="0" dirty="0" smtClean="0"/>
+              <a:t> </a:t>
+            </a:r>
+            <a:r>
+              <a:rPr lang="de-AT" baseline="0" dirty="0" err="1" smtClean="0"/>
+              <a:t>for</a:t>
+            </a:r>
+            <a:r>
+              <a:rPr lang="de-AT" baseline="0" dirty="0" smtClean="0"/>
+              <a:t> </a:t>
+            </a:r>
+            <a:r>
+              <a:rPr lang="de-AT" baseline="0" dirty="0" err="1" smtClean="0"/>
+              <a:t>listening</a:t>
+            </a:r>
+            <a:r>
+              <a:rPr lang="de-AT" baseline="0" dirty="0" smtClean="0"/>
+              <a:t>. Are </a:t>
+            </a:r>
+            <a:r>
+              <a:rPr lang="de-AT" baseline="0" dirty="0" err="1" smtClean="0"/>
+              <a:t>there</a:t>
+            </a:r>
+            <a:r>
+              <a:rPr lang="de-AT" baseline="0" dirty="0" smtClean="0"/>
+              <a:t> </a:t>
+            </a:r>
+            <a:r>
+              <a:rPr lang="de-AT" baseline="0" dirty="0" err="1" smtClean="0"/>
+              <a:t>any</a:t>
+            </a:r>
+            <a:r>
+              <a:rPr lang="de-AT" baseline="0" dirty="0" smtClean="0"/>
+              <a:t> </a:t>
+            </a:r>
+            <a:r>
+              <a:rPr lang="de-AT" baseline="0" dirty="0" err="1" smtClean="0"/>
+              <a:t>questions</a:t>
+            </a:r>
+            <a:r>
+              <a:rPr lang="de-AT" baseline="0" smtClean="0"/>
+              <a:t>?</a:t>
+            </a:r>
+            <a:endParaRPr lang="de-AT" baseline="0" dirty="0" smtClean="0"/>
+          </a:p>
+          <a:p>
+            <a:endParaRPr lang="de-AT" baseline="0" dirty="0" smtClean="0"/>
+          </a:p>
+          <a:p>
+            <a:endParaRPr lang="en-US" dirty="0"/>
+          </a:p>
+        </p:txBody>
+      </p:sp>
+      <p:sp>
+        <p:nvSpPr>
+          <p:cNvPr id="4" name="Slide Number Placeholder 3"/>
+          <p:cNvSpPr>
+            <a:spLocks noGrp="1"/>
+          </p:cNvSpPr>
+          <p:nvPr>
+            <p:ph type="sldNum" sz="quarter" idx="10"/>
+          </p:nvPr>
+        </p:nvSpPr>
+        <p:spPr/>
+        <p:txBody>
+          <a:bodyPr/>
+          <a:lstStyle/>
+          <a:p>
+            <a:fld id="{E19E8DFC-DE97-490B-8572-C8B1A4CD170F}" type="slidenum">
+              <a:rPr lang="en-US" smtClean="0"/>
+              <a:t>16</a:t>
+            </a:fld>
+            <a:endParaRPr lang="en-US"/>
+          </a:p>
+        </p:txBody>
+      </p:sp>
+    </p:spTree>
+    <p:extLst>
+      <p:ext uri="{BB962C8B-B14F-4D97-AF65-F5344CB8AC3E}">
+        <p14:creationId xmlns:p14="http://schemas.microsoft.com/office/powerpoint/2010/main" val="3278755965"/>
       </p:ext>
     </p:extLst>
   </p:cSld>
@@ -9841,186 +11804,168 @@
           <a:lstStyle/>
           <a:p>
             <a:r>
-              <a:rPr lang="de-AT" b="1" dirty="0" smtClean="0"/>
-              <a:t>As </a:t>
-            </a:r>
-            <a:r>
-              <a:rPr lang="de-AT" b="1" dirty="0" err="1" smtClean="0"/>
+              <a:rPr lang="de-AT" b="0" dirty="0" err="1" smtClean="0"/>
+              <a:t>We</a:t>
+            </a:r>
+            <a:r>
+              <a:rPr lang="de-AT" b="0" baseline="0" dirty="0" smtClean="0"/>
+              <a:t> </a:t>
+            </a:r>
+            <a:r>
+              <a:rPr lang="de-AT" b="0" baseline="0" dirty="0" err="1" smtClean="0"/>
+              <a:t>already</a:t>
+            </a:r>
+            <a:r>
+              <a:rPr lang="de-AT" b="0" baseline="0" dirty="0" smtClean="0"/>
+              <a:t> </a:t>
+            </a:r>
+            <a:r>
+              <a:rPr lang="de-AT" b="0" baseline="0" dirty="0" err="1" smtClean="0"/>
+              <a:t>know</a:t>
+            </a:r>
+            <a:r>
+              <a:rPr lang="de-AT" b="0" baseline="0" dirty="0" smtClean="0"/>
+              <a:t> </a:t>
+            </a:r>
+            <a:r>
+              <a:rPr lang="de-AT" b="0" baseline="0" dirty="0" err="1" smtClean="0"/>
+              <a:t>this</a:t>
+            </a:r>
+            <a:r>
+              <a:rPr lang="de-AT" b="0" baseline="0" dirty="0" smtClean="0"/>
+              <a:t> </a:t>
+            </a:r>
+            <a:r>
+              <a:rPr lang="de-AT" b="0" baseline="0" dirty="0" err="1" smtClean="0"/>
+              <a:t>image</a:t>
+            </a:r>
+            <a:r>
+              <a:rPr lang="de-AT" b="0" baseline="0" dirty="0" smtClean="0"/>
+              <a:t>, but I </a:t>
+            </a:r>
+            <a:r>
+              <a:rPr lang="de-AT" b="0" baseline="0" dirty="0" err="1" smtClean="0"/>
+              <a:t>want</a:t>
+            </a:r>
+            <a:r>
+              <a:rPr lang="de-AT" b="0" baseline="0" dirty="0" smtClean="0"/>
+              <a:t> </a:t>
+            </a:r>
+            <a:r>
+              <a:rPr lang="de-AT" b="0" baseline="0" dirty="0" err="1" smtClean="0"/>
+              <a:t>to</a:t>
+            </a:r>
+            <a:r>
+              <a:rPr lang="de-AT" b="0" baseline="0" dirty="0" smtClean="0"/>
+              <a:t> </a:t>
+            </a:r>
+            <a:r>
+              <a:rPr lang="de-AT" b="0" baseline="0" dirty="0" err="1" smtClean="0"/>
+              <a:t>quickly</a:t>
+            </a:r>
+            <a:r>
+              <a:rPr lang="de-AT" b="0" baseline="0" dirty="0" smtClean="0"/>
+              <a:t> </a:t>
+            </a:r>
+            <a:r>
+              <a:rPr lang="de-AT" b="0" baseline="0" dirty="0" err="1" smtClean="0"/>
+              <a:t>restate</a:t>
+            </a:r>
+            <a:r>
+              <a:rPr lang="de-AT" b="0" baseline="0" dirty="0" smtClean="0"/>
+              <a:t> </a:t>
+            </a:r>
+            <a:r>
+              <a:rPr lang="de-AT" b="0" baseline="0" dirty="0" err="1" smtClean="0"/>
+              <a:t>the</a:t>
+            </a:r>
+            <a:r>
+              <a:rPr lang="de-AT" b="0" baseline="0" dirty="0" smtClean="0"/>
+              <a:t> </a:t>
+            </a:r>
+            <a:r>
+              <a:rPr lang="de-AT" b="0" baseline="0" dirty="0" err="1" smtClean="0"/>
               <a:t>important</a:t>
             </a:r>
             <a:r>
-              <a:rPr lang="de-AT" b="1" dirty="0" smtClean="0"/>
-              <a:t> </a:t>
-            </a:r>
-            <a:r>
-              <a:rPr lang="de-AT" b="1" dirty="0" err="1" smtClean="0"/>
-              <a:t>as</a:t>
-            </a:r>
-            <a:r>
-              <a:rPr lang="de-AT" dirty="0" smtClean="0"/>
-              <a:t> </a:t>
-            </a:r>
-            <a:r>
-              <a:rPr lang="de-AT" dirty="0" err="1" smtClean="0"/>
-              <a:t>how</a:t>
-            </a:r>
-            <a:r>
-              <a:rPr lang="de-AT" dirty="0" smtClean="0"/>
-              <a:t> OpenCL </a:t>
-            </a:r>
-            <a:r>
-              <a:rPr lang="de-AT" dirty="0" err="1" smtClean="0"/>
-              <a:t>handles</a:t>
-            </a:r>
-            <a:r>
-              <a:rPr lang="de-AT" dirty="0" smtClean="0"/>
-              <a:t> </a:t>
-            </a:r>
-            <a:r>
-              <a:rPr lang="de-AT" dirty="0" err="1" smtClean="0"/>
-              <a:t>the</a:t>
-            </a:r>
-            <a:r>
-              <a:rPr lang="de-AT" dirty="0" smtClean="0"/>
-              <a:t> </a:t>
-            </a:r>
-            <a:r>
-              <a:rPr lang="de-AT" dirty="0" err="1" smtClean="0"/>
-              <a:t>hardware</a:t>
-            </a:r>
-            <a:r>
-              <a:rPr lang="de-AT" baseline="0" dirty="0" smtClean="0"/>
-              <a:t> </a:t>
-            </a:r>
-            <a:r>
-              <a:rPr lang="de-AT" baseline="0" dirty="0" err="1" smtClean="0"/>
-              <a:t>is</a:t>
-            </a:r>
-            <a:r>
-              <a:rPr lang="de-AT" baseline="0" dirty="0" smtClean="0"/>
-              <a:t> </a:t>
-            </a:r>
-            <a:r>
-              <a:rPr lang="de-AT" baseline="0" dirty="0" err="1" smtClean="0"/>
-              <a:t>how</a:t>
-            </a:r>
-            <a:r>
-              <a:rPr lang="de-AT" baseline="0" dirty="0" smtClean="0"/>
-              <a:t> </a:t>
-            </a:r>
-            <a:r>
-              <a:rPr lang="de-AT" baseline="0" dirty="0" err="1" smtClean="0"/>
-              <a:t>the</a:t>
-            </a:r>
-            <a:r>
-              <a:rPr lang="de-AT" baseline="0" dirty="0" smtClean="0"/>
-              <a:t> </a:t>
-            </a:r>
-            <a:r>
-              <a:rPr lang="de-AT" b="1" baseline="0" dirty="0" err="1" smtClean="0"/>
-              <a:t>hardware</a:t>
-            </a:r>
-            <a:r>
-              <a:rPr lang="de-AT" baseline="0" dirty="0" smtClean="0"/>
-              <a:t> </a:t>
-            </a:r>
-            <a:r>
-              <a:rPr lang="de-AT" baseline="0" dirty="0" err="1" smtClean="0"/>
-              <a:t>actually</a:t>
-            </a:r>
-            <a:r>
-              <a:rPr lang="de-AT" baseline="0" dirty="0" smtClean="0"/>
-              <a:t> </a:t>
-            </a:r>
-            <a:r>
-              <a:rPr lang="de-AT" baseline="0" dirty="0" err="1" smtClean="0"/>
-              <a:t>looks</a:t>
-            </a:r>
-            <a:r>
-              <a:rPr lang="de-AT" baseline="0" dirty="0" smtClean="0"/>
-              <a:t> </a:t>
-            </a:r>
-            <a:r>
-              <a:rPr lang="de-AT" baseline="0" dirty="0" err="1" smtClean="0"/>
-              <a:t>like</a:t>
-            </a:r>
-            <a:r>
-              <a:rPr lang="de-AT" baseline="0" dirty="0" smtClean="0"/>
-              <a:t>. So </a:t>
-            </a:r>
-            <a:r>
-              <a:rPr lang="de-AT" baseline="0" dirty="0" err="1" smtClean="0"/>
-              <a:t>here</a:t>
-            </a:r>
-            <a:r>
-              <a:rPr lang="de-AT" baseline="0" dirty="0" smtClean="0"/>
-              <a:t> </a:t>
-            </a:r>
-            <a:r>
-              <a:rPr lang="en-US" dirty="0" smtClean="0"/>
-              <a:t>is a very</a:t>
-            </a:r>
+              <a:rPr lang="de-AT" b="0" baseline="0" dirty="0" smtClean="0"/>
+              <a:t> </a:t>
+            </a:r>
+            <a:r>
+              <a:rPr lang="de-AT" b="0" baseline="0" dirty="0" err="1" smtClean="0"/>
+              <a:t>difference</a:t>
+            </a:r>
+            <a:r>
+              <a:rPr lang="de-AT" b="0" baseline="0" dirty="0" smtClean="0"/>
+              <a:t> </a:t>
+            </a:r>
+            <a:r>
+              <a:rPr lang="de-AT" b="0" baseline="0" dirty="0" err="1" smtClean="0"/>
+              <a:t>between</a:t>
+            </a:r>
+            <a:r>
+              <a:rPr lang="de-AT" b="0" baseline="0" dirty="0" smtClean="0"/>
+              <a:t> a CPU </a:t>
+            </a:r>
+            <a:r>
+              <a:rPr lang="de-AT" b="0" baseline="0" dirty="0" err="1" smtClean="0"/>
+              <a:t>and</a:t>
+            </a:r>
+            <a:r>
+              <a:rPr lang="de-AT" b="0" baseline="0" dirty="0" smtClean="0"/>
+              <a:t> a GPU.</a:t>
+            </a:r>
+          </a:p>
+          <a:p>
+            <a:endParaRPr lang="de-AT" b="0" baseline="0" dirty="0" smtClean="0"/>
+          </a:p>
+          <a:p>
             <a:r>
               <a:rPr lang="en-US" baseline="0" dirty="0" smtClean="0"/>
-              <a:t>, very abstract view of a CPU and a GPU. The obvious </a:t>
-            </a:r>
-            <a:r>
-              <a:rPr lang="en-US" b="1" baseline="0" dirty="0" smtClean="0"/>
-              <a:t>difference</a:t>
-            </a:r>
+              <a:t>A typical CPU has around 4 independent cores. We can run threads on them and we can do all that stuff with synchronization like locks, critical seconds and so on.</a:t>
+            </a:r>
+          </a:p>
+          <a:p>
             <a:r>
               <a:rPr lang="en-US" baseline="0" dirty="0" smtClean="0"/>
-              <a:t> is the </a:t>
-            </a:r>
-            <a:r>
-              <a:rPr lang="en-US" b="1" baseline="0" dirty="0" smtClean="0"/>
-              <a:t>number of cores</a:t>
-            </a:r>
-            <a:r>
-              <a:rPr lang="en-US" baseline="0" dirty="0" smtClean="0"/>
-              <a:t>. A typical CPU has around 4 independent cores while a typical GPU has several hundreds of cores grouped together in so-called multi processors. This difference in hardware architecture has a </a:t>
-            </a:r>
-            <a:r>
-              <a:rPr lang="en-US" b="1" baseline="0" dirty="0" smtClean="0"/>
-              <a:t>huge impact</a:t>
-            </a:r>
-            <a:r>
-              <a:rPr lang="en-US" baseline="0" dirty="0" smtClean="0"/>
-              <a:t> on the </a:t>
-            </a:r>
-            <a:r>
-              <a:rPr lang="en-US" b="1" baseline="0" dirty="0" smtClean="0"/>
-              <a:t>kind of algorithms</a:t>
-            </a:r>
-            <a:r>
-              <a:rPr lang="en-US" baseline="0" dirty="0" smtClean="0"/>
-              <a:t> that can be </a:t>
-            </a:r>
-            <a:r>
-              <a:rPr lang="en-US" b="1" baseline="0" dirty="0" smtClean="0"/>
-              <a:t>run efficiently</a:t>
-            </a:r>
-            <a:r>
-              <a:rPr lang="en-US" baseline="0" dirty="0" smtClean="0"/>
-              <a:t> on the GPU and on the </a:t>
-            </a:r>
-            <a:r>
-              <a:rPr lang="en-US" b="1" baseline="0" dirty="0" smtClean="0"/>
-              <a:t>problems</a:t>
-            </a:r>
-            <a:r>
-              <a:rPr lang="en-US" baseline="0" dirty="0" smtClean="0"/>
-              <a:t> we will encounter </a:t>
-            </a:r>
-            <a:r>
-              <a:rPr lang="en-US" b="1" baseline="0" dirty="0" smtClean="0"/>
-              <a:t>during the implementation</a:t>
-            </a:r>
-            <a:r>
-              <a:rPr lang="en-US" baseline="0" dirty="0" smtClean="0"/>
-              <a:t>. So the second big chapter in my thesis will be about the hardware architectures OpenCL supports.</a:t>
-            </a:r>
-            <a:endParaRPr lang="en-US" dirty="0"/>
+              <a:t>On a GPU we have several hundreds of cores </a:t>
+            </a:r>
+            <a:r>
+              <a:rPr lang="de-AT" baseline="0" dirty="0" err="1" smtClean="0"/>
+              <a:t>which</a:t>
+            </a:r>
+            <a:r>
+              <a:rPr lang="de-AT" baseline="0" dirty="0" smtClean="0"/>
+              <a:t> </a:t>
+            </a:r>
+            <a:r>
+              <a:rPr lang="de-AT" baseline="0" dirty="0" err="1" smtClean="0"/>
+              <a:t>run</a:t>
+            </a:r>
+            <a:r>
+              <a:rPr lang="de-AT" baseline="0" dirty="0" smtClean="0"/>
+              <a:t> </a:t>
+            </a:r>
+            <a:r>
+              <a:rPr lang="de-AT" baseline="0" dirty="0" err="1" smtClean="0"/>
+              <a:t>basically</a:t>
+            </a:r>
+            <a:r>
+              <a:rPr lang="de-AT" baseline="0" dirty="0" smtClean="0"/>
+              <a:t> </a:t>
+            </a:r>
+            <a:r>
+              <a:rPr lang="de-AT" baseline="0" dirty="0" err="1" smtClean="0"/>
+              <a:t>independent</a:t>
+            </a:r>
+            <a:r>
+              <a:rPr lang="de-AT" baseline="0" dirty="0" smtClean="0"/>
+              <a:t>.</a:t>
+            </a:r>
+            <a:endParaRPr lang="de-AT" b="0" baseline="0" dirty="0" smtClean="0"/>
+          </a:p>
+          <a:p>
+            <a:endParaRPr lang="de-AT" b="0" baseline="0" dirty="0" smtClean="0"/>
           </a:p>
         </p:txBody>
       </p:sp>
@@ -10105,40 +12050,500 @@
           <a:lstStyle/>
           <a:p>
             <a:r>
-              <a:rPr lang="en-US" b="1" dirty="0" smtClean="0"/>
-              <a:t>After</a:t>
-            </a:r>
-            <a:r>
-              <a:rPr lang="en-US" b="1" baseline="0" dirty="0" smtClean="0"/>
-              <a:t> a profound introduction</a:t>
-            </a:r>
-            <a:r>
-              <a:rPr lang="en-US" baseline="0" dirty="0" smtClean="0"/>
-              <a:t> to OpenCL and hardware, t</a:t>
-            </a:r>
-            <a:r>
-              <a:rPr lang="en-US" dirty="0" smtClean="0"/>
-              <a:t>he</a:t>
-            </a:r>
-            <a:r>
-              <a:rPr lang="en-US" baseline="0" dirty="0" smtClean="0"/>
-              <a:t> second focus of my bachelor thesis will be the </a:t>
-            </a:r>
-            <a:r>
-              <a:rPr lang="en-US" b="1" baseline="0" dirty="0" smtClean="0"/>
-              <a:t>implementation and benchmark</a:t>
-            </a:r>
-            <a:r>
-              <a:rPr lang="en-US" baseline="0" dirty="0" smtClean="0"/>
-              <a:t> of several standard algorithms. These include algorithms for sorting, scanning and matrix multiplication. I have chosen this algorithms because they often form </a:t>
-            </a:r>
-            <a:r>
-              <a:rPr lang="en-US" b="1" baseline="0" dirty="0" smtClean="0"/>
-              <a:t>fundamental blocks</a:t>
-            </a:r>
-            <a:r>
-              <a:rPr lang="en-US" baseline="0" dirty="0" smtClean="0"/>
-              <a:t> for various applications.</a:t>
+              <a:rPr lang="de-AT" dirty="0" err="1" smtClean="0"/>
+              <a:t>Another</a:t>
+            </a:r>
+            <a:r>
+              <a:rPr lang="de-AT" dirty="0" smtClean="0"/>
+              <a:t> </a:t>
+            </a:r>
+            <a:r>
+              <a:rPr lang="de-AT" dirty="0" err="1" smtClean="0"/>
+              <a:t>graphic</a:t>
+            </a:r>
+            <a:r>
+              <a:rPr lang="de-AT" dirty="0" smtClean="0"/>
+              <a:t> I </a:t>
+            </a:r>
+            <a:r>
+              <a:rPr lang="de-AT" dirty="0" err="1" smtClean="0"/>
+              <a:t>want</a:t>
+            </a:r>
+            <a:r>
+              <a:rPr lang="de-AT" dirty="0" smtClean="0"/>
+              <a:t> </a:t>
+            </a:r>
+            <a:r>
+              <a:rPr lang="de-AT" dirty="0" err="1" smtClean="0"/>
+              <a:t>to</a:t>
+            </a:r>
+            <a:r>
+              <a:rPr lang="de-AT" dirty="0" smtClean="0"/>
+              <a:t> </a:t>
+            </a:r>
+            <a:r>
+              <a:rPr lang="de-AT" dirty="0" err="1" smtClean="0"/>
+              <a:t>show</a:t>
+            </a:r>
+            <a:r>
+              <a:rPr lang="de-AT" dirty="0" smtClean="0"/>
+              <a:t> </a:t>
+            </a:r>
+            <a:r>
+              <a:rPr lang="de-AT" dirty="0" err="1" smtClean="0"/>
+              <a:t>you</a:t>
+            </a:r>
+            <a:r>
+              <a:rPr lang="de-AT" dirty="0" smtClean="0"/>
+              <a:t> </a:t>
+            </a:r>
+            <a:r>
+              <a:rPr lang="de-AT" dirty="0" err="1" smtClean="0"/>
+              <a:t>is</a:t>
+            </a:r>
+            <a:r>
+              <a:rPr lang="de-AT" dirty="0" smtClean="0"/>
+              <a:t> </a:t>
+            </a:r>
+            <a:r>
+              <a:rPr lang="de-AT" dirty="0" err="1" smtClean="0"/>
+              <a:t>from</a:t>
+            </a:r>
+            <a:r>
+              <a:rPr lang="de-AT" dirty="0" smtClean="0"/>
+              <a:t> </a:t>
+            </a:r>
+            <a:r>
+              <a:rPr lang="de-AT" dirty="0" err="1" smtClean="0"/>
+              <a:t>the</a:t>
+            </a:r>
+            <a:r>
+              <a:rPr lang="de-AT" dirty="0" smtClean="0"/>
+              <a:t> </a:t>
+            </a:r>
+            <a:r>
+              <a:rPr lang="de-AT" dirty="0" err="1" smtClean="0"/>
+              <a:t>book</a:t>
+            </a:r>
+            <a:r>
+              <a:rPr lang="de-AT" baseline="0" dirty="0" smtClean="0"/>
+              <a:t> </a:t>
+            </a:r>
+            <a:r>
+              <a:rPr lang="de-AT" baseline="0" dirty="0" err="1" smtClean="0"/>
+              <a:t>Heterogenous</a:t>
+            </a:r>
+            <a:r>
+              <a:rPr lang="de-AT" baseline="0" dirty="0" smtClean="0"/>
+              <a:t> Computing </a:t>
+            </a:r>
+            <a:r>
+              <a:rPr lang="de-AT" baseline="0" dirty="0" err="1" smtClean="0"/>
+              <a:t>with</a:t>
+            </a:r>
+            <a:r>
+              <a:rPr lang="de-AT" baseline="0" dirty="0" smtClean="0"/>
+              <a:t> OpenCL. </a:t>
+            </a:r>
+            <a:r>
+              <a:rPr lang="de-AT" baseline="0" dirty="0" err="1" smtClean="0"/>
+              <a:t>It</a:t>
+            </a:r>
+            <a:r>
+              <a:rPr lang="de-AT" baseline="0" dirty="0" smtClean="0"/>
+              <a:t> </a:t>
+            </a:r>
+            <a:r>
+              <a:rPr lang="de-AT" baseline="0" dirty="0" err="1" smtClean="0"/>
+              <a:t>shows</a:t>
+            </a:r>
+            <a:r>
+              <a:rPr lang="de-AT" baseline="0" dirty="0" smtClean="0"/>
+              <a:t> </a:t>
+            </a:r>
+            <a:r>
+              <a:rPr lang="de-AT" baseline="0" dirty="0" err="1" smtClean="0"/>
+              <a:t>the</a:t>
+            </a:r>
+            <a:r>
+              <a:rPr lang="de-AT" baseline="0" dirty="0" smtClean="0"/>
+              <a:t> </a:t>
+            </a:r>
+            <a:r>
+              <a:rPr lang="de-AT" baseline="0" dirty="0" err="1" smtClean="0"/>
+              <a:t>memory</a:t>
+            </a:r>
+            <a:r>
+              <a:rPr lang="de-AT" baseline="0" dirty="0" smtClean="0"/>
+              <a:t> </a:t>
+            </a:r>
+            <a:r>
+              <a:rPr lang="de-AT" baseline="0" dirty="0" err="1" smtClean="0"/>
+              <a:t>transfer</a:t>
+            </a:r>
+            <a:r>
+              <a:rPr lang="de-AT" baseline="0" dirty="0" smtClean="0"/>
+              <a:t> </a:t>
+            </a:r>
+            <a:r>
+              <a:rPr lang="de-AT" baseline="0" dirty="0" err="1" smtClean="0"/>
+              <a:t>rates</a:t>
+            </a:r>
+            <a:r>
+              <a:rPr lang="de-AT" baseline="0" dirty="0" smtClean="0"/>
+              <a:t> </a:t>
+            </a:r>
+            <a:r>
+              <a:rPr lang="de-AT" baseline="0" dirty="0" err="1" smtClean="0"/>
+              <a:t>between</a:t>
+            </a:r>
+            <a:r>
+              <a:rPr lang="de-AT" baseline="0" dirty="0" smtClean="0"/>
+              <a:t> </a:t>
+            </a:r>
+            <a:r>
+              <a:rPr lang="de-AT" baseline="0" dirty="0" err="1" smtClean="0"/>
+              <a:t>some</a:t>
+            </a:r>
+            <a:r>
+              <a:rPr lang="de-AT" baseline="0" dirty="0" smtClean="0"/>
+              <a:t> </a:t>
+            </a:r>
+            <a:r>
+              <a:rPr lang="de-AT" baseline="0" dirty="0" err="1" smtClean="0"/>
+              <a:t>hardware</a:t>
+            </a:r>
+            <a:r>
+              <a:rPr lang="de-AT" baseline="0" dirty="0" smtClean="0"/>
+              <a:t> </a:t>
+            </a:r>
+            <a:r>
+              <a:rPr lang="de-AT" baseline="0" dirty="0" err="1" smtClean="0"/>
+              <a:t>compontents</a:t>
+            </a:r>
+            <a:r>
+              <a:rPr lang="de-AT" baseline="0" dirty="0" smtClean="0"/>
+              <a:t>.</a:t>
+            </a:r>
+          </a:p>
+          <a:p>
+            <a:r>
+              <a:rPr lang="de-AT" baseline="0" dirty="0" err="1" smtClean="0"/>
+              <a:t>We</a:t>
+            </a:r>
+            <a:r>
+              <a:rPr lang="de-AT" baseline="0" dirty="0" smtClean="0"/>
+              <a:t> </a:t>
+            </a:r>
+            <a:r>
+              <a:rPr lang="de-AT" baseline="0" dirty="0" err="1" smtClean="0"/>
+              <a:t>can</a:t>
+            </a:r>
+            <a:r>
+              <a:rPr lang="de-AT" baseline="0" dirty="0" smtClean="0"/>
+              <a:t> </a:t>
+            </a:r>
+            <a:r>
+              <a:rPr lang="de-AT" baseline="0" dirty="0" err="1" smtClean="0"/>
+              <a:t>see</a:t>
+            </a:r>
+            <a:r>
+              <a:rPr lang="de-AT" baseline="0" dirty="0" smtClean="0"/>
+              <a:t> a </a:t>
+            </a:r>
+            <a:r>
+              <a:rPr lang="de-AT" baseline="0" dirty="0" err="1" smtClean="0"/>
+              <a:t>lot</a:t>
+            </a:r>
+            <a:r>
+              <a:rPr lang="de-AT" baseline="0" dirty="0" smtClean="0"/>
+              <a:t> </a:t>
+            </a:r>
+            <a:r>
+              <a:rPr lang="de-AT" baseline="0" dirty="0" err="1" smtClean="0"/>
+              <a:t>of</a:t>
+            </a:r>
+            <a:r>
+              <a:rPr lang="de-AT" baseline="0" dirty="0" smtClean="0"/>
+              <a:t> high </a:t>
+            </a:r>
+            <a:r>
+              <a:rPr lang="de-AT" baseline="0" dirty="0" err="1" smtClean="0"/>
+              <a:t>numbers</a:t>
+            </a:r>
+            <a:r>
+              <a:rPr lang="de-AT" baseline="0" dirty="0" smtClean="0"/>
+              <a:t> </a:t>
+            </a:r>
+            <a:r>
+              <a:rPr lang="de-AT" baseline="0" dirty="0" err="1" smtClean="0"/>
+              <a:t>inside</a:t>
+            </a:r>
+            <a:r>
+              <a:rPr lang="de-AT" baseline="0" dirty="0" smtClean="0"/>
+              <a:t> </a:t>
+            </a:r>
+            <a:r>
+              <a:rPr lang="de-AT" baseline="0" dirty="0" err="1" smtClean="0"/>
+              <a:t>the</a:t>
+            </a:r>
+            <a:r>
+              <a:rPr lang="de-AT" baseline="0" dirty="0" smtClean="0"/>
+              <a:t> CPU, </a:t>
+            </a:r>
+            <a:r>
+              <a:rPr lang="de-AT" baseline="0" dirty="0" err="1" smtClean="0"/>
+              <a:t>even</a:t>
+            </a:r>
+            <a:r>
+              <a:rPr lang="de-AT" baseline="0" dirty="0" smtClean="0"/>
+              <a:t> </a:t>
+            </a:r>
+            <a:r>
+              <a:rPr lang="de-AT" baseline="0" dirty="0" err="1" smtClean="0"/>
+              <a:t>higher</a:t>
+            </a:r>
+            <a:r>
+              <a:rPr lang="de-AT" baseline="0" dirty="0" smtClean="0"/>
+              <a:t> </a:t>
+            </a:r>
+            <a:r>
+              <a:rPr lang="de-AT" baseline="0" dirty="0" err="1" smtClean="0"/>
+              <a:t>numbers</a:t>
+            </a:r>
+            <a:r>
+              <a:rPr lang="de-AT" baseline="0" dirty="0" smtClean="0"/>
+              <a:t> </a:t>
+            </a:r>
+            <a:r>
+              <a:rPr lang="de-AT" baseline="0" dirty="0" err="1" smtClean="0"/>
+              <a:t>inside</a:t>
+            </a:r>
+            <a:r>
+              <a:rPr lang="de-AT" baseline="0" dirty="0" smtClean="0"/>
+              <a:t> </a:t>
+            </a:r>
+            <a:r>
+              <a:rPr lang="de-AT" baseline="0" dirty="0" err="1" smtClean="0"/>
+              <a:t>the</a:t>
+            </a:r>
+            <a:r>
+              <a:rPr lang="de-AT" baseline="0" dirty="0" smtClean="0"/>
+              <a:t> GPU.</a:t>
+            </a:r>
+          </a:p>
+          <a:p>
+            <a:r>
+              <a:rPr lang="de-AT" baseline="0" dirty="0" smtClean="0"/>
+              <a:t>BUT, </a:t>
+            </a:r>
+            <a:r>
+              <a:rPr lang="de-AT" baseline="0" dirty="0" err="1" smtClean="0"/>
+              <a:t>the</a:t>
+            </a:r>
+            <a:r>
+              <a:rPr lang="de-AT" baseline="0" dirty="0" smtClean="0"/>
+              <a:t> </a:t>
+            </a:r>
+            <a:r>
+              <a:rPr lang="de-AT" baseline="0" dirty="0" err="1" smtClean="0"/>
+              <a:t>big</a:t>
+            </a:r>
+            <a:r>
+              <a:rPr lang="de-AT" baseline="0" dirty="0" smtClean="0"/>
+              <a:t> </a:t>
+            </a:r>
+            <a:r>
+              <a:rPr lang="de-AT" baseline="0" dirty="0" err="1" smtClean="0"/>
+              <a:t>bottle</a:t>
+            </a:r>
+            <a:r>
+              <a:rPr lang="de-AT" baseline="0" dirty="0" smtClean="0"/>
+              <a:t> neck </a:t>
+            </a:r>
+            <a:r>
+              <a:rPr lang="de-AT" baseline="0" dirty="0" err="1" smtClean="0"/>
+              <a:t>is</a:t>
+            </a:r>
+            <a:r>
+              <a:rPr lang="de-AT" baseline="0" dirty="0" smtClean="0"/>
+              <a:t> PCI </a:t>
+            </a:r>
+            <a:r>
+              <a:rPr lang="de-AT" baseline="0" dirty="0" err="1" smtClean="0"/>
+              <a:t>bus</a:t>
+            </a:r>
+            <a:r>
+              <a:rPr lang="de-AT" baseline="0" dirty="0" smtClean="0"/>
+              <a:t> </a:t>
+            </a:r>
+            <a:r>
+              <a:rPr lang="de-AT" baseline="0" dirty="0" err="1" smtClean="0"/>
+              <a:t>between</a:t>
+            </a:r>
+            <a:r>
+              <a:rPr lang="de-AT" baseline="0" dirty="0" smtClean="0"/>
+              <a:t> </a:t>
+            </a:r>
+            <a:r>
+              <a:rPr lang="de-AT" baseline="0" dirty="0" err="1" smtClean="0"/>
+              <a:t>the</a:t>
+            </a:r>
+            <a:r>
+              <a:rPr lang="de-AT" baseline="0" dirty="0" smtClean="0"/>
+              <a:t> CPU </a:t>
+            </a:r>
+            <a:r>
+              <a:rPr lang="de-AT" baseline="0" dirty="0" err="1" smtClean="0"/>
+              <a:t>and</a:t>
+            </a:r>
+            <a:r>
+              <a:rPr lang="de-AT" baseline="0" dirty="0" smtClean="0"/>
+              <a:t> </a:t>
+            </a:r>
+            <a:r>
+              <a:rPr lang="de-AT" baseline="0" dirty="0" err="1" smtClean="0"/>
+              <a:t>the</a:t>
+            </a:r>
+            <a:r>
+              <a:rPr lang="de-AT" baseline="0" dirty="0" smtClean="0"/>
+              <a:t> GPU, </a:t>
+            </a:r>
+            <a:r>
+              <a:rPr lang="de-AT" baseline="0" dirty="0" err="1" smtClean="0"/>
+              <a:t>which</a:t>
+            </a:r>
+            <a:r>
+              <a:rPr lang="de-AT" baseline="0" dirty="0" smtClean="0"/>
+              <a:t> </a:t>
+            </a:r>
+            <a:r>
+              <a:rPr lang="de-AT" baseline="0" dirty="0" err="1" smtClean="0"/>
+              <a:t>is</a:t>
+            </a:r>
+            <a:r>
+              <a:rPr lang="de-AT" baseline="0" dirty="0" smtClean="0"/>
+              <a:t> </a:t>
+            </a:r>
+            <a:r>
+              <a:rPr lang="de-AT" baseline="0" dirty="0" err="1" smtClean="0"/>
+              <a:t>very</a:t>
+            </a:r>
+            <a:r>
+              <a:rPr lang="de-AT" baseline="0" dirty="0" smtClean="0"/>
+              <a:t> </a:t>
+            </a:r>
+            <a:r>
+              <a:rPr lang="de-AT" baseline="0" dirty="0" err="1" smtClean="0"/>
+              <a:t>slow</a:t>
+            </a:r>
+            <a:r>
+              <a:rPr lang="de-AT" baseline="0" dirty="0" smtClean="0"/>
+              <a:t> </a:t>
+            </a:r>
+            <a:r>
+              <a:rPr lang="de-AT" baseline="0" dirty="0" err="1" smtClean="0"/>
+              <a:t>compared</a:t>
+            </a:r>
+            <a:r>
+              <a:rPr lang="de-AT" baseline="0" dirty="0" smtClean="0"/>
+              <a:t> </a:t>
+            </a:r>
+            <a:r>
+              <a:rPr lang="de-AT" baseline="0" dirty="0" err="1" smtClean="0"/>
+              <a:t>to</a:t>
+            </a:r>
+            <a:r>
+              <a:rPr lang="de-AT" baseline="0" dirty="0" smtClean="0"/>
+              <a:t> </a:t>
+            </a:r>
+            <a:r>
+              <a:rPr lang="de-AT" baseline="0" dirty="0" err="1" smtClean="0"/>
+              <a:t>the</a:t>
+            </a:r>
+            <a:r>
+              <a:rPr lang="de-AT" baseline="0" dirty="0" smtClean="0"/>
+              <a:t> </a:t>
+            </a:r>
+            <a:r>
+              <a:rPr lang="de-AT" baseline="0" dirty="0" err="1" smtClean="0"/>
+              <a:t>others</a:t>
+            </a:r>
+            <a:r>
+              <a:rPr lang="de-AT" baseline="0" dirty="0" smtClean="0"/>
+              <a:t>. </a:t>
+            </a:r>
+            <a:r>
+              <a:rPr lang="de-AT" baseline="0" dirty="0" err="1" smtClean="0"/>
+              <a:t>We</a:t>
+            </a:r>
+            <a:r>
+              <a:rPr lang="de-AT" baseline="0" dirty="0" smtClean="0"/>
+              <a:t> will </a:t>
+            </a:r>
+            <a:r>
+              <a:rPr lang="de-AT" baseline="0" dirty="0" err="1" smtClean="0"/>
+              <a:t>see</a:t>
+            </a:r>
+            <a:r>
+              <a:rPr lang="de-AT" baseline="0" dirty="0" smtClean="0"/>
+              <a:t> an </a:t>
+            </a:r>
+            <a:r>
+              <a:rPr lang="de-AT" baseline="0" dirty="0" err="1" smtClean="0"/>
+              <a:t>example</a:t>
+            </a:r>
+            <a:r>
+              <a:rPr lang="de-AT" baseline="0" dirty="0" smtClean="0"/>
+              <a:t> </a:t>
+            </a:r>
+            <a:r>
+              <a:rPr lang="de-AT" baseline="0" dirty="0" err="1" smtClean="0"/>
+              <a:t>later</a:t>
+            </a:r>
+            <a:r>
+              <a:rPr lang="de-AT" baseline="0" dirty="0" smtClean="0"/>
+              <a:t> on, </a:t>
+            </a:r>
+            <a:r>
+              <a:rPr lang="de-AT" baseline="0" dirty="0" err="1" smtClean="0"/>
+              <a:t>why</a:t>
+            </a:r>
+            <a:r>
+              <a:rPr lang="de-AT" baseline="0" dirty="0" smtClean="0"/>
+              <a:t> </a:t>
+            </a:r>
+            <a:r>
+              <a:rPr lang="de-AT" baseline="0" dirty="0" err="1" smtClean="0"/>
+              <a:t>this</a:t>
+            </a:r>
+            <a:r>
+              <a:rPr lang="de-AT" baseline="0" dirty="0" smtClean="0"/>
+              <a:t> </a:t>
+            </a:r>
+            <a:r>
+              <a:rPr lang="de-AT" baseline="0" dirty="0" err="1" smtClean="0"/>
+              <a:t>plays</a:t>
+            </a:r>
+            <a:r>
+              <a:rPr lang="de-AT" baseline="0" dirty="0" smtClean="0"/>
+              <a:t> an </a:t>
+            </a:r>
+            <a:r>
+              <a:rPr lang="de-AT" baseline="0" dirty="0" err="1" smtClean="0"/>
+              <a:t>important</a:t>
+            </a:r>
+            <a:r>
+              <a:rPr lang="de-AT" baseline="0" dirty="0" smtClean="0"/>
+              <a:t> </a:t>
+            </a:r>
+            <a:r>
+              <a:rPr lang="de-AT" baseline="0" dirty="0" err="1" smtClean="0"/>
+              <a:t>role</a:t>
+            </a:r>
+            <a:r>
+              <a:rPr lang="de-AT" baseline="0" dirty="0" smtClean="0"/>
+              <a:t>.</a:t>
             </a:r>
             <a:endParaRPr lang="en-US" dirty="0"/>
           </a:p>
@@ -10161,7 +12566,7 @@
           <a:p>
             <a:fld id="{E19E8DFC-DE97-490B-8572-C8B1A4CD170F}" type="slidenum">
               <a:rPr lang="en-US" smtClean="0"/>
-              <a:t>4</a:t>
+              <a:t>3</a:t>
             </a:fld>
             <a:endParaRPr lang="en-US"/>
           </a:p>
@@ -10170,7 +12575,7 @@
     </p:spTree>
     <p:extLst>
       <p:ext uri="{BB962C8B-B14F-4D97-AF65-F5344CB8AC3E}">
-        <p14:creationId xmlns:p14="http://schemas.microsoft.com/office/powerpoint/2010/main" val="3393549385"/>
+        <p14:creationId xmlns:p14="http://schemas.microsoft.com/office/powerpoint/2010/main" val="4070184334"/>
       </p:ext>
     </p:extLst>
   </p:cSld>
@@ -10226,387 +12631,47 @@
           <a:p>
             <a:r>
               <a:rPr lang="de-AT" dirty="0" err="1" smtClean="0"/>
-              <a:t>Another</a:t>
-            </a:r>
-            <a:r>
-              <a:rPr lang="de-AT" dirty="0" smtClean="0"/>
-              <a:t> </a:t>
-            </a:r>
-            <a:r>
-              <a:rPr lang="de-AT" dirty="0" err="1" smtClean="0"/>
-              <a:t>basic</a:t>
-            </a:r>
-            <a:r>
-              <a:rPr lang="de-AT" dirty="0" smtClean="0"/>
-              <a:t> </a:t>
-            </a:r>
-            <a:r>
-              <a:rPr lang="de-AT" dirty="0" err="1" smtClean="0"/>
-              <a:t>algorithm</a:t>
-            </a:r>
-            <a:r>
-              <a:rPr lang="de-AT" dirty="0" smtClean="0"/>
-              <a:t> </a:t>
-            </a:r>
-            <a:r>
-              <a:rPr lang="de-AT" dirty="0" err="1" smtClean="0"/>
-              <a:t>is</a:t>
-            </a:r>
-            <a:r>
-              <a:rPr lang="de-AT" dirty="0" smtClean="0"/>
-              <a:t> </a:t>
-            </a:r>
-            <a:r>
-              <a:rPr lang="de-AT" dirty="0" err="1" smtClean="0"/>
-              <a:t>the</a:t>
-            </a:r>
-            <a:r>
-              <a:rPr lang="de-AT" dirty="0" smtClean="0"/>
-              <a:t> so-</a:t>
-            </a:r>
-            <a:r>
-              <a:rPr lang="de-AT" dirty="0" err="1" smtClean="0"/>
-              <a:t>called</a:t>
-            </a:r>
-            <a:r>
-              <a:rPr lang="de-AT" dirty="0" smtClean="0"/>
-              <a:t> </a:t>
-            </a:r>
-            <a:r>
-              <a:rPr lang="de-AT" dirty="0" err="1" smtClean="0"/>
-              <a:t>scan</a:t>
-            </a:r>
-            <a:r>
-              <a:rPr lang="de-AT" dirty="0" smtClean="0"/>
-              <a:t>.</a:t>
-            </a:r>
-            <a:r>
-              <a:rPr lang="de-AT" baseline="0" dirty="0" smtClean="0"/>
-              <a:t> The </a:t>
-            </a:r>
-            <a:r>
-              <a:rPr lang="de-AT" baseline="0" dirty="0" err="1" smtClean="0"/>
-              <a:t>scan</a:t>
-            </a:r>
-            <a:r>
-              <a:rPr lang="de-AT" baseline="0" dirty="0" smtClean="0"/>
-              <a:t> </a:t>
-            </a:r>
-            <a:r>
-              <a:rPr lang="de-AT" baseline="0" dirty="0" err="1" smtClean="0"/>
-              <a:t>operation</a:t>
-            </a:r>
-            <a:r>
-              <a:rPr lang="de-AT" baseline="0" dirty="0" smtClean="0"/>
-              <a:t> </a:t>
-            </a:r>
-            <a:r>
-              <a:rPr lang="de-AT" baseline="0" dirty="0" err="1" smtClean="0"/>
-              <a:t>simply</a:t>
-            </a:r>
-            <a:r>
-              <a:rPr lang="de-AT" baseline="0" dirty="0" smtClean="0"/>
-              <a:t> </a:t>
-            </a:r>
-            <a:r>
-              <a:rPr lang="de-AT" baseline="0" dirty="0" err="1" smtClean="0"/>
-              <a:t>loops</a:t>
-            </a:r>
-            <a:r>
-              <a:rPr lang="de-AT" baseline="0" dirty="0" smtClean="0"/>
-              <a:t> </a:t>
-            </a:r>
-            <a:r>
-              <a:rPr lang="de-AT" baseline="0" dirty="0" err="1" smtClean="0"/>
-              <a:t>over</a:t>
-            </a:r>
-            <a:r>
-              <a:rPr lang="de-AT" baseline="0" dirty="0" smtClean="0"/>
-              <a:t> an </a:t>
-            </a:r>
-            <a:r>
-              <a:rPr lang="de-AT" baseline="0" dirty="0" err="1" smtClean="0"/>
-              <a:t>array</a:t>
-            </a:r>
-            <a:r>
-              <a:rPr lang="de-AT" baseline="0" dirty="0" smtClean="0"/>
-              <a:t> </a:t>
-            </a:r>
-            <a:r>
-              <a:rPr lang="de-AT" baseline="0" dirty="0" err="1" smtClean="0"/>
-              <a:t>and</a:t>
-            </a:r>
-            <a:r>
-              <a:rPr lang="de-AT" baseline="0" dirty="0" smtClean="0"/>
-              <a:t> sums </a:t>
-            </a:r>
-            <a:r>
-              <a:rPr lang="de-AT" baseline="0" dirty="0" err="1" smtClean="0"/>
-              <a:t>up</a:t>
-            </a:r>
-            <a:r>
-              <a:rPr lang="de-AT" baseline="0" dirty="0" smtClean="0"/>
-              <a:t> </a:t>
-            </a:r>
-            <a:r>
-              <a:rPr lang="de-AT" baseline="0" dirty="0" err="1" smtClean="0"/>
-              <a:t>the</a:t>
-            </a:r>
-            <a:r>
-              <a:rPr lang="de-AT" baseline="0" dirty="0" smtClean="0"/>
-              <a:t> </a:t>
-            </a:r>
-            <a:r>
-              <a:rPr lang="de-AT" baseline="0" dirty="0" err="1" smtClean="0"/>
-              <a:t>previous</a:t>
-            </a:r>
-            <a:r>
-              <a:rPr lang="de-AT" baseline="0" dirty="0" smtClean="0"/>
-              <a:t> </a:t>
-            </a:r>
-            <a:r>
-              <a:rPr lang="de-AT" baseline="0" dirty="0" err="1" smtClean="0"/>
-              <a:t>values</a:t>
-            </a:r>
-            <a:r>
-              <a:rPr lang="de-AT" baseline="0" dirty="0" smtClean="0"/>
-              <a:t> plus </a:t>
-            </a:r>
-            <a:r>
-              <a:rPr lang="de-AT" baseline="0" dirty="0" err="1" smtClean="0"/>
-              <a:t>the</a:t>
-            </a:r>
-            <a:r>
-              <a:rPr lang="de-AT" baseline="0" dirty="0" smtClean="0"/>
-              <a:t> </a:t>
-            </a:r>
-            <a:r>
-              <a:rPr lang="de-AT" baseline="0" dirty="0" err="1" smtClean="0"/>
-              <a:t>current</a:t>
-            </a:r>
-            <a:r>
-              <a:rPr lang="de-AT" baseline="0" dirty="0" smtClean="0"/>
-              <a:t> </a:t>
-            </a:r>
-            <a:r>
-              <a:rPr lang="de-AT" baseline="0" dirty="0" err="1" smtClean="0"/>
-              <a:t>value</a:t>
-            </a:r>
-            <a:r>
-              <a:rPr lang="de-AT" baseline="0" dirty="0" smtClean="0"/>
-              <a:t>. The </a:t>
-            </a:r>
-            <a:r>
-              <a:rPr lang="de-AT" baseline="0" dirty="0" err="1" smtClean="0"/>
-              <a:t>implementation</a:t>
-            </a:r>
-            <a:r>
-              <a:rPr lang="de-AT" baseline="0" dirty="0" smtClean="0"/>
-              <a:t> </a:t>
-            </a:r>
-            <a:r>
-              <a:rPr lang="de-AT" baseline="0" dirty="0" err="1" smtClean="0"/>
-              <a:t>for</a:t>
-            </a:r>
-            <a:r>
-              <a:rPr lang="de-AT" baseline="0" dirty="0" smtClean="0"/>
-              <a:t> a CPU </a:t>
-            </a:r>
-            <a:r>
-              <a:rPr lang="de-AT" baseline="0" dirty="0" err="1" smtClean="0"/>
-              <a:t>looks</a:t>
-            </a:r>
-            <a:r>
-              <a:rPr lang="de-AT" baseline="0" dirty="0" smtClean="0"/>
-              <a:t> </a:t>
-            </a:r>
-            <a:r>
-              <a:rPr lang="de-AT" baseline="0" dirty="0" err="1" smtClean="0"/>
-              <a:t>very</a:t>
-            </a:r>
-            <a:r>
-              <a:rPr lang="de-AT" baseline="0" dirty="0" smtClean="0"/>
-              <a:t> simple. But </a:t>
-            </a:r>
-            <a:r>
-              <a:rPr lang="de-AT" baseline="0" dirty="0" err="1" smtClean="0"/>
-              <a:t>as</a:t>
-            </a:r>
-            <a:r>
-              <a:rPr lang="de-AT" baseline="0" dirty="0" smtClean="0"/>
-              <a:t> </a:t>
-            </a:r>
-            <a:r>
-              <a:rPr lang="de-AT" baseline="0" dirty="0" err="1" smtClean="0"/>
-              <a:t>the</a:t>
-            </a:r>
-            <a:r>
-              <a:rPr lang="de-AT" baseline="0" dirty="0" smtClean="0"/>
-              <a:t> </a:t>
-            </a:r>
-            <a:r>
-              <a:rPr lang="de-AT" baseline="0" dirty="0" err="1" smtClean="0"/>
-              <a:t>algorithm</a:t>
-            </a:r>
-            <a:r>
-              <a:rPr lang="de-AT" baseline="0" dirty="0" smtClean="0"/>
-              <a:t> </a:t>
-            </a:r>
-            <a:r>
-              <a:rPr lang="de-AT" baseline="0" dirty="0" err="1" smtClean="0"/>
-              <a:t>is</a:t>
-            </a:r>
-            <a:r>
-              <a:rPr lang="de-AT" baseline="0" dirty="0" smtClean="0"/>
-              <a:t> </a:t>
-            </a:r>
-            <a:r>
-              <a:rPr lang="de-AT" b="1" baseline="0" dirty="0" smtClean="0"/>
-              <a:t>linear</a:t>
-            </a:r>
-            <a:r>
-              <a:rPr lang="de-AT" baseline="0" dirty="0" smtClean="0"/>
-              <a:t>, </a:t>
-            </a:r>
-            <a:r>
-              <a:rPr lang="de-AT" baseline="0" dirty="0" err="1" smtClean="0"/>
-              <a:t>it</a:t>
-            </a:r>
-            <a:r>
-              <a:rPr lang="de-AT" baseline="0" dirty="0" smtClean="0"/>
-              <a:t> </a:t>
-            </a:r>
-            <a:r>
-              <a:rPr lang="de-AT" baseline="0" dirty="0" err="1" smtClean="0"/>
-              <a:t>is</a:t>
-            </a:r>
-            <a:r>
-              <a:rPr lang="de-AT" baseline="0" dirty="0" smtClean="0"/>
-              <a:t> </a:t>
-            </a:r>
-            <a:r>
-              <a:rPr lang="de-AT" baseline="0" dirty="0" err="1" smtClean="0"/>
-              <a:t>very</a:t>
-            </a:r>
-            <a:r>
-              <a:rPr lang="de-AT" baseline="0" dirty="0" smtClean="0"/>
-              <a:t> </a:t>
-            </a:r>
-            <a:r>
-              <a:rPr lang="de-AT" b="1" baseline="0" dirty="0" err="1" smtClean="0"/>
-              <a:t>hard</a:t>
-            </a:r>
-            <a:r>
-              <a:rPr lang="de-AT" b="1" baseline="0" dirty="0" smtClean="0"/>
-              <a:t> </a:t>
-            </a:r>
-            <a:r>
-              <a:rPr lang="de-AT" b="1" baseline="0" dirty="0" err="1" smtClean="0"/>
-              <a:t>to</a:t>
-            </a:r>
-            <a:r>
-              <a:rPr lang="de-AT" b="1" baseline="0" dirty="0" smtClean="0"/>
-              <a:t> </a:t>
-            </a:r>
-            <a:r>
-              <a:rPr lang="de-AT" b="1" baseline="0" dirty="0" err="1" smtClean="0"/>
-              <a:t>be</a:t>
-            </a:r>
-            <a:r>
-              <a:rPr lang="de-AT" b="1" baseline="0" dirty="0" smtClean="0"/>
-              <a:t> </a:t>
-            </a:r>
-            <a:r>
-              <a:rPr lang="de-AT" b="1" baseline="0" dirty="0" err="1" smtClean="0"/>
-              <a:t>ported</a:t>
-            </a:r>
-            <a:r>
-              <a:rPr lang="de-AT" baseline="0" dirty="0" smtClean="0"/>
-              <a:t> </a:t>
-            </a:r>
-            <a:r>
-              <a:rPr lang="de-AT" baseline="0" dirty="0" err="1" smtClean="0"/>
-              <a:t>to</a:t>
-            </a:r>
-            <a:r>
-              <a:rPr lang="de-AT" baseline="0" dirty="0" smtClean="0"/>
-              <a:t> a GPU. </a:t>
-            </a:r>
-            <a:r>
-              <a:rPr lang="de-AT" baseline="0" dirty="0" err="1" smtClean="0"/>
-              <a:t>One</a:t>
-            </a:r>
-            <a:r>
-              <a:rPr lang="de-AT" baseline="0" dirty="0" smtClean="0"/>
-              <a:t> </a:t>
-            </a:r>
-            <a:r>
-              <a:rPr lang="de-AT" baseline="0" dirty="0" err="1" smtClean="0"/>
-              <a:t>method</a:t>
-            </a:r>
-            <a:r>
-              <a:rPr lang="de-AT" baseline="0" dirty="0" smtClean="0"/>
-              <a:t> </a:t>
-            </a:r>
-            <a:r>
-              <a:rPr lang="de-AT" baseline="0" dirty="0" err="1" smtClean="0"/>
-              <a:t>would</a:t>
-            </a:r>
-            <a:r>
-              <a:rPr lang="de-AT" baseline="0" dirty="0" smtClean="0"/>
-              <a:t> </a:t>
-            </a:r>
-            <a:r>
-              <a:rPr lang="de-AT" baseline="0" dirty="0" err="1" smtClean="0"/>
-              <a:t>be</a:t>
-            </a:r>
-            <a:r>
-              <a:rPr lang="de-AT" baseline="0" dirty="0" smtClean="0"/>
-              <a:t> </a:t>
-            </a:r>
-            <a:r>
-              <a:rPr lang="de-AT" baseline="0" dirty="0" err="1" smtClean="0"/>
-              <a:t>to</a:t>
-            </a:r>
-            <a:r>
-              <a:rPr lang="de-AT" baseline="0" dirty="0" smtClean="0"/>
-              <a:t> </a:t>
-            </a:r>
-            <a:r>
-              <a:rPr lang="de-AT" baseline="0" dirty="0" err="1" smtClean="0"/>
-              <a:t>use</a:t>
-            </a:r>
-            <a:r>
-              <a:rPr lang="de-AT" baseline="0" dirty="0" smtClean="0"/>
-              <a:t> such a </a:t>
-            </a:r>
-            <a:r>
-              <a:rPr lang="de-AT" baseline="0" dirty="0" err="1" smtClean="0"/>
-              <a:t>tree</a:t>
-            </a:r>
-            <a:r>
-              <a:rPr lang="de-AT" baseline="0" dirty="0" smtClean="0"/>
-              <a:t> </a:t>
-            </a:r>
-            <a:r>
-              <a:rPr lang="de-AT" baseline="0" dirty="0" err="1" smtClean="0"/>
-              <a:t>based</a:t>
-            </a:r>
-            <a:r>
-              <a:rPr lang="de-AT" baseline="0" dirty="0" smtClean="0"/>
-              <a:t> </a:t>
-            </a:r>
-            <a:r>
-              <a:rPr lang="de-AT" baseline="0" dirty="0" err="1" smtClean="0"/>
-              <a:t>addition</a:t>
-            </a:r>
-            <a:r>
-              <a:rPr lang="de-AT" baseline="0" dirty="0" smtClean="0"/>
-              <a:t> </a:t>
-            </a:r>
-            <a:r>
-              <a:rPr lang="de-AT" baseline="0" dirty="0" err="1" smtClean="0"/>
-              <a:t>system</a:t>
+              <a:t>Now</a:t>
+            </a:r>
+            <a:r>
+              <a:rPr lang="de-AT" baseline="0" dirty="0" smtClean="0"/>
+              <a:t> </a:t>
+            </a:r>
+            <a:r>
+              <a:rPr lang="de-AT" baseline="0" dirty="0" err="1" smtClean="0"/>
+              <a:t>let's</a:t>
+            </a:r>
+            <a:r>
+              <a:rPr lang="de-AT" baseline="0" dirty="0" smtClean="0"/>
+              <a:t> </a:t>
+            </a:r>
+            <a:r>
+              <a:rPr lang="de-AT" baseline="0" dirty="0" err="1" smtClean="0"/>
+              <a:t>look</a:t>
+            </a:r>
+            <a:r>
+              <a:rPr lang="de-AT" baseline="0" dirty="0" smtClean="0"/>
+              <a:t> </a:t>
+            </a:r>
+            <a:r>
+              <a:rPr lang="de-AT" baseline="0" dirty="0" err="1" smtClean="0"/>
+              <a:t>into</a:t>
+            </a:r>
+            <a:r>
+              <a:rPr lang="de-AT" baseline="0" dirty="0" smtClean="0"/>
+              <a:t> </a:t>
+            </a:r>
+            <a:r>
+              <a:rPr lang="de-AT" baseline="0" dirty="0" err="1" smtClean="0"/>
+              <a:t>some</a:t>
+            </a:r>
+            <a:r>
+              <a:rPr lang="de-AT" baseline="0" dirty="0" smtClean="0"/>
+              <a:t> </a:t>
+            </a:r>
+            <a:r>
+              <a:rPr lang="de-AT" baseline="0" dirty="0" err="1" smtClean="0"/>
+              <a:t>algorithms</a:t>
             </a:r>
             <a:r>
               <a:rPr lang="de-AT" baseline="0" dirty="0" smtClean="0"/>
@@ -10633,7 +12698,7 @@
           <a:p>
             <a:fld id="{E19E8DFC-DE97-490B-8572-C8B1A4CD170F}" type="slidenum">
               <a:rPr lang="en-US" smtClean="0"/>
-              <a:t>5</a:t>
+              <a:t>4</a:t>
             </a:fld>
             <a:endParaRPr lang="en-US"/>
           </a:p>
@@ -10642,7 +12707,7 @@
     </p:spTree>
     <p:extLst>
       <p:ext uri="{BB962C8B-B14F-4D97-AF65-F5344CB8AC3E}">
-        <p14:creationId xmlns:p14="http://schemas.microsoft.com/office/powerpoint/2010/main" val="297160392"/>
+        <p14:creationId xmlns:p14="http://schemas.microsoft.com/office/powerpoint/2010/main" val="3393549385"/>
       </p:ext>
     </p:extLst>
   </p:cSld>
@@ -10697,38 +12762,333 @@
           <a:lstStyle/>
           <a:p>
             <a:r>
-              <a:rPr lang="en-US" noProof="0" dirty="0" smtClean="0"/>
-              <a:t>The first and probably</a:t>
-            </a:r>
-            <a:r>
-              <a:rPr lang="en-US" baseline="0" noProof="0" dirty="0" smtClean="0"/>
-              <a:t> my </a:t>
-            </a:r>
-            <a:r>
-              <a:rPr lang="en-US" b="1" baseline="0" noProof="0" dirty="0" smtClean="0"/>
-              <a:t>most complex</a:t>
-            </a:r>
-            <a:r>
-              <a:rPr lang="en-US" baseline="0" noProof="0" dirty="0" smtClean="0"/>
-              <a:t> class of algorithms are sorting algorithms. Everybody knows sorting algorithms, like quicksort. Most sorting algorithms rely on some kind of </a:t>
-            </a:r>
-            <a:r>
-              <a:rPr lang="en-US" b="1" baseline="0" noProof="0" dirty="0" smtClean="0"/>
-              <a:t>comparing and swapping</a:t>
-            </a:r>
-            <a:r>
-              <a:rPr lang="en-US" baseline="0" noProof="0" dirty="0" smtClean="0"/>
-              <a:t> of two elements one after each other. This works perfectly on a single core, but on several hundred cores only one core would be used at a time. Therefore different approaches are necessary like the </a:t>
-            </a:r>
-            <a:r>
-              <a:rPr lang="en-US" baseline="0" noProof="0" dirty="0" err="1" smtClean="0"/>
-              <a:t>bitonic</a:t>
-            </a:r>
-            <a:r>
-              <a:rPr lang="en-US" baseline="0" noProof="0" dirty="0" smtClean="0"/>
-              <a:t> sorting network, which has a worse runtime complexity than a quicksort, but allows many operations to run parallel.</a:t>
-            </a:r>
-            <a:endParaRPr lang="en-US" noProof="0" dirty="0"/>
+              <a:rPr lang="de-AT" dirty="0" err="1" smtClean="0"/>
+              <a:t>We</a:t>
+            </a:r>
+            <a:r>
+              <a:rPr lang="de-AT" baseline="0" dirty="0" smtClean="0"/>
+              <a:t> also </a:t>
+            </a:r>
+            <a:r>
+              <a:rPr lang="de-AT" baseline="0" dirty="0" err="1" smtClean="0"/>
+              <a:t>already</a:t>
+            </a:r>
+            <a:r>
+              <a:rPr lang="de-AT" baseline="0" dirty="0" smtClean="0"/>
+              <a:t> </a:t>
+            </a:r>
+            <a:r>
+              <a:rPr lang="de-AT" baseline="0" dirty="0" err="1" smtClean="0"/>
+              <a:t>know</a:t>
+            </a:r>
+            <a:r>
+              <a:rPr lang="de-AT" baseline="0" dirty="0" smtClean="0"/>
+              <a:t> </a:t>
+            </a:r>
+            <a:r>
+              <a:rPr lang="de-AT" baseline="0" dirty="0" err="1" smtClean="0"/>
+              <a:t>this</a:t>
+            </a:r>
+            <a:r>
+              <a:rPr lang="de-AT" baseline="0" dirty="0" smtClean="0"/>
+              <a:t> </a:t>
+            </a:r>
+            <a:r>
+              <a:rPr lang="de-AT" baseline="0" dirty="0" err="1" smtClean="0"/>
+              <a:t>slide</a:t>
+            </a:r>
+            <a:r>
+              <a:rPr lang="de-AT" baseline="0" dirty="0" smtClean="0"/>
+              <a:t>. </a:t>
+            </a:r>
+            <a:r>
+              <a:rPr lang="de-AT" baseline="0" dirty="0" err="1" smtClean="0"/>
+              <a:t>It</a:t>
+            </a:r>
+            <a:r>
+              <a:rPr lang="de-AT" baseline="0" dirty="0" smtClean="0"/>
+              <a:t> </a:t>
+            </a:r>
+            <a:r>
+              <a:rPr lang="de-AT" baseline="0" dirty="0" err="1" smtClean="0"/>
+              <a:t>is</a:t>
+            </a:r>
+            <a:r>
+              <a:rPr lang="de-AT" baseline="0" dirty="0" smtClean="0"/>
+              <a:t> </a:t>
+            </a:r>
+            <a:r>
+              <a:rPr lang="de-AT" baseline="0" dirty="0" err="1" smtClean="0"/>
+              <a:t>about</a:t>
+            </a:r>
+            <a:r>
+              <a:rPr lang="de-AT" baseline="0" dirty="0" smtClean="0"/>
+              <a:t> </a:t>
+            </a:r>
+            <a:r>
+              <a:rPr lang="de-AT" baseline="0" dirty="0" err="1" smtClean="0"/>
+              <a:t>the</a:t>
+            </a:r>
+            <a:r>
+              <a:rPr lang="de-AT" baseline="0" dirty="0" smtClean="0"/>
+              <a:t> </a:t>
+            </a:r>
+            <a:r>
+              <a:rPr lang="de-AT" baseline="0" dirty="0" err="1" smtClean="0"/>
+              <a:t>scan</a:t>
+            </a:r>
+            <a:r>
+              <a:rPr lang="de-AT" baseline="0" dirty="0" smtClean="0"/>
+              <a:t>, a </a:t>
+            </a:r>
+            <a:r>
+              <a:rPr lang="de-AT" baseline="0" dirty="0" err="1" smtClean="0"/>
+              <a:t>very</a:t>
+            </a:r>
+            <a:r>
+              <a:rPr lang="de-AT" baseline="0" dirty="0" smtClean="0"/>
+              <a:t> simple </a:t>
+            </a:r>
+            <a:r>
+              <a:rPr lang="de-AT" baseline="0" dirty="0" err="1" smtClean="0"/>
+              <a:t>operation</a:t>
+            </a:r>
+            <a:r>
+              <a:rPr lang="de-AT" baseline="0" dirty="0" smtClean="0"/>
+              <a:t> </a:t>
+            </a:r>
+            <a:r>
+              <a:rPr lang="de-AT" baseline="0" dirty="0" err="1" smtClean="0"/>
+              <a:t>running</a:t>
+            </a:r>
+            <a:r>
+              <a:rPr lang="de-AT" baseline="0" dirty="0" smtClean="0"/>
+              <a:t> in linear time.</a:t>
+            </a:r>
+          </a:p>
+          <a:p>
+            <a:endParaRPr lang="de-AT" baseline="0" dirty="0" smtClean="0"/>
+          </a:p>
+          <a:p>
+            <a:r>
+              <a:rPr lang="de-AT" baseline="0" dirty="0" smtClean="0"/>
+              <a:t>The </a:t>
+            </a:r>
+            <a:r>
+              <a:rPr lang="de-AT" baseline="0" dirty="0" err="1" smtClean="0"/>
+              <a:t>scan</a:t>
+            </a:r>
+            <a:r>
+              <a:rPr lang="de-AT" baseline="0" dirty="0" smtClean="0"/>
+              <a:t> </a:t>
+            </a:r>
+            <a:r>
+              <a:rPr lang="de-AT" baseline="0" dirty="0" err="1" smtClean="0"/>
+              <a:t>takes</a:t>
+            </a:r>
+            <a:r>
+              <a:rPr lang="de-AT" baseline="0" dirty="0" smtClean="0"/>
+              <a:t> an </a:t>
+            </a:r>
+            <a:r>
+              <a:rPr lang="de-AT" baseline="0" dirty="0" err="1" smtClean="0"/>
+              <a:t>input</a:t>
+            </a:r>
+            <a:r>
+              <a:rPr lang="de-AT" baseline="0" dirty="0" smtClean="0"/>
+              <a:t> </a:t>
+            </a:r>
+            <a:r>
+              <a:rPr lang="de-AT" baseline="0" dirty="0" err="1" smtClean="0"/>
+              <a:t>array</a:t>
+            </a:r>
+            <a:r>
+              <a:rPr lang="de-AT" baseline="0" dirty="0" smtClean="0"/>
+              <a:t> </a:t>
+            </a:r>
+            <a:r>
+              <a:rPr lang="de-AT" baseline="0" dirty="0" err="1" smtClean="0"/>
+              <a:t>and</a:t>
+            </a:r>
+            <a:r>
+              <a:rPr lang="de-AT" baseline="0" dirty="0" smtClean="0"/>
+              <a:t> sums </a:t>
+            </a:r>
+            <a:r>
+              <a:rPr lang="de-AT" baseline="0" dirty="0" err="1" smtClean="0"/>
+              <a:t>up</a:t>
+            </a:r>
+            <a:r>
+              <a:rPr lang="de-AT" baseline="0" dirty="0" smtClean="0"/>
+              <a:t> all </a:t>
+            </a:r>
+            <a:r>
+              <a:rPr lang="de-AT" baseline="0" dirty="0" err="1" smtClean="0"/>
+              <a:t>preceding</a:t>
+            </a:r>
+            <a:r>
+              <a:rPr lang="de-AT" baseline="0" dirty="0" smtClean="0"/>
+              <a:t> </a:t>
+            </a:r>
+            <a:r>
+              <a:rPr lang="de-AT" baseline="0" dirty="0" err="1" smtClean="0"/>
+              <a:t>elements</a:t>
+            </a:r>
+            <a:r>
+              <a:rPr lang="de-AT" baseline="0" dirty="0" smtClean="0"/>
+              <a:t> </a:t>
+            </a:r>
+            <a:r>
+              <a:rPr lang="de-AT" baseline="0" dirty="0" err="1" smtClean="0"/>
+              <a:t>and</a:t>
+            </a:r>
+            <a:r>
+              <a:rPr lang="de-AT" baseline="0" dirty="0" smtClean="0"/>
+              <a:t> </a:t>
+            </a:r>
+            <a:r>
+              <a:rPr lang="de-AT" baseline="0" dirty="0" err="1" smtClean="0"/>
+              <a:t>the</a:t>
+            </a:r>
+            <a:r>
+              <a:rPr lang="de-AT" baseline="0" dirty="0" smtClean="0"/>
+              <a:t> </a:t>
+            </a:r>
+            <a:r>
+              <a:rPr lang="de-AT" baseline="0" dirty="0" err="1" smtClean="0"/>
+              <a:t>value</a:t>
+            </a:r>
+            <a:r>
+              <a:rPr lang="de-AT" baseline="0" dirty="0" smtClean="0"/>
+              <a:t> </a:t>
+            </a:r>
+            <a:r>
+              <a:rPr lang="de-AT" baseline="0" dirty="0" err="1" smtClean="0"/>
+              <a:t>itself</a:t>
+            </a:r>
+            <a:r>
+              <a:rPr lang="de-AT" baseline="0" dirty="0" smtClean="0"/>
+              <a:t> </a:t>
+            </a:r>
+            <a:r>
+              <a:rPr lang="de-AT" baseline="0" dirty="0" err="1" smtClean="0"/>
+              <a:t>for</a:t>
+            </a:r>
+            <a:r>
+              <a:rPr lang="de-AT" baseline="0" dirty="0" smtClean="0"/>
+              <a:t> </a:t>
+            </a:r>
+            <a:r>
+              <a:rPr lang="de-AT" baseline="0" dirty="0" err="1" smtClean="0"/>
+              <a:t>each</a:t>
+            </a:r>
+            <a:r>
+              <a:rPr lang="de-AT" baseline="0" dirty="0" smtClean="0"/>
+              <a:t> </a:t>
+            </a:r>
+            <a:r>
+              <a:rPr lang="de-AT" baseline="0" dirty="0" err="1" smtClean="0"/>
+              <a:t>element</a:t>
+            </a:r>
+            <a:r>
+              <a:rPr lang="de-AT" baseline="0" dirty="0" smtClean="0"/>
+              <a:t> in </a:t>
+            </a:r>
+            <a:r>
+              <a:rPr lang="de-AT" baseline="0" dirty="0" err="1" smtClean="0"/>
+              <a:t>the</a:t>
+            </a:r>
+            <a:r>
+              <a:rPr lang="de-AT" baseline="0" dirty="0" smtClean="0"/>
+              <a:t> </a:t>
+            </a:r>
+            <a:r>
+              <a:rPr lang="de-AT" baseline="0" dirty="0" err="1" smtClean="0"/>
+              <a:t>input</a:t>
+            </a:r>
+            <a:r>
+              <a:rPr lang="de-AT" baseline="0" dirty="0" smtClean="0"/>
+              <a:t>.</a:t>
+            </a:r>
+          </a:p>
+          <a:p>
+            <a:r>
+              <a:rPr lang="de-AT" baseline="0" dirty="0" smtClean="0"/>
+              <a:t>This </a:t>
+            </a:r>
+            <a:r>
+              <a:rPr lang="de-AT" baseline="0" dirty="0" err="1" smtClean="0"/>
+              <a:t>is</a:t>
+            </a:r>
+            <a:r>
+              <a:rPr lang="de-AT" baseline="0" dirty="0" smtClean="0"/>
+              <a:t> </a:t>
+            </a:r>
+            <a:r>
+              <a:rPr lang="de-AT" baseline="0" dirty="0" err="1" smtClean="0"/>
+              <a:t>very</a:t>
+            </a:r>
+            <a:r>
+              <a:rPr lang="de-AT" baseline="0" dirty="0" smtClean="0"/>
+              <a:t> easy on a CPU, but </a:t>
+            </a:r>
+            <a:r>
+              <a:rPr lang="de-AT" baseline="0" dirty="0" err="1" smtClean="0"/>
+              <a:t>how</a:t>
+            </a:r>
+            <a:r>
+              <a:rPr lang="de-AT" baseline="0" dirty="0" smtClean="0"/>
+              <a:t> </a:t>
+            </a:r>
+            <a:r>
+              <a:rPr lang="de-AT" baseline="0" dirty="0" err="1" smtClean="0"/>
+              <a:t>can</a:t>
+            </a:r>
+            <a:r>
+              <a:rPr lang="de-AT" baseline="0" dirty="0" smtClean="0"/>
+              <a:t> </a:t>
+            </a:r>
+            <a:r>
+              <a:rPr lang="de-AT" baseline="0" dirty="0" err="1" smtClean="0"/>
+              <a:t>be</a:t>
+            </a:r>
+            <a:r>
+              <a:rPr lang="de-AT" baseline="0" dirty="0" smtClean="0"/>
+              <a:t> </a:t>
+            </a:r>
+            <a:r>
+              <a:rPr lang="de-AT" baseline="0" dirty="0" err="1" smtClean="0"/>
+              <a:t>parallelize</a:t>
+            </a:r>
+            <a:r>
+              <a:rPr lang="de-AT" baseline="0" dirty="0" smtClean="0"/>
+              <a:t> </a:t>
+            </a:r>
+            <a:r>
+              <a:rPr lang="de-AT" baseline="0" dirty="0" err="1" smtClean="0"/>
+              <a:t>something</a:t>
+            </a:r>
+            <a:r>
+              <a:rPr lang="de-AT" baseline="0" dirty="0" smtClean="0"/>
+              <a:t> </a:t>
+            </a:r>
+            <a:r>
+              <a:rPr lang="de-AT" baseline="0" dirty="0" err="1" smtClean="0"/>
+              <a:t>like</a:t>
+            </a:r>
+            <a:r>
+              <a:rPr lang="de-AT" baseline="0" dirty="0" smtClean="0"/>
+              <a:t> </a:t>
+            </a:r>
+            <a:r>
+              <a:rPr lang="de-AT" baseline="0" dirty="0" err="1" smtClean="0"/>
+              <a:t>this</a:t>
+            </a:r>
+            <a:r>
+              <a:rPr lang="de-AT" baseline="0" dirty="0" smtClean="0"/>
+              <a:t>?</a:t>
+            </a:r>
+            <a:endParaRPr lang="en-US" dirty="0"/>
           </a:p>
         </p:txBody>
       </p:sp>
@@ -10749,7 +13109,7 @@
           <a:p>
             <a:fld id="{E19E8DFC-DE97-490B-8572-C8B1A4CD170F}" type="slidenum">
               <a:rPr lang="en-US" smtClean="0"/>
-              <a:t>8</a:t>
+              <a:t>5</a:t>
             </a:fld>
             <a:endParaRPr lang="en-US"/>
           </a:p>
@@ -10758,7 +13118,7 @@
     </p:spTree>
     <p:extLst>
       <p:ext uri="{BB962C8B-B14F-4D97-AF65-F5344CB8AC3E}">
-        <p14:creationId xmlns:p14="http://schemas.microsoft.com/office/powerpoint/2010/main" val="28195266"/>
+        <p14:creationId xmlns:p14="http://schemas.microsoft.com/office/powerpoint/2010/main" val="297160392"/>
       </p:ext>
     </p:extLst>
   </p:cSld>
@@ -10813,32 +13173,782 @@
           <a:lstStyle/>
           <a:p>
             <a:r>
-              <a:rPr lang="en-US" b="1" noProof="0" dirty="0" smtClean="0"/>
-              <a:t>The final algorithm</a:t>
-            </a:r>
+              <a:rPr lang="de-AT" dirty="0" smtClean="0"/>
+              <a:t>A </a:t>
+            </a:r>
+            <a:r>
+              <a:rPr lang="de-AT" dirty="0" err="1" smtClean="0"/>
+              <a:t>common</a:t>
+            </a:r>
+            <a:r>
+              <a:rPr lang="de-AT" dirty="0" smtClean="0"/>
+              <a:t> </a:t>
+            </a:r>
+            <a:r>
+              <a:rPr lang="de-AT" dirty="0" err="1" smtClean="0"/>
+              <a:t>approach</a:t>
+            </a:r>
+            <a:r>
+              <a:rPr lang="de-AT" dirty="0" smtClean="0"/>
+              <a:t> </a:t>
+            </a:r>
+            <a:r>
+              <a:rPr lang="de-AT" dirty="0" err="1" smtClean="0"/>
+              <a:t>is</a:t>
+            </a:r>
+            <a:r>
+              <a:rPr lang="de-AT" dirty="0" smtClean="0"/>
+              <a:t> </a:t>
+            </a:r>
+            <a:r>
+              <a:rPr lang="de-AT" dirty="0" err="1" smtClean="0"/>
+              <a:t>to</a:t>
+            </a:r>
+            <a:r>
+              <a:rPr lang="de-AT" dirty="0" smtClean="0"/>
+              <a:t> </a:t>
+            </a:r>
+            <a:r>
+              <a:rPr lang="de-AT" dirty="0" err="1" smtClean="0"/>
+              <a:t>use</a:t>
+            </a:r>
+            <a:r>
+              <a:rPr lang="de-AT" dirty="0" smtClean="0"/>
+              <a:t> </a:t>
+            </a:r>
+            <a:r>
+              <a:rPr lang="de-AT" dirty="0" err="1" smtClean="0"/>
+              <a:t>trees</a:t>
+            </a:r>
+            <a:r>
+              <a:rPr lang="de-AT" baseline="0" dirty="0" smtClean="0"/>
+              <a:t> </a:t>
+            </a:r>
+            <a:r>
+              <a:rPr lang="de-AT" baseline="0" dirty="0" err="1" smtClean="0"/>
+              <a:t>and</a:t>
+            </a:r>
+            <a:r>
+              <a:rPr lang="de-AT" baseline="0" dirty="0" smtClean="0"/>
+              <a:t> </a:t>
+            </a:r>
+            <a:r>
+              <a:rPr lang="de-AT" baseline="0" dirty="0" err="1" smtClean="0"/>
+              <a:t>to</a:t>
+            </a:r>
+            <a:r>
+              <a:rPr lang="de-AT" baseline="0" dirty="0" smtClean="0"/>
+              <a:t> </a:t>
+            </a:r>
+            <a:r>
+              <a:rPr lang="de-AT" baseline="0" dirty="0" err="1" smtClean="0"/>
+              <a:t>divide</a:t>
+            </a:r>
+            <a:r>
+              <a:rPr lang="de-AT" baseline="0" dirty="0" smtClean="0"/>
+              <a:t> </a:t>
+            </a:r>
+            <a:r>
+              <a:rPr lang="de-AT" baseline="0" dirty="0" err="1" smtClean="0"/>
+              <a:t>the</a:t>
+            </a:r>
+            <a:r>
+              <a:rPr lang="de-AT" baseline="0" dirty="0" smtClean="0"/>
+              <a:t> </a:t>
+            </a:r>
+            <a:r>
+              <a:rPr lang="de-AT" baseline="0" dirty="0" err="1" smtClean="0"/>
+              <a:t>problem</a:t>
+            </a:r>
+            <a:r>
+              <a:rPr lang="de-AT" baseline="0" dirty="0" smtClean="0"/>
+              <a:t> </a:t>
+            </a:r>
+            <a:r>
+              <a:rPr lang="de-AT" baseline="0" dirty="0" err="1" smtClean="0"/>
+              <a:t>into</a:t>
+            </a:r>
+            <a:r>
+              <a:rPr lang="de-AT" baseline="0" dirty="0" smtClean="0"/>
+              <a:t> </a:t>
+            </a:r>
+            <a:r>
+              <a:rPr lang="de-AT" baseline="0" dirty="0" err="1" smtClean="0"/>
+              <a:t>several</a:t>
+            </a:r>
+            <a:r>
+              <a:rPr lang="de-AT" baseline="0" dirty="0" smtClean="0"/>
+              <a:t> </a:t>
+            </a:r>
+            <a:r>
+              <a:rPr lang="de-AT" baseline="0" dirty="0" err="1" smtClean="0"/>
+              <a:t>steps</a:t>
+            </a:r>
+            <a:r>
+              <a:rPr lang="de-AT" baseline="0" dirty="0" smtClean="0"/>
+              <a:t>, </a:t>
+            </a:r>
+            <a:r>
+              <a:rPr lang="de-AT" baseline="0" dirty="0" err="1" smtClean="0"/>
+              <a:t>called</a:t>
+            </a:r>
+            <a:r>
+              <a:rPr lang="de-AT" baseline="0" dirty="0" smtClean="0"/>
+              <a:t> </a:t>
+            </a:r>
+            <a:r>
+              <a:rPr lang="de-AT" baseline="0" dirty="0" err="1" smtClean="0"/>
+              <a:t>passes</a:t>
+            </a:r>
+            <a:r>
+              <a:rPr lang="de-AT" baseline="0" dirty="0" smtClean="0"/>
+              <a:t>.</a:t>
+            </a:r>
+          </a:p>
+          <a:p>
+            <a:r>
+              <a:rPr lang="de-AT" baseline="0" dirty="0" err="1" smtClean="0"/>
+              <a:t>Each</a:t>
+            </a:r>
+            <a:r>
+              <a:rPr lang="de-AT" baseline="0" dirty="0" smtClean="0"/>
+              <a:t> pass </a:t>
+            </a:r>
+            <a:r>
+              <a:rPr lang="de-AT" baseline="0" dirty="0" err="1" smtClean="0"/>
+              <a:t>contains</a:t>
+            </a:r>
+            <a:r>
+              <a:rPr lang="de-AT" baseline="0" dirty="0" smtClean="0"/>
+              <a:t> </a:t>
+            </a:r>
+            <a:r>
+              <a:rPr lang="de-AT" baseline="0" dirty="0" err="1" smtClean="0"/>
+              <a:t>only</a:t>
+            </a:r>
+            <a:r>
+              <a:rPr lang="de-AT" baseline="0" dirty="0" smtClean="0"/>
+              <a:t> </a:t>
+            </a:r>
+            <a:r>
+              <a:rPr lang="de-AT" baseline="0" dirty="0" err="1" smtClean="0"/>
+              <a:t>operations</a:t>
+            </a:r>
+            <a:r>
+              <a:rPr lang="de-AT" baseline="0" dirty="0" smtClean="0"/>
+              <a:t> </a:t>
+            </a:r>
+            <a:r>
+              <a:rPr lang="de-AT" baseline="0" dirty="0" err="1" smtClean="0"/>
+              <a:t>that</a:t>
+            </a:r>
+            <a:r>
+              <a:rPr lang="de-AT" baseline="0" dirty="0" smtClean="0"/>
+              <a:t> </a:t>
+            </a:r>
+            <a:r>
+              <a:rPr lang="de-AT" baseline="0" dirty="0" err="1" smtClean="0"/>
+              <a:t>can</a:t>
+            </a:r>
+            <a:r>
+              <a:rPr lang="de-AT" baseline="0" dirty="0" smtClean="0"/>
+              <a:t> </a:t>
+            </a:r>
+            <a:r>
+              <a:rPr lang="de-AT" baseline="0" dirty="0" err="1" smtClean="0"/>
+              <a:t>run</a:t>
+            </a:r>
+            <a:r>
+              <a:rPr lang="de-AT" baseline="0" dirty="0" smtClean="0"/>
+              <a:t> in parallel.</a:t>
+            </a:r>
+          </a:p>
+          <a:p>
+            <a:endParaRPr lang="de-AT" baseline="0" dirty="0" smtClean="0"/>
+          </a:p>
+          <a:p>
+            <a:r>
+              <a:rPr lang="de-AT" baseline="0" dirty="0" err="1" smtClean="0"/>
+              <a:t>Although</a:t>
+            </a:r>
+            <a:r>
+              <a:rPr lang="de-AT" baseline="0" dirty="0" smtClean="0"/>
+              <a:t> </a:t>
+            </a:r>
+            <a:r>
+              <a:rPr lang="de-AT" baseline="0" dirty="0" err="1" smtClean="0"/>
+              <a:t>we</a:t>
+            </a:r>
+            <a:r>
+              <a:rPr lang="de-AT" baseline="0" dirty="0" smtClean="0"/>
+              <a:t> </a:t>
+            </a:r>
+            <a:r>
+              <a:rPr lang="de-AT" baseline="0" dirty="0" err="1" smtClean="0"/>
+              <a:t>need</a:t>
+            </a:r>
+            <a:r>
+              <a:rPr lang="de-AT" baseline="0" dirty="0" smtClean="0"/>
+              <a:t> </a:t>
+            </a:r>
+            <a:r>
+              <a:rPr lang="de-AT" baseline="0" dirty="0" err="1" smtClean="0"/>
+              <a:t>more</a:t>
+            </a:r>
+            <a:r>
+              <a:rPr lang="de-AT" baseline="0" dirty="0" smtClean="0"/>
+              <a:t> </a:t>
+            </a:r>
+            <a:r>
+              <a:rPr lang="de-AT" baseline="0" dirty="0" err="1" smtClean="0"/>
+              <a:t>additions</a:t>
+            </a:r>
+            <a:r>
+              <a:rPr lang="de-AT" baseline="0" dirty="0" smtClean="0"/>
+              <a:t> </a:t>
+            </a:r>
+            <a:r>
+              <a:rPr lang="de-AT" baseline="0" dirty="0" err="1" smtClean="0"/>
+              <a:t>and</a:t>
+            </a:r>
+            <a:r>
+              <a:rPr lang="de-AT" baseline="0" dirty="0" smtClean="0"/>
+              <a:t> </a:t>
+            </a:r>
+            <a:r>
+              <a:rPr lang="de-AT" baseline="0" dirty="0" err="1" smtClean="0"/>
+              <a:t>get</a:t>
+            </a:r>
+            <a:r>
+              <a:rPr lang="de-AT" baseline="0" dirty="0" smtClean="0"/>
+              <a:t> a </a:t>
+            </a:r>
+            <a:r>
+              <a:rPr lang="de-AT" baseline="0" dirty="0" err="1" smtClean="0"/>
+              <a:t>worse</a:t>
+            </a:r>
+            <a:r>
+              <a:rPr lang="de-AT" baseline="0" dirty="0" smtClean="0"/>
+              <a:t> </a:t>
+            </a:r>
+            <a:r>
+              <a:rPr lang="de-AT" baseline="0" dirty="0" err="1" smtClean="0"/>
+              <a:t>runtime</a:t>
+            </a:r>
+            <a:r>
+              <a:rPr lang="de-AT" baseline="0" dirty="0" smtClean="0"/>
+              <a:t> </a:t>
+            </a:r>
+            <a:r>
+              <a:rPr lang="de-AT" baseline="0" dirty="0" err="1" smtClean="0"/>
+              <a:t>complexitiy</a:t>
+            </a:r>
+            <a:r>
+              <a:rPr lang="de-AT" baseline="0" dirty="0" smtClean="0"/>
+              <a:t>, </a:t>
+            </a:r>
+            <a:r>
+              <a:rPr lang="de-AT" baseline="0" dirty="0" err="1" smtClean="0"/>
+              <a:t>it</a:t>
+            </a:r>
+            <a:r>
+              <a:rPr lang="de-AT" baseline="0" dirty="0" smtClean="0"/>
+              <a:t> </a:t>
+            </a:r>
+            <a:r>
+              <a:rPr lang="de-AT" baseline="0" dirty="0" err="1" smtClean="0"/>
+              <a:t>only</a:t>
+            </a:r>
+            <a:r>
+              <a:rPr lang="de-AT" baseline="0" dirty="0" smtClean="0"/>
+              <a:t> </a:t>
+            </a:r>
+            <a:r>
+              <a:rPr lang="de-AT" baseline="0" dirty="0" err="1" smtClean="0"/>
+              <a:t>takes</a:t>
+            </a:r>
+            <a:r>
+              <a:rPr lang="de-AT" baseline="0" dirty="0" smtClean="0"/>
+              <a:t> 7 </a:t>
+            </a:r>
+            <a:r>
+              <a:rPr lang="de-AT" baseline="0" dirty="0" err="1" smtClean="0"/>
+              <a:t>steps</a:t>
+            </a:r>
+            <a:r>
+              <a:rPr lang="de-AT" baseline="0" dirty="0" smtClean="0"/>
+              <a:t> </a:t>
+            </a:r>
+            <a:r>
+              <a:rPr lang="de-AT" baseline="0" dirty="0" err="1" smtClean="0"/>
+              <a:t>for</a:t>
+            </a:r>
+            <a:r>
+              <a:rPr lang="de-AT" baseline="0" dirty="0" smtClean="0"/>
+              <a:t> </a:t>
+            </a:r>
+            <a:r>
+              <a:rPr lang="de-AT" baseline="0" dirty="0" err="1" smtClean="0"/>
+              <a:t>the</a:t>
+            </a:r>
+            <a:r>
+              <a:rPr lang="de-AT" baseline="0" dirty="0" smtClean="0"/>
+              <a:t> GPU </a:t>
+            </a:r>
+            <a:r>
+              <a:rPr lang="de-AT" baseline="0" dirty="0" err="1" smtClean="0"/>
+              <a:t>instead</a:t>
+            </a:r>
+            <a:r>
+              <a:rPr lang="de-AT" baseline="0" dirty="0" smtClean="0"/>
+              <a:t> </a:t>
+            </a:r>
+            <a:r>
+              <a:rPr lang="de-AT" baseline="0" dirty="0" err="1" smtClean="0"/>
+              <a:t>of</a:t>
+            </a:r>
+            <a:r>
+              <a:rPr lang="de-AT" baseline="0" dirty="0" smtClean="0"/>
+              <a:t> 16 </a:t>
+            </a:r>
+            <a:r>
+              <a:rPr lang="de-AT" baseline="0" dirty="0" err="1" smtClean="0"/>
+              <a:t>for</a:t>
+            </a:r>
+            <a:r>
+              <a:rPr lang="de-AT" baseline="0" dirty="0" smtClean="0"/>
+              <a:t> </a:t>
+            </a:r>
+            <a:r>
+              <a:rPr lang="de-AT" baseline="0" dirty="0" err="1" smtClean="0"/>
+              <a:t>the</a:t>
+            </a:r>
+            <a:r>
+              <a:rPr lang="de-AT" baseline="0" dirty="0" smtClean="0"/>
+              <a:t> CPU.</a:t>
+            </a:r>
+          </a:p>
+          <a:p>
+            <a:endParaRPr lang="de-AT" baseline="0" dirty="0" smtClean="0"/>
+          </a:p>
+          <a:p>
+            <a:r>
+              <a:rPr lang="de-AT" baseline="0" dirty="0" err="1" smtClean="0"/>
+              <a:t>Let's</a:t>
+            </a:r>
+            <a:r>
+              <a:rPr lang="de-AT" baseline="0" dirty="0" smtClean="0"/>
+              <a:t> </a:t>
+            </a:r>
+            <a:r>
+              <a:rPr lang="de-AT" baseline="0" dirty="0" err="1" smtClean="0"/>
+              <a:t>look</a:t>
+            </a:r>
+            <a:r>
+              <a:rPr lang="de-AT" baseline="0" dirty="0" smtClean="0"/>
+              <a:t> </a:t>
+            </a:r>
+            <a:r>
+              <a:rPr lang="de-AT" baseline="0" dirty="0" err="1" smtClean="0"/>
+              <a:t>how</a:t>
+            </a:r>
+            <a:r>
+              <a:rPr lang="de-AT" baseline="0" dirty="0" smtClean="0"/>
+              <a:t> </a:t>
+            </a:r>
+            <a:r>
+              <a:rPr lang="de-AT" baseline="0" dirty="0" err="1" smtClean="0"/>
+              <a:t>this</a:t>
+            </a:r>
+            <a:r>
+              <a:rPr lang="de-AT" baseline="0" dirty="0" smtClean="0"/>
+              <a:t> </a:t>
+            </a:r>
+            <a:r>
+              <a:rPr lang="de-AT" baseline="0" dirty="0" err="1" smtClean="0"/>
+              <a:t>turns</a:t>
+            </a:r>
+            <a:r>
+              <a:rPr lang="de-AT" baseline="0" dirty="0" smtClean="0"/>
+              <a:t> out.</a:t>
+            </a:r>
+            <a:endParaRPr lang="en-US" dirty="0"/>
+          </a:p>
+        </p:txBody>
+      </p:sp>
+      <p:sp>
+        <p:nvSpPr>
+          <p:cNvPr id="4" name="Slide Number Placeholder 3"/>
+          <p:cNvSpPr>
+            <a:spLocks noGrp="1"/>
+          </p:cNvSpPr>
+          <p:nvPr>
+            <p:ph type="sldNum" sz="quarter" idx="10"/>
+          </p:nvPr>
+        </p:nvSpPr>
+        <p:spPr/>
+        <p:txBody>
+          <a:bodyPr/>
+          <a:lstStyle/>
+          <a:p>
+            <a:fld id="{E19E8DFC-DE97-490B-8572-C8B1A4CD170F}" type="slidenum">
+              <a:rPr lang="en-US" smtClean="0"/>
+              <a:t>6</a:t>
+            </a:fld>
+            <a:endParaRPr lang="en-US"/>
+          </a:p>
+        </p:txBody>
+      </p:sp>
+    </p:spTree>
+    <p:extLst>
+      <p:ext uri="{BB962C8B-B14F-4D97-AF65-F5344CB8AC3E}">
+        <p14:creationId xmlns:p14="http://schemas.microsoft.com/office/powerpoint/2010/main" val="350265089"/>
+      </p:ext>
+    </p:extLst>
+  </p:cSld>
+  <p:clrMapOvr>
+    <a:masterClrMapping/>
+  </p:clrMapOvr>
+</p:notes>
+</file>
+
+<file path=ppt/notesSlides/notesSlide7.xml><?xml version="1.0" encoding="utf-8"?>
+<p:notes xmlns:a="http://schemas.openxmlformats.org/drawingml/2006/main" xmlns:r="http://schemas.openxmlformats.org/officeDocument/2006/relationships" xmlns:p="http://schemas.openxmlformats.org/presentationml/2006/main">
+  <p:cSld>
+    <p:spTree>
+      <p:nvGrpSpPr>
+        <p:cNvPr id="1" name=""/>
+        <p:cNvGrpSpPr/>
+        <p:nvPr/>
+      </p:nvGrpSpPr>
+      <p:grpSpPr>
+        <a:xfrm>
+          <a:off x="0" y="0"/>
+          <a:ext cx="0" cy="0"/>
+          <a:chOff x="0" y="0"/>
+          <a:chExt cx="0" cy="0"/>
+        </a:xfrm>
+      </p:grpSpPr>
+      <p:sp>
+        <p:nvSpPr>
+          <p:cNvPr id="2" name="Slide Image Placeholder 1"/>
+          <p:cNvSpPr>
+            <a:spLocks noGrp="1" noRot="1" noChangeAspect="1"/>
+          </p:cNvSpPr>
+          <p:nvPr>
+            <p:ph type="sldImg"/>
+          </p:nvPr>
+        </p:nvSpPr>
+        <p:spPr/>
+      </p:sp>
+      <p:sp>
+        <p:nvSpPr>
+          <p:cNvPr id="3" name="Notes Placeholder 2"/>
+          <p:cNvSpPr>
+            <a:spLocks noGrp="1"/>
+          </p:cNvSpPr>
+          <p:nvPr>
+            <p:ph type="body" idx="1"/>
+          </p:nvPr>
+        </p:nvSpPr>
+        <p:spPr/>
+        <p:txBody>
+          <a:bodyPr/>
+          <a:lstStyle/>
+          <a:p>
+            <a:endParaRPr lang="en-US" dirty="0"/>
+          </a:p>
+        </p:txBody>
+      </p:sp>
+      <p:sp>
+        <p:nvSpPr>
+          <p:cNvPr id="4" name="Slide Number Placeholder 3"/>
+          <p:cNvSpPr>
+            <a:spLocks noGrp="1"/>
+          </p:cNvSpPr>
+          <p:nvPr>
+            <p:ph type="sldNum" sz="quarter" idx="10"/>
+          </p:nvPr>
+        </p:nvSpPr>
+        <p:spPr/>
+        <p:txBody>
+          <a:bodyPr/>
+          <a:lstStyle/>
+          <a:p>
+            <a:fld id="{E19E8DFC-DE97-490B-8572-C8B1A4CD170F}" type="slidenum">
+              <a:rPr lang="en-US" smtClean="0"/>
+              <a:t>7</a:t>
+            </a:fld>
+            <a:endParaRPr lang="en-US"/>
+          </a:p>
+        </p:txBody>
+      </p:sp>
+    </p:spTree>
+    <p:extLst>
+      <p:ext uri="{BB962C8B-B14F-4D97-AF65-F5344CB8AC3E}">
+        <p14:creationId xmlns:p14="http://schemas.microsoft.com/office/powerpoint/2010/main" val="4147055289"/>
+      </p:ext>
+    </p:extLst>
+  </p:cSld>
+  <p:clrMapOvr>
+    <a:masterClrMapping/>
+  </p:clrMapOvr>
+</p:notes>
+</file>
+
+<file path=ppt/notesSlides/notesSlide8.xml><?xml version="1.0" encoding="utf-8"?>
+<p:notes xmlns:a="http://schemas.openxmlformats.org/drawingml/2006/main" xmlns:r="http://schemas.openxmlformats.org/officeDocument/2006/relationships" xmlns:p="http://schemas.openxmlformats.org/presentationml/2006/main">
+  <p:cSld>
+    <p:spTree>
+      <p:nvGrpSpPr>
+        <p:cNvPr id="1" name=""/>
+        <p:cNvGrpSpPr/>
+        <p:nvPr/>
+      </p:nvGrpSpPr>
+      <p:grpSpPr>
+        <a:xfrm>
+          <a:off x="0" y="0"/>
+          <a:ext cx="0" cy="0"/>
+          <a:chOff x="0" y="0"/>
+          <a:chExt cx="0" cy="0"/>
+        </a:xfrm>
+      </p:grpSpPr>
+      <p:sp>
+        <p:nvSpPr>
+          <p:cNvPr id="2" name="Slide Image Placeholder 1"/>
+          <p:cNvSpPr>
+            <a:spLocks noGrp="1" noRot="1" noChangeAspect="1"/>
+          </p:cNvSpPr>
+          <p:nvPr>
+            <p:ph type="sldImg"/>
+          </p:nvPr>
+        </p:nvSpPr>
+        <p:spPr/>
+      </p:sp>
+      <p:sp>
+        <p:nvSpPr>
+          <p:cNvPr id="3" name="Notes Placeholder 2"/>
+          <p:cNvSpPr>
+            <a:spLocks noGrp="1"/>
+          </p:cNvSpPr>
+          <p:nvPr>
+            <p:ph type="body" idx="1"/>
+          </p:nvPr>
+        </p:nvSpPr>
+        <p:spPr/>
+        <p:txBody>
+          <a:bodyPr/>
+          <a:lstStyle/>
+          <a:p>
             <a:r>
               <a:rPr lang="en-US" noProof="0" dirty="0" smtClean="0"/>
-              <a:t> I want to cover</a:t>
+              <a:t>The second</a:t>
             </a:r>
             <a:r>
               <a:rPr lang="en-US" baseline="0" noProof="0" dirty="0" smtClean="0"/>
-              <a:t> in my bachelor thesis is the matrix multiplication. It has a very </a:t>
-            </a:r>
-            <a:r>
-              <a:rPr lang="en-US" b="1" baseline="0" noProof="0" dirty="0" smtClean="0"/>
-              <a:t>bad runtime complexity</a:t>
-            </a:r>
-            <a:r>
-              <a:rPr lang="en-US" baseline="0" noProof="0" dirty="0" smtClean="0"/>
-              <a:t>, needs a lot of floating point operations and is </a:t>
-            </a:r>
-            <a:r>
-              <a:rPr lang="en-US" b="1" baseline="0" noProof="0" dirty="0" smtClean="0"/>
-              <a:t>highly parallelizable</a:t>
-            </a:r>
-            <a:r>
-              <a:rPr lang="en-US" baseline="0" noProof="0" dirty="0" smtClean="0"/>
+              <a:t> problem I want to try on a GPU is sorting. We already talked about quicksort last time</a:t>
+            </a:r>
+            <a:r>
+              <a:rPr lang="de-AT" baseline="0" noProof="0" dirty="0" smtClean="0"/>
+              <a:t>, a </a:t>
+            </a:r>
+            <a:r>
+              <a:rPr lang="de-AT" baseline="0" noProof="0" dirty="0" err="1" smtClean="0"/>
+              <a:t>good</a:t>
+            </a:r>
+            <a:r>
+              <a:rPr lang="de-AT" baseline="0" noProof="0" dirty="0" smtClean="0"/>
+              <a:t> </a:t>
+            </a:r>
+            <a:r>
+              <a:rPr lang="de-AT" baseline="0" noProof="0" dirty="0" err="1" smtClean="0"/>
+              <a:t>sorting</a:t>
+            </a:r>
+            <a:r>
+              <a:rPr lang="de-AT" baseline="0" noProof="0" dirty="0" smtClean="0"/>
+              <a:t> </a:t>
+            </a:r>
+            <a:r>
+              <a:rPr lang="de-AT" baseline="0" noProof="0" dirty="0" err="1" smtClean="0"/>
+              <a:t>algorithm</a:t>
+            </a:r>
+            <a:r>
+              <a:rPr lang="de-AT" baseline="0" noProof="0" dirty="0" smtClean="0"/>
+              <a:t> </a:t>
+            </a:r>
+            <a:r>
+              <a:rPr lang="de-AT" baseline="0" noProof="0" dirty="0" err="1" smtClean="0"/>
+              <a:t>for</a:t>
+            </a:r>
+            <a:r>
+              <a:rPr lang="de-AT" baseline="0" noProof="0" dirty="0" smtClean="0"/>
+              <a:t> a CPU. But </a:t>
+            </a:r>
+            <a:r>
+              <a:rPr lang="de-AT" baseline="0" noProof="0" dirty="0" err="1" smtClean="0"/>
+              <a:t>it</a:t>
+            </a:r>
+            <a:r>
+              <a:rPr lang="de-AT" baseline="0" noProof="0" dirty="0" smtClean="0"/>
+              <a:t> </a:t>
+            </a:r>
+            <a:r>
+              <a:rPr lang="de-AT" baseline="0" noProof="0" dirty="0" err="1" smtClean="0"/>
+              <a:t>is</a:t>
+            </a:r>
+            <a:r>
+              <a:rPr lang="de-AT" baseline="0" noProof="0" dirty="0" smtClean="0"/>
+              <a:t> </a:t>
+            </a:r>
+            <a:r>
+              <a:rPr lang="de-AT" baseline="0" noProof="0" dirty="0" err="1" smtClean="0"/>
+              <a:t>hard</a:t>
+            </a:r>
+            <a:r>
+              <a:rPr lang="de-AT" baseline="0" noProof="0" dirty="0" smtClean="0"/>
+              <a:t> </a:t>
+            </a:r>
+            <a:r>
+              <a:rPr lang="de-AT" baseline="0" noProof="0" dirty="0" err="1" smtClean="0"/>
+              <a:t>to</a:t>
+            </a:r>
+            <a:r>
+              <a:rPr lang="de-AT" baseline="0" noProof="0" dirty="0" smtClean="0"/>
+              <a:t> </a:t>
+            </a:r>
+            <a:r>
+              <a:rPr lang="de-AT" baseline="0" noProof="0" dirty="0" err="1" smtClean="0"/>
+              <a:t>port</a:t>
+            </a:r>
+            <a:r>
+              <a:rPr lang="de-AT" baseline="0" noProof="0" dirty="0" smtClean="0"/>
+              <a:t> </a:t>
+            </a:r>
+            <a:r>
+              <a:rPr lang="de-AT" baseline="0" noProof="0" dirty="0" err="1" smtClean="0"/>
+              <a:t>it</a:t>
+            </a:r>
+            <a:r>
+              <a:rPr lang="de-AT" baseline="0" noProof="0" dirty="0" smtClean="0"/>
+              <a:t> on a GPU </a:t>
+            </a:r>
+            <a:r>
+              <a:rPr lang="de-AT" baseline="0" noProof="0" dirty="0" err="1" smtClean="0"/>
+              <a:t>because</a:t>
+            </a:r>
+            <a:r>
+              <a:rPr lang="de-AT" baseline="0" noProof="0" dirty="0" smtClean="0"/>
+              <a:t> </a:t>
+            </a:r>
+            <a:r>
+              <a:rPr lang="de-AT" baseline="0" noProof="0" dirty="0" err="1" smtClean="0"/>
+              <a:t>of</a:t>
+            </a:r>
+            <a:r>
+              <a:rPr lang="de-AT" baseline="0" noProof="0" dirty="0" smtClean="0"/>
+              <a:t> </a:t>
+            </a:r>
+            <a:r>
+              <a:rPr lang="de-AT" baseline="0" noProof="0" dirty="0" err="1" smtClean="0"/>
+              <a:t>the</a:t>
+            </a:r>
+            <a:r>
+              <a:rPr lang="de-AT" baseline="0" noProof="0" dirty="0" smtClean="0"/>
+              <a:t> </a:t>
+            </a:r>
+            <a:r>
+              <a:rPr lang="de-AT" baseline="0" noProof="0" dirty="0" err="1" smtClean="0"/>
+              <a:t>permutation</a:t>
+            </a:r>
+            <a:r>
+              <a:rPr lang="de-AT" baseline="0" noProof="0" dirty="0" smtClean="0"/>
+              <a:t> </a:t>
+            </a:r>
+            <a:r>
+              <a:rPr lang="de-AT" baseline="0" noProof="0" dirty="0" err="1" smtClean="0"/>
+              <a:t>step</a:t>
+            </a:r>
+            <a:r>
+              <a:rPr lang="de-AT" baseline="0" noProof="0" dirty="0" smtClean="0"/>
+              <a:t> </a:t>
+            </a:r>
+            <a:r>
+              <a:rPr lang="de-AT" baseline="0" noProof="0" dirty="0" err="1" smtClean="0"/>
+              <a:t>at</a:t>
+            </a:r>
+            <a:r>
+              <a:rPr lang="de-AT" baseline="0" noProof="0" dirty="0" smtClean="0"/>
+              <a:t> </a:t>
+            </a:r>
+            <a:r>
+              <a:rPr lang="de-AT" baseline="0" noProof="0" dirty="0" err="1" smtClean="0"/>
+              <a:t>the</a:t>
+            </a:r>
+            <a:r>
+              <a:rPr lang="de-AT" baseline="0" noProof="0" dirty="0" smtClean="0"/>
+              <a:t> </a:t>
+            </a:r>
+            <a:r>
+              <a:rPr lang="de-AT" baseline="0" noProof="0" dirty="0" err="1" smtClean="0"/>
+              <a:t>beginning</a:t>
+            </a:r>
+            <a:r>
+              <a:rPr lang="de-AT" baseline="0" noProof="0" dirty="0" smtClean="0"/>
+              <a:t> </a:t>
+            </a:r>
+            <a:r>
+              <a:rPr lang="de-AT" baseline="0" noProof="0" dirty="0" err="1" smtClean="0"/>
+              <a:t>of</a:t>
+            </a:r>
+            <a:r>
+              <a:rPr lang="de-AT" baseline="0" noProof="0" dirty="0" smtClean="0"/>
+              <a:t> </a:t>
+            </a:r>
+            <a:r>
+              <a:rPr lang="de-AT" baseline="0" noProof="0" dirty="0" err="1" smtClean="0"/>
+              <a:t>each</a:t>
+            </a:r>
+            <a:r>
+              <a:rPr lang="de-AT" baseline="0" noProof="0" dirty="0" smtClean="0"/>
+              <a:t> </a:t>
+            </a:r>
+            <a:r>
+              <a:rPr lang="de-AT" baseline="0" noProof="0" dirty="0" err="1" smtClean="0"/>
+              <a:t>recursion</a:t>
+            </a:r>
+            <a:r>
+              <a:rPr lang="de-AT" baseline="0" noProof="0" dirty="0" smtClean="0"/>
               <a:t>.</a:t>
+            </a:r>
+          </a:p>
+          <a:p>
+            <a:r>
+              <a:rPr lang="de-AT" baseline="0" noProof="0" dirty="0" smtClean="0"/>
+              <a:t>So </a:t>
+            </a:r>
+            <a:r>
+              <a:rPr lang="de-AT" baseline="0" noProof="0" dirty="0" err="1" smtClean="0"/>
+              <a:t>which</a:t>
+            </a:r>
+            <a:r>
+              <a:rPr lang="de-AT" baseline="0" noProof="0" dirty="0" smtClean="0"/>
+              <a:t> alternatives do </a:t>
+            </a:r>
+            <a:r>
+              <a:rPr lang="de-AT" baseline="0" noProof="0" dirty="0" err="1" smtClean="0"/>
+              <a:t>we</a:t>
+            </a:r>
+            <a:r>
+              <a:rPr lang="de-AT" baseline="0" noProof="0" dirty="0" smtClean="0"/>
+              <a:t> </a:t>
+            </a:r>
+            <a:r>
+              <a:rPr lang="de-AT" baseline="0" noProof="0" dirty="0" err="1" smtClean="0"/>
+              <a:t>have</a:t>
+            </a:r>
+            <a:r>
+              <a:rPr lang="de-AT" baseline="0" noProof="0" dirty="0" smtClean="0"/>
+              <a:t>?</a:t>
             </a:r>
             <a:endParaRPr lang="en-US" noProof="0" dirty="0"/>
           </a:p>
@@ -10861,7 +13971,7 @@
           <a:p>
             <a:fld id="{E19E8DFC-DE97-490B-8572-C8B1A4CD170F}" type="slidenum">
               <a:rPr lang="en-US" smtClean="0"/>
-              <a:t>11</a:t>
+              <a:t>8</a:t>
             </a:fld>
             <a:endParaRPr lang="en-US"/>
           </a:p>
@@ -10870,7 +13980,687 @@
     </p:spTree>
     <p:extLst>
       <p:ext uri="{BB962C8B-B14F-4D97-AF65-F5344CB8AC3E}">
-        <p14:creationId xmlns:p14="http://schemas.microsoft.com/office/powerpoint/2010/main" val="3530741468"/>
+        <p14:creationId xmlns:p14="http://schemas.microsoft.com/office/powerpoint/2010/main" val="28195266"/>
+      </p:ext>
+    </p:extLst>
+  </p:cSld>
+  <p:clrMapOvr>
+    <a:masterClrMapping/>
+  </p:clrMapOvr>
+</p:notes>
+</file>
+
+<file path=ppt/notesSlides/notesSlide9.xml><?xml version="1.0" encoding="utf-8"?>
+<p:notes xmlns:a="http://schemas.openxmlformats.org/drawingml/2006/main" xmlns:r="http://schemas.openxmlformats.org/officeDocument/2006/relationships" xmlns:p="http://schemas.openxmlformats.org/presentationml/2006/main">
+  <p:cSld>
+    <p:spTree>
+      <p:nvGrpSpPr>
+        <p:cNvPr id="1" name=""/>
+        <p:cNvGrpSpPr/>
+        <p:nvPr/>
+      </p:nvGrpSpPr>
+      <p:grpSpPr>
+        <a:xfrm>
+          <a:off x="0" y="0"/>
+          <a:ext cx="0" cy="0"/>
+          <a:chOff x="0" y="0"/>
+          <a:chExt cx="0" cy="0"/>
+        </a:xfrm>
+      </p:grpSpPr>
+      <p:sp>
+        <p:nvSpPr>
+          <p:cNvPr id="2" name="Slide Image Placeholder 1"/>
+          <p:cNvSpPr>
+            <a:spLocks noGrp="1" noRot="1" noChangeAspect="1"/>
+          </p:cNvSpPr>
+          <p:nvPr>
+            <p:ph type="sldImg"/>
+          </p:nvPr>
+        </p:nvSpPr>
+        <p:spPr/>
+      </p:sp>
+      <p:sp>
+        <p:nvSpPr>
+          <p:cNvPr id="3" name="Notes Placeholder 2"/>
+          <p:cNvSpPr>
+            <a:spLocks noGrp="1"/>
+          </p:cNvSpPr>
+          <p:nvPr>
+            <p:ph type="body" idx="1"/>
+          </p:nvPr>
+        </p:nvSpPr>
+        <p:spPr/>
+        <p:txBody>
+          <a:bodyPr/>
+          <a:lstStyle/>
+          <a:p>
+            <a:r>
+              <a:rPr lang="de-AT" dirty="0" smtClean="0"/>
+              <a:t>A</a:t>
+            </a:r>
+            <a:r>
+              <a:rPr lang="de-AT" baseline="0" dirty="0" smtClean="0"/>
+              <a:t> </a:t>
+            </a:r>
+            <a:r>
+              <a:rPr lang="de-AT" baseline="0" dirty="0" err="1" smtClean="0"/>
+              <a:t>often</a:t>
+            </a:r>
+            <a:r>
+              <a:rPr lang="de-AT" baseline="0" dirty="0" smtClean="0"/>
+              <a:t> </a:t>
+            </a:r>
+            <a:r>
+              <a:rPr lang="de-AT" baseline="0" dirty="0" err="1" smtClean="0"/>
+              <a:t>used</a:t>
+            </a:r>
+            <a:r>
+              <a:rPr lang="de-AT" baseline="0" dirty="0" smtClean="0"/>
+              <a:t> </a:t>
+            </a:r>
+            <a:r>
+              <a:rPr lang="de-AT" baseline="0" dirty="0" err="1" smtClean="0"/>
+              <a:t>solution</a:t>
+            </a:r>
+            <a:r>
+              <a:rPr lang="de-AT" baseline="0" dirty="0" smtClean="0"/>
+              <a:t> </a:t>
+            </a:r>
+            <a:r>
+              <a:rPr lang="de-AT" baseline="0" dirty="0" err="1" smtClean="0"/>
+              <a:t>is</a:t>
+            </a:r>
+            <a:r>
+              <a:rPr lang="de-AT" baseline="0" dirty="0" smtClean="0"/>
+              <a:t> </a:t>
+            </a:r>
+            <a:r>
+              <a:rPr lang="de-AT" baseline="0" dirty="0" err="1" smtClean="0"/>
+              <a:t>to</a:t>
+            </a:r>
+            <a:r>
+              <a:rPr lang="de-AT" baseline="0" dirty="0" smtClean="0"/>
+              <a:t> </a:t>
+            </a:r>
+            <a:r>
+              <a:rPr lang="de-AT" baseline="0" dirty="0" err="1" smtClean="0"/>
+              <a:t>use</a:t>
+            </a:r>
+            <a:r>
+              <a:rPr lang="de-AT" baseline="0" dirty="0" smtClean="0"/>
+              <a:t> </a:t>
+            </a:r>
+            <a:r>
+              <a:rPr lang="de-AT" baseline="0" dirty="0" err="1" smtClean="0"/>
+              <a:t>sorting</a:t>
+            </a:r>
+            <a:r>
+              <a:rPr lang="de-AT" baseline="0" dirty="0" smtClean="0"/>
+              <a:t> </a:t>
+            </a:r>
+            <a:r>
+              <a:rPr lang="de-AT" baseline="0" dirty="0" err="1" smtClean="0"/>
+              <a:t>networks</a:t>
+            </a:r>
+            <a:r>
+              <a:rPr lang="de-AT" baseline="0" dirty="0" smtClean="0"/>
+              <a:t> </a:t>
+            </a:r>
+            <a:r>
+              <a:rPr lang="de-AT" baseline="0" dirty="0" err="1" smtClean="0"/>
+              <a:t>and</a:t>
+            </a:r>
+            <a:r>
+              <a:rPr lang="de-AT" baseline="0" dirty="0" smtClean="0"/>
+              <a:t> </a:t>
+            </a:r>
+            <a:r>
+              <a:rPr lang="de-AT" baseline="0" dirty="0" err="1" smtClean="0"/>
+              <a:t>the</a:t>
+            </a:r>
+            <a:r>
+              <a:rPr lang="de-AT" baseline="0" dirty="0" smtClean="0"/>
+              <a:t> </a:t>
+            </a:r>
+            <a:r>
+              <a:rPr lang="de-AT" baseline="0" dirty="0" err="1" smtClean="0"/>
+              <a:t>bitonic</a:t>
+            </a:r>
+            <a:r>
+              <a:rPr lang="de-AT" baseline="0" dirty="0" smtClean="0"/>
+              <a:t> </a:t>
+            </a:r>
+            <a:r>
+              <a:rPr lang="de-AT" baseline="0" dirty="0" err="1" smtClean="0"/>
+              <a:t>sorter</a:t>
+            </a:r>
+            <a:r>
+              <a:rPr lang="de-AT" baseline="0" dirty="0" smtClean="0"/>
+              <a:t> </a:t>
+            </a:r>
+            <a:r>
+              <a:rPr lang="de-AT" baseline="0" dirty="0" err="1" smtClean="0"/>
+              <a:t>is</a:t>
+            </a:r>
+            <a:r>
+              <a:rPr lang="de-AT" baseline="0" dirty="0" smtClean="0"/>
+              <a:t> </a:t>
+            </a:r>
+            <a:r>
+              <a:rPr lang="de-AT" baseline="0" dirty="0" err="1" smtClean="0"/>
+              <a:t>one</a:t>
+            </a:r>
+            <a:r>
+              <a:rPr lang="de-AT" baseline="0" dirty="0" smtClean="0"/>
+              <a:t> </a:t>
+            </a:r>
+            <a:r>
+              <a:rPr lang="de-AT" baseline="0" dirty="0" err="1" smtClean="0"/>
+              <a:t>of</a:t>
+            </a:r>
+            <a:r>
+              <a:rPr lang="de-AT" baseline="0" dirty="0" smtClean="0"/>
+              <a:t> </a:t>
+            </a:r>
+            <a:r>
+              <a:rPr lang="de-AT" baseline="0" dirty="0" err="1" smtClean="0"/>
+              <a:t>these</a:t>
+            </a:r>
+            <a:r>
+              <a:rPr lang="de-AT" baseline="0" dirty="0" smtClean="0"/>
+              <a:t> </a:t>
+            </a:r>
+            <a:r>
+              <a:rPr lang="de-AT" baseline="0" dirty="0" err="1" smtClean="0"/>
+              <a:t>networks</a:t>
+            </a:r>
+            <a:r>
+              <a:rPr lang="de-AT" baseline="0" dirty="0" smtClean="0"/>
+              <a:t>. A </a:t>
+            </a:r>
+            <a:r>
+              <a:rPr lang="de-AT" baseline="0" dirty="0" err="1" smtClean="0"/>
+              <a:t>sorting</a:t>
+            </a:r>
+            <a:r>
+              <a:rPr lang="de-AT" baseline="0" dirty="0" smtClean="0"/>
+              <a:t> </a:t>
+            </a:r>
+            <a:r>
+              <a:rPr lang="de-AT" baseline="0" dirty="0" err="1" smtClean="0"/>
+              <a:t>network</a:t>
+            </a:r>
+            <a:r>
+              <a:rPr lang="de-AT" baseline="0" dirty="0" smtClean="0"/>
+              <a:t> </a:t>
+            </a:r>
+            <a:r>
+              <a:rPr lang="de-AT" baseline="0" dirty="0" err="1" smtClean="0"/>
+              <a:t>consists</a:t>
+            </a:r>
+            <a:r>
+              <a:rPr lang="de-AT" baseline="0" dirty="0" smtClean="0"/>
+              <a:t> </a:t>
+            </a:r>
+            <a:r>
+              <a:rPr lang="de-AT" baseline="0" dirty="0" err="1" smtClean="0"/>
+              <a:t>of</a:t>
+            </a:r>
+            <a:r>
+              <a:rPr lang="de-AT" baseline="0" dirty="0" smtClean="0"/>
+              <a:t> </a:t>
+            </a:r>
+            <a:r>
+              <a:rPr lang="de-AT" baseline="0" dirty="0" err="1" smtClean="0"/>
+              <a:t>wires</a:t>
+            </a:r>
+            <a:r>
+              <a:rPr lang="de-AT" baseline="0" dirty="0" smtClean="0"/>
+              <a:t>, </a:t>
+            </a:r>
+            <a:r>
+              <a:rPr lang="de-AT" baseline="0" dirty="0" err="1" smtClean="0"/>
+              <a:t>where</a:t>
+            </a:r>
+            <a:r>
+              <a:rPr lang="de-AT" baseline="0" dirty="0" smtClean="0"/>
+              <a:t> </a:t>
+            </a:r>
+            <a:r>
+              <a:rPr lang="de-AT" baseline="0" dirty="0" err="1" smtClean="0"/>
+              <a:t>the</a:t>
+            </a:r>
+            <a:r>
+              <a:rPr lang="de-AT" baseline="0" dirty="0" smtClean="0"/>
+              <a:t> </a:t>
+            </a:r>
+            <a:r>
+              <a:rPr lang="de-AT" baseline="0" dirty="0" err="1" smtClean="0"/>
+              <a:t>values</a:t>
+            </a:r>
+            <a:r>
+              <a:rPr lang="de-AT" baseline="0" dirty="0" smtClean="0"/>
+              <a:t> </a:t>
+            </a:r>
+            <a:r>
+              <a:rPr lang="de-AT" baseline="0" dirty="0" err="1" smtClean="0"/>
+              <a:t>travel</a:t>
+            </a:r>
+            <a:r>
+              <a:rPr lang="de-AT" baseline="0" dirty="0" smtClean="0"/>
+              <a:t> </a:t>
+            </a:r>
+            <a:r>
+              <a:rPr lang="de-AT" baseline="0" dirty="0" err="1" smtClean="0"/>
+              <a:t>along</a:t>
+            </a:r>
+            <a:r>
+              <a:rPr lang="de-AT" baseline="0" dirty="0" smtClean="0"/>
+              <a:t>, </a:t>
+            </a:r>
+            <a:r>
+              <a:rPr lang="de-AT" baseline="0" dirty="0" err="1" smtClean="0"/>
+              <a:t>and</a:t>
+            </a:r>
+            <a:r>
+              <a:rPr lang="de-AT" baseline="0" dirty="0" smtClean="0"/>
+              <a:t> </a:t>
+            </a:r>
+            <a:r>
+              <a:rPr lang="de-AT" baseline="0" dirty="0" err="1" smtClean="0"/>
+              <a:t>comperators</a:t>
+            </a:r>
+            <a:r>
+              <a:rPr lang="de-AT" baseline="0" dirty="0" smtClean="0"/>
+              <a:t> </a:t>
+            </a:r>
+            <a:r>
+              <a:rPr lang="de-AT" baseline="0" dirty="0" err="1" smtClean="0"/>
+              <a:t>which</a:t>
+            </a:r>
+            <a:r>
+              <a:rPr lang="de-AT" baseline="0" dirty="0" smtClean="0"/>
+              <a:t> </a:t>
+            </a:r>
+            <a:r>
+              <a:rPr lang="de-AT" baseline="0" dirty="0" err="1" smtClean="0"/>
+              <a:t>compare</a:t>
+            </a:r>
+            <a:r>
+              <a:rPr lang="de-AT" baseline="0" dirty="0" smtClean="0"/>
+              <a:t> </a:t>
+            </a:r>
+            <a:r>
+              <a:rPr lang="de-AT" baseline="0" dirty="0" err="1" smtClean="0"/>
+              <a:t>and</a:t>
+            </a:r>
+            <a:r>
+              <a:rPr lang="de-AT" baseline="0" dirty="0" smtClean="0"/>
+              <a:t> </a:t>
+            </a:r>
+            <a:r>
+              <a:rPr lang="de-AT" baseline="0" dirty="0" err="1" smtClean="0"/>
+              <a:t>swap</a:t>
+            </a:r>
+            <a:r>
+              <a:rPr lang="de-AT" baseline="0" dirty="0" smtClean="0"/>
+              <a:t> </a:t>
+            </a:r>
+            <a:r>
+              <a:rPr lang="de-AT" baseline="0" dirty="0" err="1" smtClean="0"/>
+              <a:t>them</a:t>
+            </a:r>
+            <a:r>
+              <a:rPr lang="de-AT" baseline="0" dirty="0" smtClean="0"/>
+              <a:t>.</a:t>
+            </a:r>
+          </a:p>
+          <a:p>
+            <a:r>
+              <a:rPr lang="de-AT" baseline="0" dirty="0" smtClean="0"/>
+              <a:t>So </a:t>
+            </a:r>
+            <a:r>
+              <a:rPr lang="de-AT" baseline="0" dirty="0" err="1" smtClean="0"/>
+              <a:t>we</a:t>
+            </a:r>
+            <a:r>
+              <a:rPr lang="de-AT" baseline="0" dirty="0" smtClean="0"/>
+              <a:t> </a:t>
+            </a:r>
+            <a:r>
+              <a:rPr lang="de-AT" baseline="0" dirty="0" err="1" smtClean="0"/>
+              <a:t>basically</a:t>
+            </a:r>
+            <a:r>
+              <a:rPr lang="de-AT" baseline="0" dirty="0" smtClean="0"/>
+              <a:t> </a:t>
+            </a:r>
+            <a:r>
+              <a:rPr lang="de-AT" baseline="0" dirty="0" err="1" smtClean="0"/>
+              <a:t>attach</a:t>
+            </a:r>
+            <a:r>
+              <a:rPr lang="de-AT" baseline="0" dirty="0" smtClean="0"/>
+              <a:t> an </a:t>
+            </a:r>
+            <a:r>
+              <a:rPr lang="de-AT" baseline="0" dirty="0" err="1" smtClean="0"/>
+              <a:t>input</a:t>
+            </a:r>
+            <a:r>
+              <a:rPr lang="de-AT" baseline="0" dirty="0" smtClean="0"/>
+              <a:t> </a:t>
+            </a:r>
+            <a:r>
+              <a:rPr lang="de-AT" baseline="0" dirty="0" err="1" smtClean="0"/>
+              <a:t>array</a:t>
+            </a:r>
+            <a:r>
+              <a:rPr lang="de-AT" baseline="0" dirty="0" smtClean="0"/>
+              <a:t> </a:t>
+            </a:r>
+            <a:r>
+              <a:rPr lang="de-AT" baseline="0" dirty="0" err="1" smtClean="0"/>
+              <a:t>to</a:t>
+            </a:r>
+            <a:r>
+              <a:rPr lang="de-AT" baseline="0" dirty="0" smtClean="0"/>
+              <a:t> </a:t>
+            </a:r>
+            <a:r>
+              <a:rPr lang="de-AT" baseline="0" dirty="0" err="1" smtClean="0"/>
+              <a:t>the</a:t>
+            </a:r>
+            <a:r>
+              <a:rPr lang="de-AT" baseline="0" dirty="0" smtClean="0"/>
+              <a:t> </a:t>
+            </a:r>
+            <a:r>
+              <a:rPr lang="de-AT" baseline="0" dirty="0" err="1" smtClean="0"/>
+              <a:t>left</a:t>
+            </a:r>
+            <a:r>
+              <a:rPr lang="de-AT" baseline="0" dirty="0" smtClean="0"/>
+              <a:t> </a:t>
+            </a:r>
+            <a:r>
+              <a:rPr lang="de-AT" baseline="0" dirty="0" err="1" smtClean="0"/>
+              <a:t>side</a:t>
+            </a:r>
+            <a:r>
+              <a:rPr lang="de-AT" baseline="0" dirty="0" smtClean="0"/>
+              <a:t> </a:t>
+            </a:r>
+            <a:r>
+              <a:rPr lang="de-AT" baseline="0" dirty="0" err="1" smtClean="0"/>
+              <a:t>and</a:t>
+            </a:r>
+            <a:r>
+              <a:rPr lang="de-AT" baseline="0" dirty="0" smtClean="0"/>
+              <a:t> </a:t>
+            </a:r>
+            <a:r>
+              <a:rPr lang="de-AT" baseline="0" dirty="0" err="1" smtClean="0"/>
+              <a:t>let</a:t>
+            </a:r>
+            <a:r>
+              <a:rPr lang="de-AT" baseline="0" dirty="0" smtClean="0"/>
+              <a:t> </a:t>
+            </a:r>
+            <a:r>
+              <a:rPr lang="de-AT" baseline="0" dirty="0" err="1" smtClean="0"/>
+              <a:t>it</a:t>
+            </a:r>
+            <a:r>
+              <a:rPr lang="de-AT" baseline="0" dirty="0" smtClean="0"/>
+              <a:t> </a:t>
+            </a:r>
+            <a:r>
+              <a:rPr lang="de-AT" baseline="0" dirty="0" err="1" smtClean="0"/>
+              <a:t>travel</a:t>
+            </a:r>
+            <a:r>
+              <a:rPr lang="de-AT" baseline="0" dirty="0" smtClean="0"/>
+              <a:t> </a:t>
+            </a:r>
+            <a:r>
+              <a:rPr lang="de-AT" baseline="0" dirty="0" err="1" smtClean="0"/>
+              <a:t>through</a:t>
+            </a:r>
+            <a:r>
+              <a:rPr lang="de-AT" baseline="0" dirty="0" smtClean="0"/>
+              <a:t> </a:t>
+            </a:r>
+            <a:r>
+              <a:rPr lang="de-AT" baseline="0" dirty="0" err="1" smtClean="0"/>
+              <a:t>the</a:t>
+            </a:r>
+            <a:r>
+              <a:rPr lang="de-AT" baseline="0" dirty="0" smtClean="0"/>
+              <a:t> </a:t>
+            </a:r>
+            <a:r>
+              <a:rPr lang="de-AT" baseline="0" dirty="0" err="1" smtClean="0"/>
+              <a:t>network</a:t>
+            </a:r>
+            <a:r>
+              <a:rPr lang="de-AT" baseline="0" dirty="0" smtClean="0"/>
+              <a:t>. The </a:t>
+            </a:r>
+            <a:r>
+              <a:rPr lang="de-AT" baseline="0" dirty="0" err="1" smtClean="0"/>
+              <a:t>output</a:t>
+            </a:r>
+            <a:r>
+              <a:rPr lang="de-AT" baseline="0" dirty="0" smtClean="0"/>
+              <a:t> </a:t>
+            </a:r>
+            <a:r>
+              <a:rPr lang="de-AT" baseline="0" dirty="0" err="1" smtClean="0"/>
+              <a:t>is</a:t>
+            </a:r>
+            <a:r>
+              <a:rPr lang="de-AT" baseline="0" dirty="0" smtClean="0"/>
+              <a:t> a </a:t>
+            </a:r>
+            <a:r>
+              <a:rPr lang="de-AT" baseline="0" dirty="0" err="1" smtClean="0"/>
+              <a:t>sorted</a:t>
+            </a:r>
+            <a:r>
+              <a:rPr lang="de-AT" baseline="0" dirty="0" smtClean="0"/>
+              <a:t> </a:t>
+            </a:r>
+            <a:r>
+              <a:rPr lang="de-AT" baseline="0" dirty="0" err="1" smtClean="0"/>
+              <a:t>array</a:t>
+            </a:r>
+            <a:r>
+              <a:rPr lang="de-AT" baseline="0" dirty="0" smtClean="0"/>
+              <a:t> </a:t>
+            </a:r>
+            <a:r>
+              <a:rPr lang="de-AT" baseline="0" dirty="0" err="1" smtClean="0"/>
+              <a:t>at</a:t>
+            </a:r>
+            <a:r>
+              <a:rPr lang="de-AT" baseline="0" dirty="0" smtClean="0"/>
+              <a:t> </a:t>
+            </a:r>
+            <a:r>
+              <a:rPr lang="de-AT" baseline="0" dirty="0" err="1" smtClean="0"/>
+              <a:t>the</a:t>
+            </a:r>
+            <a:r>
+              <a:rPr lang="de-AT" baseline="0" dirty="0" smtClean="0"/>
+              <a:t> </a:t>
+            </a:r>
+            <a:r>
+              <a:rPr lang="de-AT" baseline="0" dirty="0" err="1" smtClean="0"/>
+              <a:t>right</a:t>
+            </a:r>
+            <a:r>
+              <a:rPr lang="de-AT" baseline="0" dirty="0" smtClean="0"/>
+              <a:t> </a:t>
+            </a:r>
+            <a:r>
+              <a:rPr lang="de-AT" baseline="0" dirty="0" err="1" smtClean="0"/>
+              <a:t>side</a:t>
+            </a:r>
+            <a:r>
+              <a:rPr lang="de-AT" baseline="0" dirty="0" smtClean="0"/>
+              <a:t>.</a:t>
+            </a:r>
+          </a:p>
+          <a:p>
+            <a:r>
+              <a:rPr lang="de-AT" baseline="0" dirty="0" smtClean="0"/>
+              <a:t>The </a:t>
+            </a:r>
+            <a:r>
+              <a:rPr lang="de-AT" baseline="0" dirty="0" err="1" smtClean="0"/>
+              <a:t>parallelization</a:t>
+            </a:r>
+            <a:r>
+              <a:rPr lang="de-AT" baseline="0" dirty="0" smtClean="0"/>
+              <a:t> </a:t>
+            </a:r>
+            <a:r>
+              <a:rPr lang="de-AT" baseline="0" dirty="0" err="1" smtClean="0"/>
+              <a:t>of</a:t>
+            </a:r>
+            <a:r>
+              <a:rPr lang="de-AT" baseline="0" dirty="0" smtClean="0"/>
+              <a:t> </a:t>
+            </a:r>
+            <a:r>
+              <a:rPr lang="de-AT" baseline="0" dirty="0" err="1" smtClean="0"/>
+              <a:t>the</a:t>
+            </a:r>
+            <a:r>
+              <a:rPr lang="de-AT" baseline="0" dirty="0" smtClean="0"/>
+              <a:t> </a:t>
+            </a:r>
+            <a:r>
+              <a:rPr lang="de-AT" baseline="0" dirty="0" err="1" smtClean="0"/>
+              <a:t>bitonic</a:t>
+            </a:r>
+            <a:r>
+              <a:rPr lang="de-AT" baseline="0" dirty="0" smtClean="0"/>
+              <a:t> </a:t>
+            </a:r>
+            <a:r>
+              <a:rPr lang="de-AT" baseline="0" dirty="0" err="1" smtClean="0"/>
+              <a:t>sorter</a:t>
+            </a:r>
+            <a:r>
+              <a:rPr lang="de-AT" baseline="0" dirty="0" smtClean="0"/>
+              <a:t> </a:t>
+            </a:r>
+            <a:r>
+              <a:rPr lang="de-AT" baseline="0" dirty="0" err="1" smtClean="0"/>
+              <a:t>is</a:t>
+            </a:r>
+            <a:r>
+              <a:rPr lang="de-AT" baseline="0" dirty="0" smtClean="0"/>
+              <a:t> also </a:t>
+            </a:r>
+            <a:r>
+              <a:rPr lang="de-AT" baseline="0" dirty="0" err="1" smtClean="0"/>
+              <a:t>bought</a:t>
+            </a:r>
+            <a:r>
+              <a:rPr lang="de-AT" baseline="0" dirty="0" smtClean="0"/>
+              <a:t> on behalf </a:t>
+            </a:r>
+            <a:r>
+              <a:rPr lang="de-AT" baseline="0" dirty="0" err="1" smtClean="0"/>
+              <a:t>of</a:t>
+            </a:r>
+            <a:r>
+              <a:rPr lang="de-AT" baseline="0" dirty="0" smtClean="0"/>
+              <a:t> </a:t>
+            </a:r>
+            <a:r>
+              <a:rPr lang="de-AT" baseline="0" dirty="0" err="1" smtClean="0"/>
+              <a:t>runtime</a:t>
+            </a:r>
+            <a:r>
+              <a:rPr lang="de-AT" baseline="0" dirty="0" smtClean="0"/>
+              <a:t> </a:t>
+            </a:r>
+            <a:r>
+              <a:rPr lang="de-AT" baseline="0" dirty="0" err="1" smtClean="0"/>
+              <a:t>complexity</a:t>
+            </a:r>
+            <a:r>
+              <a:rPr lang="de-AT" baseline="0" dirty="0" smtClean="0"/>
+              <a:t>. </a:t>
+            </a:r>
+            <a:r>
+              <a:rPr lang="de-AT" baseline="0" dirty="0" err="1" smtClean="0"/>
+              <a:t>What</a:t>
+            </a:r>
+            <a:r>
+              <a:rPr lang="de-AT" baseline="0" dirty="0" smtClean="0"/>
+              <a:t> </a:t>
+            </a:r>
+            <a:r>
+              <a:rPr lang="de-AT" baseline="0" dirty="0" err="1" smtClean="0"/>
+              <a:t>are</a:t>
+            </a:r>
+            <a:r>
+              <a:rPr lang="de-AT" baseline="0" dirty="0" smtClean="0"/>
+              <a:t> </a:t>
+            </a:r>
+            <a:r>
+              <a:rPr lang="de-AT" baseline="0" dirty="0" err="1" smtClean="0"/>
+              <a:t>the</a:t>
+            </a:r>
+            <a:r>
+              <a:rPr lang="de-AT" baseline="0" dirty="0" smtClean="0"/>
+              <a:t> </a:t>
+            </a:r>
+            <a:r>
+              <a:rPr lang="de-AT" baseline="0" dirty="0" err="1" smtClean="0"/>
+              <a:t>results</a:t>
+            </a:r>
+            <a:r>
+              <a:rPr lang="de-AT" baseline="0" dirty="0" smtClean="0"/>
+              <a:t>?</a:t>
+            </a:r>
+            <a:endParaRPr lang="en-US" dirty="0"/>
+          </a:p>
+        </p:txBody>
+      </p:sp>
+      <p:sp>
+        <p:nvSpPr>
+          <p:cNvPr id="4" name="Slide Number Placeholder 3"/>
+          <p:cNvSpPr>
+            <a:spLocks noGrp="1"/>
+          </p:cNvSpPr>
+          <p:nvPr>
+            <p:ph type="sldNum" sz="quarter" idx="10"/>
+          </p:nvPr>
+        </p:nvSpPr>
+        <p:spPr/>
+        <p:txBody>
+          <a:bodyPr/>
+          <a:lstStyle/>
+          <a:p>
+            <a:fld id="{E19E8DFC-DE97-490B-8572-C8B1A4CD170F}" type="slidenum">
+              <a:rPr lang="en-US" smtClean="0"/>
+              <a:t>9</a:t>
+            </a:fld>
+            <a:endParaRPr lang="en-US"/>
+          </a:p>
+        </p:txBody>
+      </p:sp>
+    </p:spTree>
+    <p:extLst>
+      <p:ext uri="{BB962C8B-B14F-4D97-AF65-F5344CB8AC3E}">
+        <p14:creationId xmlns:p14="http://schemas.microsoft.com/office/powerpoint/2010/main" val="4040854715"/>
       </p:ext>
     </p:extLst>
   </p:cSld>
@@ -11062,7 +14852,7 @@
             <a:fld id="{1D8BD707-D9CF-40AE-B4C6-C98DA3205C09}" type="datetimeFigureOut">
               <a:rPr lang="en-US" smtClean="0"/>
               <a:pPr/>
-              <a:t>1/8/2013</a:t>
+              <a:t>1/9/2013</a:t>
             </a:fld>
             <a:endParaRPr lang="en-US"/>
           </a:p>
@@ -11234,7 +15024,7 @@
             <a:fld id="{1D8BD707-D9CF-40AE-B4C6-C98DA3205C09}" type="datetimeFigureOut">
               <a:rPr lang="en-US" smtClean="0"/>
               <a:pPr/>
-              <a:t>1/8/2013</a:t>
+              <a:t>1/9/2013</a:t>
             </a:fld>
             <a:endParaRPr lang="en-US"/>
           </a:p>
@@ -11416,7 +15206,7 @@
             <a:fld id="{1D8BD707-D9CF-40AE-B4C6-C98DA3205C09}" type="datetimeFigureOut">
               <a:rPr lang="en-US" smtClean="0"/>
               <a:pPr/>
-              <a:t>1/8/2013</a:t>
+              <a:t>1/9/2013</a:t>
             </a:fld>
             <a:endParaRPr lang="en-US"/>
           </a:p>
@@ -11588,7 +15378,7 @@
             <a:fld id="{1D8BD707-D9CF-40AE-B4C6-C98DA3205C09}" type="datetimeFigureOut">
               <a:rPr lang="en-US" smtClean="0"/>
               <a:pPr/>
-              <a:t>1/8/2013</a:t>
+              <a:t>1/9/2013</a:t>
             </a:fld>
             <a:endParaRPr lang="en-US"/>
           </a:p>
@@ -11843,7 +15633,7 @@
             <a:fld id="{1D8BD707-D9CF-40AE-B4C6-C98DA3205C09}" type="datetimeFigureOut">
               <a:rPr lang="en-US" smtClean="0"/>
               <a:pPr/>
-              <a:t>1/8/2013</a:t>
+              <a:t>1/9/2013</a:t>
             </a:fld>
             <a:endParaRPr lang="en-US"/>
           </a:p>
@@ -12133,7 +15923,7 @@
             <a:fld id="{1D8BD707-D9CF-40AE-B4C6-C98DA3205C09}" type="datetimeFigureOut">
               <a:rPr lang="en-US" smtClean="0"/>
               <a:pPr/>
-              <a:t>1/8/2013</a:t>
+              <a:t>1/9/2013</a:t>
             </a:fld>
             <a:endParaRPr lang="en-US"/>
           </a:p>
@@ -12557,7 +16347,7 @@
             <a:fld id="{1D8BD707-D9CF-40AE-B4C6-C98DA3205C09}" type="datetimeFigureOut">
               <a:rPr lang="en-US" smtClean="0"/>
               <a:pPr/>
-              <a:t>1/8/2013</a:t>
+              <a:t>1/9/2013</a:t>
             </a:fld>
             <a:endParaRPr lang="en-US"/>
           </a:p>
@@ -12677,7 +16467,7 @@
             <a:fld id="{1D8BD707-D9CF-40AE-B4C6-C98DA3205C09}" type="datetimeFigureOut">
               <a:rPr lang="en-US" smtClean="0"/>
               <a:pPr/>
-              <a:t>1/8/2013</a:t>
+              <a:t>1/9/2013</a:t>
             </a:fld>
             <a:endParaRPr lang="en-US"/>
           </a:p>
@@ -12774,7 +16564,7 @@
             <a:fld id="{1D8BD707-D9CF-40AE-B4C6-C98DA3205C09}" type="datetimeFigureOut">
               <a:rPr lang="en-US" smtClean="0"/>
               <a:pPr/>
-              <a:t>1/8/2013</a:t>
+              <a:t>1/9/2013</a:t>
             </a:fld>
             <a:endParaRPr lang="en-US"/>
           </a:p>
@@ -13053,7 +16843,7 @@
             <a:fld id="{1D8BD707-D9CF-40AE-B4C6-C98DA3205C09}" type="datetimeFigureOut">
               <a:rPr lang="en-US" smtClean="0"/>
               <a:pPr/>
-              <a:t>1/8/2013</a:t>
+              <a:t>1/9/2013</a:t>
             </a:fld>
             <a:endParaRPr lang="en-US"/>
           </a:p>
@@ -13308,7 +17098,7 @@
             <a:fld id="{1D8BD707-D9CF-40AE-B4C6-C98DA3205C09}" type="datetimeFigureOut">
               <a:rPr lang="en-US" smtClean="0"/>
               <a:pPr/>
-              <a:t>1/8/2013</a:t>
+              <a:t>1/9/2013</a:t>
             </a:fld>
             <a:endParaRPr lang="en-US"/>
           </a:p>
@@ -13547,7 +17337,7 @@
             <a:fld id="{1D8BD707-D9CF-40AE-B4C6-C98DA3205C09}" type="datetimeFigureOut">
               <a:rPr lang="en-US" smtClean="0"/>
               <a:pPr/>
-              <a:t>1/8/2013</a:t>
+              <a:t>1/9/2013</a:t>
             </a:fld>
             <a:endParaRPr lang="en-US"/>
           </a:p>
@@ -14407,7 +18197,7 @@
         </p:xfrm>
         <a:graphic>
           <a:graphicData uri="http://schemas.openxmlformats.org/drawingml/2006/chart">
-            <c:chart xmlns:c="http://schemas.openxmlformats.org/drawingml/2006/chart" xmlns:r="http://schemas.openxmlformats.org/officeDocument/2006/relationships" r:id="rId2"/>
+            <c:chart xmlns:c="http://schemas.openxmlformats.org/drawingml/2006/chart" xmlns:r="http://schemas.openxmlformats.org/officeDocument/2006/relationships" r:id="rId3"/>
           </a:graphicData>
         </a:graphic>
       </p:graphicFrame>
@@ -14465,12 +18255,231 @@
   <p:clrMapOvr>
     <a:masterClrMapping/>
   </p:clrMapOvr>
+  <p:transition spd="slow">
+    <p:push dir="u"/>
+  </p:transition>
   <p:timing>
     <p:tnLst>
       <p:par>
-        <p:cTn id="1" dur="indefinite" restart="never" nodeType="tmRoot"/>
+        <p:cTn id="1" dur="indefinite" restart="never" nodeType="tmRoot">
+          <p:childTnLst>
+            <p:seq concurrent="1" nextAc="seek">
+              <p:cTn id="2" dur="indefinite" nodeType="mainSeq">
+                <p:childTnLst>
+                  <p:par>
+                    <p:cTn id="3" fill="hold">
+                      <p:stCondLst>
+                        <p:cond delay="indefinite"/>
+                        <p:cond evt="onBegin" delay="0">
+                          <p:tn val="2"/>
+                        </p:cond>
+                      </p:stCondLst>
+                      <p:childTnLst>
+                        <p:par>
+                          <p:cTn id="4" fill="hold">
+                            <p:stCondLst>
+                              <p:cond delay="0"/>
+                            </p:stCondLst>
+                            <p:childTnLst>
+                              <p:par>
+                                <p:cTn id="5" presetID="10" presetClass="entr" presetSubtype="0" fill="hold" grpId="0" nodeType="afterEffect">
+                                  <p:stCondLst>
+                                    <p:cond delay="0"/>
+                                  </p:stCondLst>
+                                  <p:childTnLst>
+                                    <p:set>
+                                      <p:cBhvr>
+                                        <p:cTn id="6" dur="1" fill="hold">
+                                          <p:stCondLst>
+                                            <p:cond delay="0"/>
+                                          </p:stCondLst>
+                                        </p:cTn>
+                                        <p:tgtEl>
+                                          <p:spTgt spid="4">
+                                            <p:graphicEl>
+                                              <a:chart seriesIdx="0" categoryIdx="-4" bldStep="series"/>
+                                            </p:graphicEl>
+                                          </p:spTgt>
+                                        </p:tgtEl>
+                                        <p:attrNameLst>
+                                          <p:attrName>style.visibility</p:attrName>
+                                        </p:attrNameLst>
+                                      </p:cBhvr>
+                                      <p:to>
+                                        <p:strVal val="visible"/>
+                                      </p:to>
+                                    </p:set>
+                                    <p:animEffect transition="in" filter="fade">
+                                      <p:cBhvr>
+                                        <p:cTn id="7" dur="500"/>
+                                        <p:tgtEl>
+                                          <p:spTgt spid="4">
+                                            <p:graphicEl>
+                                              <a:chart seriesIdx="0" categoryIdx="-4" bldStep="series"/>
+                                            </p:graphicEl>
+                                          </p:spTgt>
+                                        </p:tgtEl>
+                                      </p:cBhvr>
+                                    </p:animEffect>
+                                  </p:childTnLst>
+                                </p:cTn>
+                              </p:par>
+                            </p:childTnLst>
+                          </p:cTn>
+                        </p:par>
+                      </p:childTnLst>
+                    </p:cTn>
+                  </p:par>
+                  <p:par>
+                    <p:cTn id="8" fill="hold">
+                      <p:stCondLst>
+                        <p:cond delay="indefinite"/>
+                      </p:stCondLst>
+                      <p:childTnLst>
+                        <p:par>
+                          <p:cTn id="9" fill="hold">
+                            <p:stCondLst>
+                              <p:cond delay="0"/>
+                            </p:stCondLst>
+                            <p:childTnLst>
+                              <p:par>
+                                <p:cTn id="10" presetID="10" presetClass="entr" presetSubtype="0" fill="hold" grpId="0" nodeType="clickEffect">
+                                  <p:stCondLst>
+                                    <p:cond delay="0"/>
+                                  </p:stCondLst>
+                                  <p:childTnLst>
+                                    <p:set>
+                                      <p:cBhvr>
+                                        <p:cTn id="11" dur="1" fill="hold">
+                                          <p:stCondLst>
+                                            <p:cond delay="0"/>
+                                          </p:stCondLst>
+                                        </p:cTn>
+                                        <p:tgtEl>
+                                          <p:spTgt spid="4">
+                                            <p:graphicEl>
+                                              <a:chart seriesIdx="1" categoryIdx="-4" bldStep="series"/>
+                                            </p:graphicEl>
+                                          </p:spTgt>
+                                        </p:tgtEl>
+                                        <p:attrNameLst>
+                                          <p:attrName>style.visibility</p:attrName>
+                                        </p:attrNameLst>
+                                      </p:cBhvr>
+                                      <p:to>
+                                        <p:strVal val="visible"/>
+                                      </p:to>
+                                    </p:set>
+                                    <p:animEffect transition="in" filter="fade">
+                                      <p:cBhvr>
+                                        <p:cTn id="12" dur="500"/>
+                                        <p:tgtEl>
+                                          <p:spTgt spid="4">
+                                            <p:graphicEl>
+                                              <a:chart seriesIdx="1" categoryIdx="-4" bldStep="series"/>
+                                            </p:graphicEl>
+                                          </p:spTgt>
+                                        </p:tgtEl>
+                                      </p:cBhvr>
+                                    </p:animEffect>
+                                  </p:childTnLst>
+                                </p:cTn>
+                              </p:par>
+                            </p:childTnLst>
+                          </p:cTn>
+                        </p:par>
+                      </p:childTnLst>
+                    </p:cTn>
+                  </p:par>
+                  <p:par>
+                    <p:cTn id="13" fill="hold">
+                      <p:stCondLst>
+                        <p:cond delay="indefinite"/>
+                      </p:stCondLst>
+                      <p:childTnLst>
+                        <p:par>
+                          <p:cTn id="14" fill="hold">
+                            <p:stCondLst>
+                              <p:cond delay="0"/>
+                            </p:stCondLst>
+                            <p:childTnLst>
+                              <p:par>
+                                <p:cTn id="15" presetID="10" presetClass="entr" presetSubtype="0" fill="hold" grpId="0" nodeType="clickEffect">
+                                  <p:stCondLst>
+                                    <p:cond delay="0"/>
+                                  </p:stCondLst>
+                                  <p:childTnLst>
+                                    <p:set>
+                                      <p:cBhvr>
+                                        <p:cTn id="16" dur="1" fill="hold">
+                                          <p:stCondLst>
+                                            <p:cond delay="0"/>
+                                          </p:stCondLst>
+                                        </p:cTn>
+                                        <p:tgtEl>
+                                          <p:spTgt spid="4">
+                                            <p:graphicEl>
+                                              <a:chart seriesIdx="2" categoryIdx="-4" bldStep="series"/>
+                                            </p:graphicEl>
+                                          </p:spTgt>
+                                        </p:tgtEl>
+                                        <p:attrNameLst>
+                                          <p:attrName>style.visibility</p:attrName>
+                                        </p:attrNameLst>
+                                      </p:cBhvr>
+                                      <p:to>
+                                        <p:strVal val="visible"/>
+                                      </p:to>
+                                    </p:set>
+                                    <p:animEffect transition="in" filter="fade">
+                                      <p:cBhvr>
+                                        <p:cTn id="17" dur="500"/>
+                                        <p:tgtEl>
+                                          <p:spTgt spid="4">
+                                            <p:graphicEl>
+                                              <a:chart seriesIdx="2" categoryIdx="-4" bldStep="series"/>
+                                            </p:graphicEl>
+                                          </p:spTgt>
+                                        </p:tgtEl>
+                                      </p:cBhvr>
+                                    </p:animEffect>
+                                  </p:childTnLst>
+                                </p:cTn>
+                              </p:par>
+                            </p:childTnLst>
+                          </p:cTn>
+                        </p:par>
+                      </p:childTnLst>
+                    </p:cTn>
+                  </p:par>
+                </p:childTnLst>
+              </p:cTn>
+              <p:prevCondLst>
+                <p:cond evt="onPrev" delay="0">
+                  <p:tgtEl>
+                    <p:sldTgt/>
+                  </p:tgtEl>
+                </p:cond>
+              </p:prevCondLst>
+              <p:nextCondLst>
+                <p:cond evt="onNext" delay="0">
+                  <p:tgtEl>
+                    <p:sldTgt/>
+                  </p:tgtEl>
+                </p:cond>
+              </p:nextCondLst>
+            </p:seq>
+          </p:childTnLst>
+        </p:cTn>
       </p:par>
     </p:tnLst>
+    <p:bldLst>
+      <p:bldGraphic spid="4" grpId="0" uiExpand="1">
+        <p:bldSub>
+          <a:bldChart bld="series"/>
+        </p:bldSub>
+      </p:bldGraphic>
+    </p:bldLst>
   </p:timing>
 </p:sld>
 </file>
@@ -15130,7 +19139,7 @@
         </p:xfrm>
         <a:graphic>
           <a:graphicData uri="http://schemas.openxmlformats.org/drawingml/2006/chart">
-            <c:chart xmlns:c="http://schemas.openxmlformats.org/drawingml/2006/chart" xmlns:r="http://schemas.openxmlformats.org/officeDocument/2006/relationships" r:id="rId2"/>
+            <c:chart xmlns:c="http://schemas.openxmlformats.org/drawingml/2006/chart" xmlns:r="http://schemas.openxmlformats.org/officeDocument/2006/relationships" r:id="rId3"/>
           </a:graphicData>
         </a:graphic>
       </p:graphicFrame>
@@ -15291,12 +19300,401 @@
   <p:clrMapOvr>
     <a:masterClrMapping/>
   </p:clrMapOvr>
+  <p:transition spd="slow">
+    <p:push dir="u"/>
+  </p:transition>
   <p:timing>
     <p:tnLst>
       <p:par>
-        <p:cTn id="1" dur="indefinite" restart="never" nodeType="tmRoot"/>
+        <p:cTn id="1" dur="indefinite" restart="never" nodeType="tmRoot">
+          <p:childTnLst>
+            <p:seq concurrent="1" nextAc="seek">
+              <p:cTn id="2" dur="indefinite" nodeType="mainSeq">
+                <p:childTnLst>
+                  <p:par>
+                    <p:cTn id="3" fill="hold">
+                      <p:stCondLst>
+                        <p:cond delay="indefinite"/>
+                        <p:cond evt="onBegin" delay="0">
+                          <p:tn val="2"/>
+                        </p:cond>
+                      </p:stCondLst>
+                      <p:childTnLst>
+                        <p:par>
+                          <p:cTn id="4" fill="hold">
+                            <p:stCondLst>
+                              <p:cond delay="0"/>
+                            </p:stCondLst>
+                            <p:childTnLst>
+                              <p:par>
+                                <p:cTn id="5" presetID="1" presetClass="entr" presetSubtype="0" fill="hold" grpId="0" nodeType="afterEffect">
+                                  <p:stCondLst>
+                                    <p:cond delay="0"/>
+                                  </p:stCondLst>
+                                  <p:childTnLst>
+                                    <p:set>
+                                      <p:cBhvr>
+                                        <p:cTn id="6" dur="1" fill="hold">
+                                          <p:stCondLst>
+                                            <p:cond delay="0"/>
+                                          </p:stCondLst>
+                                        </p:cTn>
+                                        <p:tgtEl>
+                                          <p:spTgt spid="6">
+                                            <p:graphicEl>
+                                              <a:chart seriesIdx="0" categoryIdx="-4" bldStep="series"/>
+                                            </p:graphicEl>
+                                          </p:spTgt>
+                                        </p:tgtEl>
+                                        <p:attrNameLst>
+                                          <p:attrName>style.visibility</p:attrName>
+                                        </p:attrNameLst>
+                                      </p:cBhvr>
+                                      <p:to>
+                                        <p:strVal val="visible"/>
+                                      </p:to>
+                                    </p:set>
+                                  </p:childTnLst>
+                                </p:cTn>
+                              </p:par>
+                              <p:par>
+                                <p:cTn id="7" presetID="1" presetClass="entr" presetSubtype="0" fill="hold" grpId="0" nodeType="withEffect">
+                                  <p:stCondLst>
+                                    <p:cond delay="0"/>
+                                  </p:stCondLst>
+                                  <p:childTnLst>
+                                    <p:set>
+                                      <p:cBhvr>
+                                        <p:cTn id="8" dur="1" fill="hold">
+                                          <p:stCondLst>
+                                            <p:cond delay="0"/>
+                                          </p:stCondLst>
+                                        </p:cTn>
+                                        <p:tgtEl>
+                                          <p:spTgt spid="6">
+                                            <p:graphicEl>
+                                              <a:chart seriesIdx="1" categoryIdx="-4" bldStep="series"/>
+                                            </p:graphicEl>
+                                          </p:spTgt>
+                                        </p:tgtEl>
+                                        <p:attrNameLst>
+                                          <p:attrName>style.visibility</p:attrName>
+                                        </p:attrNameLst>
+                                      </p:cBhvr>
+                                      <p:to>
+                                        <p:strVal val="visible"/>
+                                      </p:to>
+                                    </p:set>
+                                  </p:childTnLst>
+                                </p:cTn>
+                              </p:par>
+                            </p:childTnLst>
+                          </p:cTn>
+                        </p:par>
+                      </p:childTnLst>
+                    </p:cTn>
+                  </p:par>
+                  <p:par>
+                    <p:cTn id="9" fill="hold">
+                      <p:stCondLst>
+                        <p:cond delay="indefinite"/>
+                      </p:stCondLst>
+                      <p:childTnLst>
+                        <p:par>
+                          <p:cTn id="10" fill="hold">
+                            <p:stCondLst>
+                              <p:cond delay="0"/>
+                            </p:stCondLst>
+                            <p:childTnLst>
+                              <p:par>
+                                <p:cTn id="11" presetID="1" presetClass="entr" presetSubtype="0" fill="hold" grpId="0" nodeType="clickEffect">
+                                  <p:stCondLst>
+                                    <p:cond delay="0"/>
+                                  </p:stCondLst>
+                                  <p:childTnLst>
+                                    <p:set>
+                                      <p:cBhvr>
+                                        <p:cTn id="12" dur="1" fill="hold">
+                                          <p:stCondLst>
+                                            <p:cond delay="0"/>
+                                          </p:stCondLst>
+                                        </p:cTn>
+                                        <p:tgtEl>
+                                          <p:spTgt spid="6">
+                                            <p:graphicEl>
+                                              <a:chart seriesIdx="2" categoryIdx="-4" bldStep="series"/>
+                                            </p:graphicEl>
+                                          </p:spTgt>
+                                        </p:tgtEl>
+                                        <p:attrNameLst>
+                                          <p:attrName>style.visibility</p:attrName>
+                                        </p:attrNameLst>
+                                      </p:cBhvr>
+                                      <p:to>
+                                        <p:strVal val="visible"/>
+                                      </p:to>
+                                    </p:set>
+                                  </p:childTnLst>
+                                </p:cTn>
+                              </p:par>
+                            </p:childTnLst>
+                          </p:cTn>
+                        </p:par>
+                      </p:childTnLst>
+                    </p:cTn>
+                  </p:par>
+                  <p:par>
+                    <p:cTn id="13" fill="hold">
+                      <p:stCondLst>
+                        <p:cond delay="indefinite"/>
+                      </p:stCondLst>
+                      <p:childTnLst>
+                        <p:par>
+                          <p:cTn id="14" fill="hold">
+                            <p:stCondLst>
+                              <p:cond delay="0"/>
+                            </p:stCondLst>
+                            <p:childTnLst>
+                              <p:par>
+                                <p:cTn id="15" presetID="1" presetClass="entr" presetSubtype="0" fill="hold" grpId="0" nodeType="clickEffect">
+                                  <p:stCondLst>
+                                    <p:cond delay="0"/>
+                                  </p:stCondLst>
+                                  <p:childTnLst>
+                                    <p:set>
+                                      <p:cBhvr>
+                                        <p:cTn id="16" dur="1" fill="hold">
+                                          <p:stCondLst>
+                                            <p:cond delay="0"/>
+                                          </p:stCondLst>
+                                        </p:cTn>
+                                        <p:tgtEl>
+                                          <p:spTgt spid="6">
+                                            <p:graphicEl>
+                                              <a:chart seriesIdx="3" categoryIdx="-4" bldStep="series"/>
+                                            </p:graphicEl>
+                                          </p:spTgt>
+                                        </p:tgtEl>
+                                        <p:attrNameLst>
+                                          <p:attrName>style.visibility</p:attrName>
+                                        </p:attrNameLst>
+                                      </p:cBhvr>
+                                      <p:to>
+                                        <p:strVal val="visible"/>
+                                      </p:to>
+                                    </p:set>
+                                  </p:childTnLst>
+                                </p:cTn>
+                              </p:par>
+                            </p:childTnLst>
+                          </p:cTn>
+                        </p:par>
+                      </p:childTnLst>
+                    </p:cTn>
+                  </p:par>
+                  <p:par>
+                    <p:cTn id="17" fill="hold">
+                      <p:stCondLst>
+                        <p:cond delay="indefinite"/>
+                      </p:stCondLst>
+                      <p:childTnLst>
+                        <p:par>
+                          <p:cTn id="18" fill="hold">
+                            <p:stCondLst>
+                              <p:cond delay="0"/>
+                            </p:stCondLst>
+                            <p:childTnLst>
+                              <p:par>
+                                <p:cTn id="19" presetID="1" presetClass="entr" presetSubtype="0" fill="hold" grpId="0" nodeType="clickEffect">
+                                  <p:stCondLst>
+                                    <p:cond delay="0"/>
+                                  </p:stCondLst>
+                                  <p:childTnLst>
+                                    <p:set>
+                                      <p:cBhvr>
+                                        <p:cTn id="20" dur="1" fill="hold">
+                                          <p:stCondLst>
+                                            <p:cond delay="0"/>
+                                          </p:stCondLst>
+                                        </p:cTn>
+                                        <p:tgtEl>
+                                          <p:spTgt spid="6">
+                                            <p:graphicEl>
+                                              <a:chart seriesIdx="4" categoryIdx="-4" bldStep="series"/>
+                                            </p:graphicEl>
+                                          </p:spTgt>
+                                        </p:tgtEl>
+                                        <p:attrNameLst>
+                                          <p:attrName>style.visibility</p:attrName>
+                                        </p:attrNameLst>
+                                      </p:cBhvr>
+                                      <p:to>
+                                        <p:strVal val="visible"/>
+                                      </p:to>
+                                    </p:set>
+                                  </p:childTnLst>
+                                </p:cTn>
+                              </p:par>
+                            </p:childTnLst>
+                          </p:cTn>
+                        </p:par>
+                      </p:childTnLst>
+                    </p:cTn>
+                  </p:par>
+                  <p:par>
+                    <p:cTn id="21" fill="hold">
+                      <p:stCondLst>
+                        <p:cond delay="indefinite"/>
+                      </p:stCondLst>
+                      <p:childTnLst>
+                        <p:par>
+                          <p:cTn id="22" fill="hold">
+                            <p:stCondLst>
+                              <p:cond delay="0"/>
+                            </p:stCondLst>
+                            <p:childTnLst>
+                              <p:par>
+                                <p:cTn id="23" presetID="10" presetClass="entr" presetSubtype="0" fill="hold" grpId="0" nodeType="clickEffect">
+                                  <p:stCondLst>
+                                    <p:cond delay="0"/>
+                                  </p:stCondLst>
+                                  <p:childTnLst>
+                                    <p:set>
+                                      <p:cBhvr>
+                                        <p:cTn id="24" dur="1" fill="hold">
+                                          <p:stCondLst>
+                                            <p:cond delay="0"/>
+                                          </p:stCondLst>
+                                        </p:cTn>
+                                        <p:tgtEl>
+                                          <p:spTgt spid="2"/>
+                                        </p:tgtEl>
+                                        <p:attrNameLst>
+                                          <p:attrName>style.visibility</p:attrName>
+                                        </p:attrNameLst>
+                                      </p:cBhvr>
+                                      <p:to>
+                                        <p:strVal val="visible"/>
+                                      </p:to>
+                                    </p:set>
+                                    <p:animEffect transition="in" filter="fade">
+                                      <p:cBhvr>
+                                        <p:cTn id="25" dur="500"/>
+                                        <p:tgtEl>
+                                          <p:spTgt spid="2"/>
+                                        </p:tgtEl>
+                                      </p:cBhvr>
+                                    </p:animEffect>
+                                  </p:childTnLst>
+                                </p:cTn>
+                              </p:par>
+                              <p:par>
+                                <p:cTn id="26" presetID="10" presetClass="entr" presetSubtype="0" fill="hold" grpId="0" nodeType="withEffect">
+                                  <p:stCondLst>
+                                    <p:cond delay="0"/>
+                                  </p:stCondLst>
+                                  <p:childTnLst>
+                                    <p:set>
+                                      <p:cBhvr>
+                                        <p:cTn id="27" dur="1" fill="hold">
+                                          <p:stCondLst>
+                                            <p:cond delay="0"/>
+                                          </p:stCondLst>
+                                        </p:cTn>
+                                        <p:tgtEl>
+                                          <p:spTgt spid="7"/>
+                                        </p:tgtEl>
+                                        <p:attrNameLst>
+                                          <p:attrName>style.visibility</p:attrName>
+                                        </p:attrNameLst>
+                                      </p:cBhvr>
+                                      <p:to>
+                                        <p:strVal val="visible"/>
+                                      </p:to>
+                                    </p:set>
+                                    <p:animEffect transition="in" filter="fade">
+                                      <p:cBhvr>
+                                        <p:cTn id="28" dur="500"/>
+                                        <p:tgtEl>
+                                          <p:spTgt spid="7"/>
+                                        </p:tgtEl>
+                                      </p:cBhvr>
+                                    </p:animEffect>
+                                  </p:childTnLst>
+                                </p:cTn>
+                              </p:par>
+                              <p:par>
+                                <p:cTn id="29" presetID="10" presetClass="entr" presetSubtype="0" fill="hold" grpId="0" nodeType="withEffect">
+                                  <p:stCondLst>
+                                    <p:cond delay="0"/>
+                                  </p:stCondLst>
+                                  <p:childTnLst>
+                                    <p:set>
+                                      <p:cBhvr>
+                                        <p:cTn id="30" dur="1" fill="hold">
+                                          <p:stCondLst>
+                                            <p:cond delay="0"/>
+                                          </p:stCondLst>
+                                        </p:cTn>
+                                        <p:tgtEl>
+                                          <p:spTgt spid="8"/>
+                                        </p:tgtEl>
+                                        <p:attrNameLst>
+                                          <p:attrName>style.visibility</p:attrName>
+                                        </p:attrNameLst>
+                                      </p:cBhvr>
+                                      <p:to>
+                                        <p:strVal val="visible"/>
+                                      </p:to>
+                                    </p:set>
+                                    <p:animEffect transition="in" filter="fade">
+                                      <p:cBhvr>
+                                        <p:cTn id="31" dur="500"/>
+                                        <p:tgtEl>
+                                          <p:spTgt spid="8"/>
+                                        </p:tgtEl>
+                                      </p:cBhvr>
+                                    </p:animEffect>
+                                  </p:childTnLst>
+                                </p:cTn>
+                              </p:par>
+                            </p:childTnLst>
+                          </p:cTn>
+                        </p:par>
+                      </p:childTnLst>
+                    </p:cTn>
+                  </p:par>
+                </p:childTnLst>
+              </p:cTn>
+              <p:prevCondLst>
+                <p:cond evt="onPrev" delay="0">
+                  <p:tgtEl>
+                    <p:sldTgt/>
+                  </p:tgtEl>
+                </p:cond>
+              </p:prevCondLst>
+              <p:nextCondLst>
+                <p:cond evt="onNext" delay="0">
+                  <p:tgtEl>
+                    <p:sldTgt/>
+                  </p:tgtEl>
+                </p:cond>
+              </p:nextCondLst>
+            </p:seq>
+          </p:childTnLst>
+        </p:cTn>
       </p:par>
     </p:tnLst>
+    <p:bldLst>
+      <p:bldGraphic spid="6" grpId="0" uiExpand="1">
+        <p:bldSub>
+          <a:bldChart bld="series"/>
+        </p:bldSub>
+      </p:bldGraphic>
+      <p:bldP spid="2" grpId="0" animBg="1"/>
+      <p:bldP spid="7" grpId="0" animBg="1"/>
+      <p:bldP spid="8" grpId="0" animBg="1"/>
+    </p:bldLst>
   </p:timing>
 </p:sld>
 </file>
@@ -15327,7 +19725,7 @@
           <p:nvPr/>
         </p:nvPicPr>
         <p:blipFill>
-          <a:blip r:embed="rId2" cstate="print">
+          <a:blip r:embed="rId3" cstate="print">
             <a:extLst>
               <a:ext uri="{28A0092B-C50C-407E-A947-70E740481C1C}">
                 <a14:useLocalDpi xmlns:a14="http://schemas.microsoft.com/office/drawing/2010/main" val="0"/>
@@ -15368,7 +19766,7 @@
           <p:nvPr/>
         </p:nvPicPr>
         <p:blipFill>
-          <a:blip r:embed="rId2" cstate="print">
+          <a:blip r:embed="rId3" cstate="print">
             <a:extLst>
               <a:ext uri="{28A0092B-C50C-407E-A947-70E740481C1C}">
                 <a14:useLocalDpi xmlns:a14="http://schemas.microsoft.com/office/drawing/2010/main" val="0"/>
@@ -15409,7 +19807,7 @@
           <p:nvPr/>
         </p:nvPicPr>
         <p:blipFill>
-          <a:blip r:embed="rId2" cstate="print">
+          <a:blip r:embed="rId3" cstate="print">
             <a:extLst>
               <a:ext uri="{28A0092B-C50C-407E-A947-70E740481C1C}">
                 <a14:useLocalDpi xmlns:a14="http://schemas.microsoft.com/office/drawing/2010/main" val="0"/>
@@ -15450,7 +19848,7 @@
           <p:nvPr/>
         </p:nvPicPr>
         <p:blipFill>
-          <a:blip r:embed="rId2" cstate="print">
+          <a:blip r:embed="rId3" cstate="print">
             <a:extLst>
               <a:ext uri="{28A0092B-C50C-407E-A947-70E740481C1C}">
                 <a14:useLocalDpi xmlns:a14="http://schemas.microsoft.com/office/drawing/2010/main" val="0"/>
@@ -15491,7 +19889,7 @@
           <p:nvPr/>
         </p:nvPicPr>
         <p:blipFill>
-          <a:blip r:embed="rId2" cstate="print">
+          <a:blip r:embed="rId3" cstate="print">
             <a:extLst>
               <a:ext uri="{28A0092B-C50C-407E-A947-70E740481C1C}">
                 <a14:useLocalDpi xmlns:a14="http://schemas.microsoft.com/office/drawing/2010/main" val="0"/>
@@ -15532,7 +19930,7 @@
           <p:nvPr/>
         </p:nvPicPr>
         <p:blipFill>
-          <a:blip r:embed="rId2" cstate="print">
+          <a:blip r:embed="rId3" cstate="print">
             <a:extLst>
               <a:ext uri="{28A0092B-C50C-407E-A947-70E740481C1C}">
                 <a14:useLocalDpi xmlns:a14="http://schemas.microsoft.com/office/drawing/2010/main" val="0"/>
@@ -15828,11 +20226,7 @@
             <a:pPr algn="r"/>
             <a:r>
               <a:rPr lang="en-US" sz="600" dirty="0"/>
-              <a:t>http://www.we-r-here.com/cad_05/tutorials/level_3/3-8.htm      http</a:t>
-            </a:r>
-            <a:r>
-              <a:rPr lang="en-US" sz="600" dirty="0"/>
-              <a:t>://en.wikipedia.org/wiki/File:Matrix_multiplication_diagram_2.svg</a:t>
+              <a:t>http://www.we-r-here.com/cad_05/tutorials/level_3/3-8.htm      http://en.wikipedia.org/wiki/File:Matrix_multiplication_diagram_2.svg</a:t>
             </a:r>
           </a:p>
         </p:txBody>
@@ -16085,7 +20479,7 @@
           <p:nvPr/>
         </p:nvPicPr>
         <p:blipFill>
-          <a:blip r:embed="rId3">
+          <a:blip r:embed="rId4">
             <a:extLst>
               <a:ext uri="{28A0092B-C50C-407E-A947-70E740481C1C}">
                 <a14:useLocalDpi xmlns:a14="http://schemas.microsoft.com/office/drawing/2010/main" val="0"/>
@@ -16144,6 +20538,9 @@
   <p:clrMapOvr>
     <a:masterClrMapping/>
   </p:clrMapOvr>
+  <p:transition spd="slow">
+    <p:push dir="u"/>
+  </p:transition>
   <p:timing>
     <p:tnLst>
       <p:par>
@@ -16368,7 +20765,7 @@
         </p:xfrm>
         <a:graphic>
           <a:graphicData uri="http://schemas.openxmlformats.org/drawingml/2006/chart">
-            <c:chart xmlns:c="http://schemas.openxmlformats.org/drawingml/2006/chart" xmlns:r="http://schemas.openxmlformats.org/officeDocument/2006/relationships" r:id="rId2"/>
+            <c:chart xmlns:c="http://schemas.openxmlformats.org/drawingml/2006/chart" xmlns:r="http://schemas.openxmlformats.org/officeDocument/2006/relationships" r:id="rId3"/>
           </a:graphicData>
         </a:graphic>
       </p:graphicFrame>
@@ -16382,12 +20779,213 @@
   <p:clrMapOvr>
     <a:masterClrMapping/>
   </p:clrMapOvr>
+  <p:transition spd="slow">
+    <p:push dir="u"/>
+  </p:transition>
   <p:timing>
     <p:tnLst>
       <p:par>
-        <p:cTn id="1" dur="indefinite" restart="never" nodeType="tmRoot"/>
+        <p:cTn id="1" dur="indefinite" restart="never" nodeType="tmRoot">
+          <p:childTnLst>
+            <p:seq concurrent="1" nextAc="seek">
+              <p:cTn id="2" dur="indefinite" nodeType="mainSeq">
+                <p:childTnLst>
+                  <p:par>
+                    <p:cTn id="3" fill="hold">
+                      <p:stCondLst>
+                        <p:cond delay="indefinite"/>
+                        <p:cond evt="onBegin" delay="0">
+                          <p:tn val="2"/>
+                        </p:cond>
+                      </p:stCondLst>
+                      <p:childTnLst>
+                        <p:par>
+                          <p:cTn id="4" fill="hold">
+                            <p:stCondLst>
+                              <p:cond delay="0"/>
+                            </p:stCondLst>
+                            <p:childTnLst>
+                              <p:par>
+                                <p:cTn id="5" presetID="10" presetClass="entr" presetSubtype="0" fill="hold" grpId="0" nodeType="afterEffect">
+                                  <p:stCondLst>
+                                    <p:cond delay="0"/>
+                                  </p:stCondLst>
+                                  <p:childTnLst>
+                                    <p:set>
+                                      <p:cBhvr>
+                                        <p:cTn id="6" dur="1" fill="hold">
+                                          <p:stCondLst>
+                                            <p:cond delay="0"/>
+                                          </p:stCondLst>
+                                        </p:cTn>
+                                        <p:tgtEl>
+                                          <p:spTgt spid="6">
+                                            <p:graphicEl>
+                                              <a:chart seriesIdx="0" categoryIdx="-4" bldStep="series"/>
+                                            </p:graphicEl>
+                                          </p:spTgt>
+                                        </p:tgtEl>
+                                        <p:attrNameLst>
+                                          <p:attrName>style.visibility</p:attrName>
+                                        </p:attrNameLst>
+                                      </p:cBhvr>
+                                      <p:to>
+                                        <p:strVal val="visible"/>
+                                      </p:to>
+                                    </p:set>
+                                    <p:animEffect transition="in" filter="fade">
+                                      <p:cBhvr>
+                                        <p:cTn id="7" dur="500"/>
+                                        <p:tgtEl>
+                                          <p:spTgt spid="6">
+                                            <p:graphicEl>
+                                              <a:chart seriesIdx="0" categoryIdx="-4" bldStep="series"/>
+                                            </p:graphicEl>
+                                          </p:spTgt>
+                                        </p:tgtEl>
+                                      </p:cBhvr>
+                                    </p:animEffect>
+                                  </p:childTnLst>
+                                </p:cTn>
+                              </p:par>
+                            </p:childTnLst>
+                          </p:cTn>
+                        </p:par>
+                        <p:par>
+                          <p:cTn id="8" fill="hold">
+                            <p:stCondLst>
+                              <p:cond delay="500"/>
+                            </p:stCondLst>
+                            <p:childTnLst>
+                              <p:par>
+                                <p:cTn id="9" presetID="10" presetClass="entr" presetSubtype="0" fill="hold" grpId="0" nodeType="afterEffect">
+                                  <p:stCondLst>
+                                    <p:cond delay="0"/>
+                                  </p:stCondLst>
+                                  <p:childTnLst>
+                                    <p:set>
+                                      <p:cBhvr>
+                                        <p:cTn id="10" dur="1" fill="hold">
+                                          <p:stCondLst>
+                                            <p:cond delay="0"/>
+                                          </p:stCondLst>
+                                        </p:cTn>
+                                        <p:tgtEl>
+                                          <p:spTgt spid="6">
+                                            <p:graphicEl>
+                                              <a:chart seriesIdx="1" categoryIdx="-4" bldStep="series"/>
+                                            </p:graphicEl>
+                                          </p:spTgt>
+                                        </p:tgtEl>
+                                        <p:attrNameLst>
+                                          <p:attrName>style.visibility</p:attrName>
+                                        </p:attrNameLst>
+                                      </p:cBhvr>
+                                      <p:to>
+                                        <p:strVal val="visible"/>
+                                      </p:to>
+                                    </p:set>
+                                    <p:animEffect transition="in" filter="fade">
+                                      <p:cBhvr>
+                                        <p:cTn id="11" dur="500"/>
+                                        <p:tgtEl>
+                                          <p:spTgt spid="6">
+                                            <p:graphicEl>
+                                              <a:chart seriesIdx="1" categoryIdx="-4" bldStep="series"/>
+                                            </p:graphicEl>
+                                          </p:spTgt>
+                                        </p:tgtEl>
+                                      </p:cBhvr>
+                                    </p:animEffect>
+                                  </p:childTnLst>
+                                </p:cTn>
+                              </p:par>
+                            </p:childTnLst>
+                          </p:cTn>
+                        </p:par>
+                        <p:par>
+                          <p:cTn id="12" fill="hold">
+                            <p:stCondLst>
+                              <p:cond delay="1000"/>
+                            </p:stCondLst>
+                            <p:childTnLst>
+                              <p:par>
+                                <p:cTn id="13" presetID="10" presetClass="entr" presetSubtype="0" fill="hold" grpId="0" nodeType="afterEffect">
+                                  <p:stCondLst>
+                                    <p:cond delay="0"/>
+                                  </p:stCondLst>
+                                  <p:childTnLst>
+                                    <p:set>
+                                      <p:cBhvr>
+                                        <p:cTn id="14" dur="1" fill="hold">
+                                          <p:stCondLst>
+                                            <p:cond delay="0"/>
+                                          </p:stCondLst>
+                                        </p:cTn>
+                                        <p:tgtEl>
+                                          <p:spTgt spid="6">
+                                            <p:graphicEl>
+                                              <a:chart seriesIdx="2" categoryIdx="-4" bldStep="series"/>
+                                            </p:graphicEl>
+                                          </p:spTgt>
+                                        </p:tgtEl>
+                                        <p:attrNameLst>
+                                          <p:attrName>style.visibility</p:attrName>
+                                        </p:attrNameLst>
+                                      </p:cBhvr>
+                                      <p:to>
+                                        <p:strVal val="visible"/>
+                                      </p:to>
+                                    </p:set>
+                                    <p:animEffect transition="in" filter="fade">
+                                      <p:cBhvr>
+                                        <p:cTn id="15" dur="500"/>
+                                        <p:tgtEl>
+                                          <p:spTgt spid="6">
+                                            <p:graphicEl>
+                                              <a:chart seriesIdx="2" categoryIdx="-4" bldStep="series"/>
+                                            </p:graphicEl>
+                                          </p:spTgt>
+                                        </p:tgtEl>
+                                      </p:cBhvr>
+                                    </p:animEffect>
+                                  </p:childTnLst>
+                                </p:cTn>
+                              </p:par>
+                            </p:childTnLst>
+                          </p:cTn>
+                        </p:par>
+                      </p:childTnLst>
+                    </p:cTn>
+                  </p:par>
+                </p:childTnLst>
+              </p:cTn>
+              <p:prevCondLst>
+                <p:cond evt="onPrev" delay="0">
+                  <p:tgtEl>
+                    <p:sldTgt/>
+                  </p:tgtEl>
+                </p:cond>
+              </p:prevCondLst>
+              <p:nextCondLst>
+                <p:cond evt="onNext" delay="0">
+                  <p:tgtEl>
+                    <p:sldTgt/>
+                  </p:tgtEl>
+                </p:cond>
+              </p:nextCondLst>
+            </p:seq>
+          </p:childTnLst>
+        </p:cTn>
       </p:par>
     </p:tnLst>
+    <p:bldLst>
+      <p:bldGraphic spid="6" grpId="0" uiExpand="1">
+        <p:bldSub>
+          <a:bldChart bld="series"/>
+        </p:bldSub>
+      </p:bldGraphic>
+    </p:bldLst>
   </p:timing>
 </p:sld>
 </file>
@@ -16473,7 +21071,7 @@
         </p:xfrm>
         <a:graphic>
           <a:graphicData uri="http://schemas.openxmlformats.org/drawingml/2006/chart">
-            <c:chart xmlns:c="http://schemas.openxmlformats.org/drawingml/2006/chart" xmlns:r="http://schemas.openxmlformats.org/officeDocument/2006/relationships" r:id="rId2"/>
+            <c:chart xmlns:c="http://schemas.openxmlformats.org/drawingml/2006/chart" xmlns:r="http://schemas.openxmlformats.org/officeDocument/2006/relationships" r:id="rId3"/>
           </a:graphicData>
         </a:graphic>
       </p:graphicFrame>
@@ -16487,6 +21085,9 @@
   <p:clrMapOvr>
     <a:masterClrMapping/>
   </p:clrMapOvr>
+  <p:transition spd="slow">
+    <p:push dir="u"/>
+  </p:transition>
   <p:timing>
     <p:tnLst>
       <p:par>
@@ -16567,7 +21168,7 @@
           <p:nvPr/>
         </p:nvPicPr>
         <p:blipFill>
-          <a:blip r:embed="rId2" cstate="print">
+          <a:blip r:embed="rId3" cstate="print">
             <a:extLst>
               <a:ext uri="{28A0092B-C50C-407E-A947-70E740481C1C}">
                 <a14:useLocalDpi xmlns:a14="http://schemas.microsoft.com/office/drawing/2010/main" val="0"/>
@@ -16598,15 +21199,7 @@
             <a:noFill/>
           </a:ln>
           <a:effectLst/>
-          <a:extLst>
-            <a:ext uri="{909E8E84-426E-40DD-AFC4-6F175D3DCCD1}">
-              <a14:hiddenFill xmlns:a14="http://schemas.microsoft.com/office/drawing/2010/main">
-                <a:solidFill>
-                  <a:srgbClr val="FFFFFF"/>
-                </a:solidFill>
-              </a14:hiddenFill>
-            </a:ext>
-          </a:extLst>
+          <a:extLst/>
         </p:spPr>
       </p:pic>
       <p:sp>
@@ -16883,6 +21476,9 @@
   <p:clrMapOvr>
     <a:masterClrMapping/>
   </p:clrMapOvr>
+  <p:transition spd="slow">
+    <p:push dir="u"/>
+  </p:transition>
   <p:timing>
     <p:tnLst>
       <p:par>
@@ -17271,7 +21867,7 @@
           <p:nvPr/>
         </p:nvPicPr>
         <p:blipFill>
-          <a:blip r:embed="rId2">
+          <a:blip r:embed="rId3">
             <a:extLst>
               <a:ext uri="{28A0092B-C50C-407E-A947-70E740481C1C}">
                 <a14:useLocalDpi xmlns:a14="http://schemas.microsoft.com/office/drawing/2010/main" val="0"/>
@@ -17291,7 +21887,36 @@
           <a:prstGeom prst="rect">
             <a:avLst/>
           </a:prstGeom>
-          <a:noFill/>
+          <a:solidFill>
+            <a:srgbClr val="FFFFFF">
+              <a:shade val="85000"/>
+            </a:srgbClr>
+          </a:solidFill>
+          <a:ln w="190500" cap="sq">
+            <a:solidFill>
+              <a:srgbClr val="FFFFFF"/>
+            </a:solidFill>
+            <a:miter lim="800000"/>
+          </a:ln>
+          <a:effectLst>
+            <a:outerShdw blurRad="55000" dist="18000" dir="5400000" algn="tl" rotWithShape="0">
+              <a:srgbClr val="000000">
+                <a:alpha val="40000"/>
+              </a:srgbClr>
+            </a:outerShdw>
+          </a:effectLst>
+          <a:scene3d>
+            <a:camera prst="orthographicFront"/>
+            <a:lightRig rig="twoPt" dir="t">
+              <a:rot lat="0" lon="0" rev="7200000"/>
+            </a:lightRig>
+          </a:scene3d>
+          <a:sp3d>
+            <a:bevelT w="25400" h="19050"/>
+            <a:contourClr>
+              <a:srgbClr val="FFFFFF"/>
+            </a:contourClr>
+          </a:sp3d>
           <a:extLst>
             <a:ext uri="{909E8E84-426E-40DD-AFC4-6F175D3DCCD1}">
               <a14:hiddenFill xmlns:a14="http://schemas.microsoft.com/office/drawing/2010/main">
@@ -17403,7 +22028,7 @@
           <p:nvPr/>
         </p:nvPicPr>
         <p:blipFill>
-          <a:blip r:embed="rId3">
+          <a:blip r:embed="rId4">
             <a:extLst>
               <a:ext uri="{28A0092B-C50C-407E-A947-70E740481C1C}">
                 <a14:useLocalDpi xmlns:a14="http://schemas.microsoft.com/office/drawing/2010/main" val="0"/>
@@ -17417,8 +22042,8 @@
         </p:blipFill>
         <p:spPr bwMode="auto">
           <a:xfrm>
-            <a:off x="7902444" y="321450"/>
-            <a:ext cx="881063" cy="1085851"/>
+            <a:off x="7812432" y="321450"/>
+            <a:ext cx="1095540" cy="1350180"/>
           </a:xfrm>
           <a:prstGeom prst="rect">
             <a:avLst/>
@@ -17443,7 +22068,7 @@
         </p:nvSpPr>
         <p:spPr>
           <a:xfrm>
-            <a:off x="7812432" y="141426"/>
+            <a:off x="7722420" y="141426"/>
             <a:ext cx="450060" cy="215444"/>
           </a:xfrm>
           <a:prstGeom prst="rect">
@@ -17479,6 +22104,9 @@
   <p:clrMapOvr>
     <a:masterClrMapping/>
   </p:clrMapOvr>
+  <p:transition spd="slow">
+    <p:push dir="u"/>
+  </p:transition>
   <p:timing>
     <p:tnLst>
       <p:par>
@@ -19017,7 +23645,7 @@
           <p:nvPr/>
         </p:nvPicPr>
         <p:blipFill>
-          <a:blip r:embed="rId2">
+          <a:blip r:embed="rId3">
             <a:extLst>
               <a:ext uri="{28A0092B-C50C-407E-A947-70E740481C1C}">
                 <a14:useLocalDpi xmlns:a14="http://schemas.microsoft.com/office/drawing/2010/main" val="0"/>
@@ -20024,7 +24652,54 @@
               <a:rPr lang="en-US" sz="600" dirty="0"/>
               <a:t>http://en.wikipedia.org/wiki/Prefix_sum</a:t>
             </a:r>
-            <a:endParaRPr lang="en-US" sz="600" dirty="0"/>
+          </a:p>
+        </p:txBody>
+      </p:sp>
+      <p:sp>
+        <p:nvSpPr>
+          <p:cNvPr id="22" name="TextBox 21"/>
+          <p:cNvSpPr txBox="1"/>
+          <p:nvPr/>
+        </p:nvSpPr>
+        <p:spPr>
+          <a:xfrm>
+            <a:off x="673849" y="4011942"/>
+            <a:ext cx="2093400" cy="523220"/>
+          </a:xfrm>
+          <a:prstGeom prst="rect">
+            <a:avLst/>
+          </a:prstGeom>
+        </p:spPr>
+        <p:style>
+          <a:lnRef idx="3">
+            <a:schemeClr val="lt1"/>
+          </a:lnRef>
+          <a:fillRef idx="1">
+            <a:schemeClr val="accent3"/>
+          </a:fillRef>
+          <a:effectRef idx="1">
+            <a:schemeClr val="accent3"/>
+          </a:effectRef>
+          <a:fontRef idx="minor">
+            <a:schemeClr val="lt1"/>
+          </a:fontRef>
+        </p:style>
+        <p:txBody>
+          <a:bodyPr wrap="square" rtlCol="0">
+            <a:spAutoFit/>
+          </a:bodyPr>
+          <a:lstStyle/>
+          <a:p>
+            <a:pPr algn="ctr"/>
+            <a:r>
+              <a:rPr lang="de-AT" sz="2800" dirty="0" smtClean="0"/>
+              <a:t>26 </a:t>
+            </a:r>
+            <a:r>
+              <a:rPr lang="de-AT" sz="2800" dirty="0" err="1" smtClean="0"/>
+              <a:t>Additions</a:t>
+            </a:r>
+            <a:endParaRPr lang="en-US" sz="2800" dirty="0"/>
           </a:p>
         </p:txBody>
       </p:sp>
@@ -20038,6 +24713,9 @@
   <p:clrMapOvr>
     <a:masterClrMapping/>
   </p:clrMapOvr>
+  <p:transition spd="slow">
+    <p:push dir="u"/>
+  </p:transition>
   <p:timing>
     <p:tnLst>
       <p:par>
@@ -20208,7 +24886,7 @@
         </p:xfrm>
         <a:graphic>
           <a:graphicData uri="http://schemas.openxmlformats.org/drawingml/2006/chart">
-            <c:chart xmlns:c="http://schemas.openxmlformats.org/drawingml/2006/chart" xmlns:r="http://schemas.openxmlformats.org/officeDocument/2006/relationships" r:id="rId2"/>
+            <c:chart xmlns:c="http://schemas.openxmlformats.org/drawingml/2006/chart" xmlns:r="http://schemas.openxmlformats.org/officeDocument/2006/relationships" r:id="rId3"/>
           </a:graphicData>
         </a:graphic>
       </p:graphicFrame>
@@ -20222,12 +24900,231 @@
   <p:clrMapOvr>
     <a:masterClrMapping/>
   </p:clrMapOvr>
+  <p:transition spd="slow">
+    <p:push dir="u"/>
+  </p:transition>
   <p:timing>
     <p:tnLst>
       <p:par>
-        <p:cTn id="1" dur="indefinite" restart="never" nodeType="tmRoot"/>
+        <p:cTn id="1" dur="indefinite" restart="never" nodeType="tmRoot">
+          <p:childTnLst>
+            <p:seq concurrent="1" nextAc="seek">
+              <p:cTn id="2" dur="indefinite" nodeType="mainSeq">
+                <p:childTnLst>
+                  <p:par>
+                    <p:cTn id="3" fill="hold">
+                      <p:stCondLst>
+                        <p:cond delay="indefinite"/>
+                        <p:cond evt="onBegin" delay="0">
+                          <p:tn val="2"/>
+                        </p:cond>
+                      </p:stCondLst>
+                      <p:childTnLst>
+                        <p:par>
+                          <p:cTn id="4" fill="hold">
+                            <p:stCondLst>
+                              <p:cond delay="0"/>
+                            </p:stCondLst>
+                            <p:childTnLst>
+                              <p:par>
+                                <p:cTn id="5" presetID="10" presetClass="entr" presetSubtype="0" fill="hold" grpId="0" nodeType="withEffect">
+                                  <p:stCondLst>
+                                    <p:cond delay="0"/>
+                                  </p:stCondLst>
+                                  <p:childTnLst>
+                                    <p:set>
+                                      <p:cBhvr>
+                                        <p:cTn id="6" dur="1" fill="hold">
+                                          <p:stCondLst>
+                                            <p:cond delay="0"/>
+                                          </p:stCondLst>
+                                        </p:cTn>
+                                        <p:tgtEl>
+                                          <p:spTgt spid="8">
+                                            <p:graphicEl>
+                                              <a:chart seriesIdx="0" categoryIdx="-4" bldStep="series"/>
+                                            </p:graphicEl>
+                                          </p:spTgt>
+                                        </p:tgtEl>
+                                        <p:attrNameLst>
+                                          <p:attrName>style.visibility</p:attrName>
+                                        </p:attrNameLst>
+                                      </p:cBhvr>
+                                      <p:to>
+                                        <p:strVal val="visible"/>
+                                      </p:to>
+                                    </p:set>
+                                    <p:animEffect transition="in" filter="fade">
+                                      <p:cBhvr>
+                                        <p:cTn id="7" dur="500"/>
+                                        <p:tgtEl>
+                                          <p:spTgt spid="8">
+                                            <p:graphicEl>
+                                              <a:chart seriesIdx="0" categoryIdx="-4" bldStep="series"/>
+                                            </p:graphicEl>
+                                          </p:spTgt>
+                                        </p:tgtEl>
+                                      </p:cBhvr>
+                                    </p:animEffect>
+                                  </p:childTnLst>
+                                </p:cTn>
+                              </p:par>
+                            </p:childTnLst>
+                          </p:cTn>
+                        </p:par>
+                      </p:childTnLst>
+                    </p:cTn>
+                  </p:par>
+                  <p:par>
+                    <p:cTn id="8" fill="hold">
+                      <p:stCondLst>
+                        <p:cond delay="indefinite"/>
+                      </p:stCondLst>
+                      <p:childTnLst>
+                        <p:par>
+                          <p:cTn id="9" fill="hold">
+                            <p:stCondLst>
+                              <p:cond delay="0"/>
+                            </p:stCondLst>
+                            <p:childTnLst>
+                              <p:par>
+                                <p:cTn id="10" presetID="10" presetClass="entr" presetSubtype="0" fill="hold" grpId="0" nodeType="clickEffect">
+                                  <p:stCondLst>
+                                    <p:cond delay="0"/>
+                                  </p:stCondLst>
+                                  <p:childTnLst>
+                                    <p:set>
+                                      <p:cBhvr>
+                                        <p:cTn id="11" dur="1" fill="hold">
+                                          <p:stCondLst>
+                                            <p:cond delay="0"/>
+                                          </p:stCondLst>
+                                        </p:cTn>
+                                        <p:tgtEl>
+                                          <p:spTgt spid="8">
+                                            <p:graphicEl>
+                                              <a:chart seriesIdx="1" categoryIdx="-4" bldStep="series"/>
+                                            </p:graphicEl>
+                                          </p:spTgt>
+                                        </p:tgtEl>
+                                        <p:attrNameLst>
+                                          <p:attrName>style.visibility</p:attrName>
+                                        </p:attrNameLst>
+                                      </p:cBhvr>
+                                      <p:to>
+                                        <p:strVal val="visible"/>
+                                      </p:to>
+                                    </p:set>
+                                    <p:animEffect transition="in" filter="fade">
+                                      <p:cBhvr>
+                                        <p:cTn id="12" dur="500"/>
+                                        <p:tgtEl>
+                                          <p:spTgt spid="8">
+                                            <p:graphicEl>
+                                              <a:chart seriesIdx="1" categoryIdx="-4" bldStep="series"/>
+                                            </p:graphicEl>
+                                          </p:spTgt>
+                                        </p:tgtEl>
+                                      </p:cBhvr>
+                                    </p:animEffect>
+                                  </p:childTnLst>
+                                </p:cTn>
+                              </p:par>
+                            </p:childTnLst>
+                          </p:cTn>
+                        </p:par>
+                      </p:childTnLst>
+                    </p:cTn>
+                  </p:par>
+                  <p:par>
+                    <p:cTn id="13" fill="hold">
+                      <p:stCondLst>
+                        <p:cond delay="indefinite"/>
+                      </p:stCondLst>
+                      <p:childTnLst>
+                        <p:par>
+                          <p:cTn id="14" fill="hold">
+                            <p:stCondLst>
+                              <p:cond delay="0"/>
+                            </p:stCondLst>
+                            <p:childTnLst>
+                              <p:par>
+                                <p:cTn id="15" presetID="10" presetClass="entr" presetSubtype="0" fill="hold" grpId="0" nodeType="clickEffect">
+                                  <p:stCondLst>
+                                    <p:cond delay="0"/>
+                                  </p:stCondLst>
+                                  <p:childTnLst>
+                                    <p:set>
+                                      <p:cBhvr>
+                                        <p:cTn id="16" dur="1" fill="hold">
+                                          <p:stCondLst>
+                                            <p:cond delay="0"/>
+                                          </p:stCondLst>
+                                        </p:cTn>
+                                        <p:tgtEl>
+                                          <p:spTgt spid="8">
+                                            <p:graphicEl>
+                                              <a:chart seriesIdx="2" categoryIdx="-4" bldStep="series"/>
+                                            </p:graphicEl>
+                                          </p:spTgt>
+                                        </p:tgtEl>
+                                        <p:attrNameLst>
+                                          <p:attrName>style.visibility</p:attrName>
+                                        </p:attrNameLst>
+                                      </p:cBhvr>
+                                      <p:to>
+                                        <p:strVal val="visible"/>
+                                      </p:to>
+                                    </p:set>
+                                    <p:animEffect transition="in" filter="fade">
+                                      <p:cBhvr>
+                                        <p:cTn id="17" dur="500"/>
+                                        <p:tgtEl>
+                                          <p:spTgt spid="8">
+                                            <p:graphicEl>
+                                              <a:chart seriesIdx="2" categoryIdx="-4" bldStep="series"/>
+                                            </p:graphicEl>
+                                          </p:spTgt>
+                                        </p:tgtEl>
+                                      </p:cBhvr>
+                                    </p:animEffect>
+                                  </p:childTnLst>
+                                </p:cTn>
+                              </p:par>
+                            </p:childTnLst>
+                          </p:cTn>
+                        </p:par>
+                      </p:childTnLst>
+                    </p:cTn>
+                  </p:par>
+                </p:childTnLst>
+              </p:cTn>
+              <p:prevCondLst>
+                <p:cond evt="onPrev" delay="0">
+                  <p:tgtEl>
+                    <p:sldTgt/>
+                  </p:tgtEl>
+                </p:cond>
+              </p:prevCondLst>
+              <p:nextCondLst>
+                <p:cond evt="onNext" delay="0">
+                  <p:tgtEl>
+                    <p:sldTgt/>
+                  </p:tgtEl>
+                </p:cond>
+              </p:nextCondLst>
+            </p:seq>
+          </p:childTnLst>
+        </p:cTn>
       </p:par>
     </p:tnLst>
+    <p:bldLst>
+      <p:bldGraphic spid="8" grpId="0" uiExpand="1">
+        <p:bldSub>
+          <a:bldChart bld="series"/>
+        </p:bldSub>
+      </p:bldGraphic>
+    </p:bldLst>
   </p:timing>
 </p:sld>
 </file>
@@ -20801,7 +25698,7 @@
           <p:nvPr/>
         </p:nvPicPr>
         <p:blipFill>
-          <a:blip r:embed="rId2">
+          <a:blip r:embed="rId3">
             <a:extLst>
               <a:ext uri="{28A0092B-C50C-407E-A947-70E740481C1C}">
                 <a14:useLocalDpi xmlns:a14="http://schemas.microsoft.com/office/drawing/2010/main" val="0"/>
@@ -21146,11 +26043,7 @@
               </a:pPr>
               <a:r>
                 <a:rPr lang="en-US" sz="3200" kern="1200" dirty="0" smtClean="0"/>
-                <a:t>n </a:t>
-              </a:r>
-              <a:r>
-                <a:rPr lang="en-US" sz="3200" kern="1200" dirty="0" smtClean="0"/>
-                <a:t>log</a:t>
+                <a:t>n log</a:t>
               </a:r>
               <a:r>
                 <a:rPr lang="en-US" sz="3200" kern="1200" dirty="0" smtClean="0">
@@ -21162,11 +26055,7 @@
               </a:r>
               <a:r>
                 <a:rPr lang="en-US" sz="3200" kern="1200" dirty="0" smtClean="0"/>
-                <a:t>(n</a:t>
-              </a:r>
-              <a:r>
-                <a:rPr lang="en-US" sz="3200" kern="1200" dirty="0" smtClean="0"/>
-                <a:t>)</a:t>
+                <a:t>(n)</a:t>
               </a:r>
               <a:endParaRPr lang="en-US" sz="3200" kern="1200" dirty="0"/>
             </a:p>
@@ -21288,7 +26177,6 @@
               <a:rPr lang="en-US" sz="600" dirty="0"/>
               <a:t>http://en.wikipedia.org/wiki/Bitonic_sorter</a:t>
             </a:r>
-            <a:endParaRPr lang="en-US" sz="600" dirty="0"/>
           </a:p>
         </p:txBody>
       </p:sp>
@@ -21302,6 +26190,9 @@
   <p:clrMapOvr>
     <a:masterClrMapping/>
   </p:clrMapOvr>
+  <p:transition spd="slow">
+    <p:push dir="u"/>
+  </p:transition>
   <p:timing>
     <p:tnLst>
       <p:par>

--- a/presentations/BAS_2/OpenCL.pptx
+++ b/presentations/BAS_2/OpenCL.pptx
@@ -539,11 +539,11 @@
           <c:showPercent val="0"/>
           <c:showBubbleSize val="0"/>
         </c:dLbls>
-        <c:axId val="48757504"/>
-        <c:axId val="48758080"/>
+        <c:axId val="115380736"/>
+        <c:axId val="115381312"/>
       </c:scatterChart>
       <c:valAx>
-        <c:axId val="48757504"/>
+        <c:axId val="115380736"/>
         <c:scaling>
           <c:orientation val="minMax"/>
           <c:max val="33554432"/>
@@ -591,12 +591,12 @@
         <c:majorTickMark val="out"/>
         <c:minorTickMark val="none"/>
         <c:tickLblPos val="nextTo"/>
-        <c:crossAx val="48758080"/>
+        <c:crossAx val="115381312"/>
         <c:crosses val="autoZero"/>
         <c:crossBetween val="midCat"/>
       </c:valAx>
       <c:valAx>
-        <c:axId val="48758080"/>
+        <c:axId val="115381312"/>
         <c:scaling>
           <c:orientation val="minMax"/>
         </c:scaling>
@@ -627,7 +627,7 @@
         <c:majorTickMark val="out"/>
         <c:minorTickMark val="none"/>
         <c:tickLblPos val="nextTo"/>
-        <c:crossAx val="48757504"/>
+        <c:crossAx val="115380736"/>
         <c:crosses val="autoZero"/>
         <c:crossBetween val="midCat"/>
       </c:valAx>
@@ -953,11 +953,11 @@
           <c:showPercent val="0"/>
           <c:showBubbleSize val="0"/>
         </c:dLbls>
-        <c:axId val="51144384"/>
-        <c:axId val="51144960"/>
+        <c:axId val="115383616"/>
+        <c:axId val="116262592"/>
       </c:scatterChart>
       <c:valAx>
-        <c:axId val="51144384"/>
+        <c:axId val="115383616"/>
         <c:scaling>
           <c:orientation val="minMax"/>
           <c:max val="16777216"/>
@@ -989,12 +989,12 @@
         <c:majorTickMark val="out"/>
         <c:minorTickMark val="none"/>
         <c:tickLblPos val="nextTo"/>
-        <c:crossAx val="51144960"/>
+        <c:crossAx val="116262592"/>
         <c:crosses val="autoZero"/>
         <c:crossBetween val="midCat"/>
       </c:valAx>
       <c:valAx>
-        <c:axId val="51144960"/>
+        <c:axId val="116262592"/>
         <c:scaling>
           <c:orientation val="minMax"/>
         </c:scaling>
@@ -1025,7 +1025,7 @@
         <c:majorTickMark val="out"/>
         <c:minorTickMark val="none"/>
         <c:tickLblPos val="nextTo"/>
-        <c:crossAx val="51144384"/>
+        <c:crossAx val="115383616"/>
         <c:crosses val="autoZero"/>
         <c:crossBetween val="midCat"/>
       </c:valAx>
@@ -1993,11 +1993,11 @@
           <c:showPercent val="0"/>
           <c:showBubbleSize val="0"/>
         </c:dLbls>
-        <c:axId val="52250880"/>
-        <c:axId val="52251456"/>
+        <c:axId val="116270784"/>
+        <c:axId val="116271936"/>
       </c:scatterChart>
       <c:valAx>
-        <c:axId val="52250880"/>
+        <c:axId val="116270784"/>
         <c:scaling>
           <c:orientation val="minMax"/>
           <c:max val="2000"/>
@@ -2052,12 +2052,12 @@
         <c:majorTickMark val="out"/>
         <c:minorTickMark val="none"/>
         <c:tickLblPos val="nextTo"/>
-        <c:crossAx val="52251456"/>
+        <c:crossAx val="116271936"/>
         <c:crosses val="autoZero"/>
         <c:crossBetween val="midCat"/>
       </c:valAx>
       <c:valAx>
-        <c:axId val="52251456"/>
+        <c:axId val="116271936"/>
         <c:scaling>
           <c:orientation val="minMax"/>
           <c:max val="5"/>
@@ -2089,7 +2089,7 @@
         <c:majorTickMark val="out"/>
         <c:minorTickMark val="none"/>
         <c:tickLblPos val="nextTo"/>
-        <c:crossAx val="52250880"/>
+        <c:crossAx val="116270784"/>
         <c:crosses val="autoZero"/>
         <c:crossBetween val="midCat"/>
       </c:valAx>
@@ -2402,11 +2402,11 @@
           <c:showPercent val="0"/>
           <c:showBubbleSize val="0"/>
         </c:dLbls>
-        <c:axId val="51148992"/>
-        <c:axId val="51149568"/>
+        <c:axId val="116266624"/>
+        <c:axId val="116267200"/>
       </c:scatterChart>
       <c:valAx>
-        <c:axId val="51148992"/>
+        <c:axId val="116266624"/>
         <c:scaling>
           <c:orientation val="minMax"/>
           <c:max val="33554432"/>
@@ -2438,12 +2438,12 @@
         <c:majorTickMark val="out"/>
         <c:minorTickMark val="none"/>
         <c:tickLblPos val="nextTo"/>
-        <c:crossAx val="51149568"/>
+        <c:crossAx val="116267200"/>
         <c:crosses val="autoZero"/>
         <c:crossBetween val="midCat"/>
       </c:valAx>
       <c:valAx>
-        <c:axId val="51149568"/>
+        <c:axId val="116267200"/>
         <c:scaling>
           <c:orientation val="minMax"/>
         </c:scaling>
@@ -2482,7 +2482,7 @@
         <c:majorTickMark val="out"/>
         <c:minorTickMark val="none"/>
         <c:tickLblPos val="nextTo"/>
-        <c:crossAx val="51148992"/>
+        <c:crossAx val="116266624"/>
         <c:crosses val="autoZero"/>
         <c:crossBetween val="midCat"/>
       </c:valAx>
@@ -2759,11 +2759,11 @@
           <c:showPercent val="0"/>
           <c:showBubbleSize val="0"/>
         </c:dLbls>
-        <c:axId val="51320320"/>
-        <c:axId val="52249728"/>
+        <c:axId val="141725696"/>
+        <c:axId val="116269632"/>
       </c:areaChart>
       <c:catAx>
-        <c:axId val="51320320"/>
+        <c:axId val="141725696"/>
         <c:scaling>
           <c:orientation val="minMax"/>
         </c:scaling>
@@ -2829,7 +2829,7 @@
         <c:majorTickMark val="out"/>
         <c:minorTickMark val="none"/>
         <c:tickLblPos val="nextTo"/>
-        <c:crossAx val="52249728"/>
+        <c:crossAx val="116269632"/>
         <c:crosses val="autoZero"/>
         <c:auto val="1"/>
         <c:lblAlgn val="ctr"/>
@@ -2837,7 +2837,7 @@
         <c:noMultiLvlLbl val="0"/>
       </c:catAx>
       <c:valAx>
-        <c:axId val="52249728"/>
+        <c:axId val="116269632"/>
         <c:scaling>
           <c:orientation val="minMax"/>
         </c:scaling>
@@ -2868,7 +2868,7 @@
         <c:majorTickMark val="out"/>
         <c:minorTickMark val="none"/>
         <c:tickLblPos val="nextTo"/>
-        <c:crossAx val="51320320"/>
+        <c:crossAx val="141725696"/>
         <c:crosses val="autoZero"/>
         <c:crossBetween val="midCat"/>
       </c:valAx>
@@ -18035,127 +18035,9 @@
   <p:timing>
     <p:tnLst>
       <p:par>
-        <p:cTn id="1" dur="indefinite" restart="never" nodeType="tmRoot">
-          <p:childTnLst>
-            <p:seq concurrent="1" nextAc="seek">
-              <p:cTn id="2" dur="indefinite" nodeType="mainSeq">
-                <p:childTnLst>
-                  <p:par>
-                    <p:cTn id="3" fill="hold">
-                      <p:stCondLst>
-                        <p:cond delay="indefinite"/>
-                        <p:cond evt="onBegin" delay="0">
-                          <p:tn val="2"/>
-                        </p:cond>
-                      </p:stCondLst>
-                      <p:childTnLst>
-                        <p:par>
-                          <p:cTn id="4" fill="hold">
-                            <p:stCondLst>
-                              <p:cond delay="0"/>
-                            </p:stCondLst>
-                            <p:childTnLst>
-                              <p:par>
-                                <p:cTn id="5" presetID="10" presetClass="entr" presetSubtype="0" fill="hold" grpId="0" nodeType="withEffect">
-                                  <p:stCondLst>
-                                    <p:cond delay="0"/>
-                                  </p:stCondLst>
-                                  <p:childTnLst>
-                                    <p:set>
-                                      <p:cBhvr>
-                                        <p:cTn id="6" dur="1" fill="hold">
-                                          <p:stCondLst>
-                                            <p:cond delay="0"/>
-                                          </p:stCondLst>
-                                        </p:cTn>
-                                        <p:tgtEl>
-                                          <p:spTgt spid="13"/>
-                                        </p:tgtEl>
-                                        <p:attrNameLst>
-                                          <p:attrName>style.visibility</p:attrName>
-                                        </p:attrNameLst>
-                                      </p:cBhvr>
-                                      <p:to>
-                                        <p:strVal val="visible"/>
-                                      </p:to>
-                                    </p:set>
-                                    <p:animEffect transition="in" filter="fade">
-                                      <p:cBhvr>
-                                        <p:cTn id="7" dur="500"/>
-                                        <p:tgtEl>
-                                          <p:spTgt spid="13"/>
-                                        </p:tgtEl>
-                                      </p:cBhvr>
-                                    </p:animEffect>
-                                  </p:childTnLst>
-                                </p:cTn>
-                              </p:par>
-                              <p:par>
-                                <p:cTn id="8" presetID="10" presetClass="entr" presetSubtype="0" fill="hold" grpId="0" nodeType="withEffect">
-                                  <p:stCondLst>
-                                    <p:cond delay="0"/>
-                                  </p:stCondLst>
-                                  <p:childTnLst>
-                                    <p:set>
-                                      <p:cBhvr>
-                                        <p:cTn id="9" dur="1" fill="hold">
-                                          <p:stCondLst>
-                                            <p:cond delay="0"/>
-                                          </p:stCondLst>
-                                        </p:cTn>
-                                        <p:tgtEl>
-                                          <p:spTgt spid="14"/>
-                                        </p:tgtEl>
-                                        <p:attrNameLst>
-                                          <p:attrName>style.visibility</p:attrName>
-                                        </p:attrNameLst>
-                                      </p:cBhvr>
-                                      <p:to>
-                                        <p:strVal val="visible"/>
-                                      </p:to>
-                                    </p:set>
-                                    <p:animEffect transition="in" filter="fade">
-                                      <p:cBhvr>
-                                        <p:cTn id="10" dur="500"/>
-                                        <p:tgtEl>
-                                          <p:spTgt spid="14"/>
-                                        </p:tgtEl>
-                                      </p:cBhvr>
-                                    </p:animEffect>
-                                  </p:childTnLst>
-                                </p:cTn>
-                              </p:par>
-                            </p:childTnLst>
-                          </p:cTn>
-                        </p:par>
-                      </p:childTnLst>
-                    </p:cTn>
-                  </p:par>
-                </p:childTnLst>
-              </p:cTn>
-              <p:prevCondLst>
-                <p:cond evt="onPrev" delay="0">
-                  <p:tgtEl>
-                    <p:sldTgt/>
-                  </p:tgtEl>
-                </p:cond>
-              </p:prevCondLst>
-              <p:nextCondLst>
-                <p:cond evt="onNext" delay="0">
-                  <p:tgtEl>
-                    <p:sldTgt/>
-                  </p:tgtEl>
-                </p:cond>
-              </p:nextCondLst>
-            </p:seq>
-          </p:childTnLst>
-        </p:cTn>
+        <p:cTn id="1" dur="indefinite" restart="never" nodeType="tmRoot"/>
       </p:par>
     </p:tnLst>
-    <p:bldLst>
-      <p:bldP spid="13" grpId="0" animBg="1"/>
-      <p:bldP spid="14" grpId="0" animBg="1"/>
-    </p:bldLst>
   </p:timing>
 </p:sld>
 </file>
@@ -18918,142 +18800,9 @@
   <p:timing>
     <p:tnLst>
       <p:par>
-        <p:cTn id="1" dur="indefinite" restart="never" nodeType="tmRoot">
-          <p:childTnLst>
-            <p:seq concurrent="1" nextAc="seek">
-              <p:cTn id="2" dur="indefinite" nodeType="mainSeq">
-                <p:childTnLst>
-                  <p:par>
-                    <p:cTn id="3" fill="hold">
-                      <p:stCondLst>
-                        <p:cond delay="indefinite"/>
-                      </p:stCondLst>
-                      <p:childTnLst>
-                        <p:par>
-                          <p:cTn id="4" fill="hold">
-                            <p:stCondLst>
-                              <p:cond delay="0"/>
-                            </p:stCondLst>
-                            <p:childTnLst>
-                              <p:par>
-                                <p:cTn id="5" presetID="10" presetClass="entr" presetSubtype="0" fill="hold" grpId="0" nodeType="clickEffect">
-                                  <p:stCondLst>
-                                    <p:cond delay="0"/>
-                                  </p:stCondLst>
-                                  <p:childTnLst>
-                                    <p:set>
-                                      <p:cBhvr>
-                                        <p:cTn id="6" dur="1" fill="hold">
-                                          <p:stCondLst>
-                                            <p:cond delay="0"/>
-                                          </p:stCondLst>
-                                        </p:cTn>
-                                        <p:tgtEl>
-                                          <p:spTgt spid="14"/>
-                                        </p:tgtEl>
-                                        <p:attrNameLst>
-                                          <p:attrName>style.visibility</p:attrName>
-                                        </p:attrNameLst>
-                                      </p:cBhvr>
-                                      <p:to>
-                                        <p:strVal val="visible"/>
-                                      </p:to>
-                                    </p:set>
-                                    <p:animEffect transition="in" filter="fade">
-                                      <p:cBhvr>
-                                        <p:cTn id="7" dur="500"/>
-                                        <p:tgtEl>
-                                          <p:spTgt spid="14"/>
-                                        </p:tgtEl>
-                                      </p:cBhvr>
-                                    </p:animEffect>
-                                  </p:childTnLst>
-                                </p:cTn>
-                              </p:par>
-                            </p:childTnLst>
-                          </p:cTn>
-                        </p:par>
-                      </p:childTnLst>
-                    </p:cTn>
-                  </p:par>
-                  <p:par>
-                    <p:cTn id="8" fill="hold">
-                      <p:stCondLst>
-                        <p:cond delay="indefinite"/>
-                      </p:stCondLst>
-                      <p:childTnLst>
-                        <p:par>
-                          <p:cTn id="9" fill="hold">
-                            <p:stCondLst>
-                              <p:cond delay="0"/>
-                            </p:stCondLst>
-                            <p:childTnLst>
-                              <p:par>
-                                <p:cTn id="10" presetID="10" presetClass="entr" presetSubtype="0" fill="hold" grpId="0" nodeType="clickEffect">
-                                  <p:stCondLst>
-                                    <p:cond delay="0"/>
-                                  </p:stCondLst>
-                                  <p:childTnLst>
-                                    <p:set>
-                                      <p:cBhvr>
-                                        <p:cTn id="11" dur="1" fill="hold">
-                                          <p:stCondLst>
-                                            <p:cond delay="0"/>
-                                          </p:stCondLst>
-                                        </p:cTn>
-                                        <p:tgtEl>
-                                          <p:spTgt spid="15"/>
-                                        </p:tgtEl>
-                                        <p:attrNameLst>
-                                          <p:attrName>style.visibility</p:attrName>
-                                        </p:attrNameLst>
-                                      </p:cBhvr>
-                                      <p:to>
-                                        <p:strVal val="visible"/>
-                                      </p:to>
-                                    </p:set>
-                                    <p:animEffect transition="in" filter="fade">
-                                      <p:cBhvr>
-                                        <p:cTn id="12" dur="500"/>
-                                        <p:tgtEl>
-                                          <p:spTgt spid="15"/>
-                                        </p:tgtEl>
-                                      </p:cBhvr>
-                                    </p:animEffect>
-                                  </p:childTnLst>
-                                </p:cTn>
-                              </p:par>
-                            </p:childTnLst>
-                          </p:cTn>
-                        </p:par>
-                      </p:childTnLst>
-                    </p:cTn>
-                  </p:par>
-                </p:childTnLst>
-              </p:cTn>
-              <p:prevCondLst>
-                <p:cond evt="onPrev" delay="0">
-                  <p:tgtEl>
-                    <p:sldTgt/>
-                  </p:tgtEl>
-                </p:cond>
-              </p:prevCondLst>
-              <p:nextCondLst>
-                <p:cond evt="onNext" delay="0">
-                  <p:tgtEl>
-                    <p:sldTgt/>
-                  </p:tgtEl>
-                </p:cond>
-              </p:nextCondLst>
-            </p:seq>
-          </p:childTnLst>
-        </p:cTn>
+        <p:cTn id="1" dur="indefinite" restart="never" nodeType="tmRoot"/>
       </p:par>
     </p:tnLst>
-    <p:bldLst>
-      <p:bldP spid="14" grpId="0" animBg="1"/>
-      <p:bldP spid="15" grpId="0" animBg="1"/>
-    </p:bldLst>
   </p:timing>
 </p:sld>
 </file>
@@ -20544,142 +20293,9 @@
   <p:timing>
     <p:tnLst>
       <p:par>
-        <p:cTn id="1" dur="indefinite" restart="never" nodeType="tmRoot">
-          <p:childTnLst>
-            <p:seq concurrent="1" nextAc="seek">
-              <p:cTn id="2" dur="indefinite" nodeType="mainSeq">
-                <p:childTnLst>
-                  <p:par>
-                    <p:cTn id="3" fill="hold">
-                      <p:stCondLst>
-                        <p:cond delay="indefinite"/>
-                      </p:stCondLst>
-                      <p:childTnLst>
-                        <p:par>
-                          <p:cTn id="4" fill="hold">
-                            <p:stCondLst>
-                              <p:cond delay="0"/>
-                            </p:stCondLst>
-                            <p:childTnLst>
-                              <p:par>
-                                <p:cTn id="5" presetID="10" presetClass="entr" presetSubtype="0" fill="hold" grpId="0" nodeType="clickEffect">
-                                  <p:stCondLst>
-                                    <p:cond delay="0"/>
-                                  </p:stCondLst>
-                                  <p:childTnLst>
-                                    <p:set>
-                                      <p:cBhvr>
-                                        <p:cTn id="6" dur="1" fill="hold">
-                                          <p:stCondLst>
-                                            <p:cond delay="0"/>
-                                          </p:stCondLst>
-                                        </p:cTn>
-                                        <p:tgtEl>
-                                          <p:spTgt spid="25"/>
-                                        </p:tgtEl>
-                                        <p:attrNameLst>
-                                          <p:attrName>style.visibility</p:attrName>
-                                        </p:attrNameLst>
-                                      </p:cBhvr>
-                                      <p:to>
-                                        <p:strVal val="visible"/>
-                                      </p:to>
-                                    </p:set>
-                                    <p:animEffect transition="in" filter="fade">
-                                      <p:cBhvr>
-                                        <p:cTn id="7" dur="500"/>
-                                        <p:tgtEl>
-                                          <p:spTgt spid="25"/>
-                                        </p:tgtEl>
-                                      </p:cBhvr>
-                                    </p:animEffect>
-                                  </p:childTnLst>
-                                </p:cTn>
-                              </p:par>
-                            </p:childTnLst>
-                          </p:cTn>
-                        </p:par>
-                      </p:childTnLst>
-                    </p:cTn>
-                  </p:par>
-                  <p:par>
-                    <p:cTn id="8" fill="hold">
-                      <p:stCondLst>
-                        <p:cond delay="indefinite"/>
-                      </p:stCondLst>
-                      <p:childTnLst>
-                        <p:par>
-                          <p:cTn id="9" fill="hold">
-                            <p:stCondLst>
-                              <p:cond delay="0"/>
-                            </p:stCondLst>
-                            <p:childTnLst>
-                              <p:par>
-                                <p:cTn id="10" presetID="10" presetClass="entr" presetSubtype="0" fill="hold" grpId="0" nodeType="clickEffect">
-                                  <p:stCondLst>
-                                    <p:cond delay="0"/>
-                                  </p:stCondLst>
-                                  <p:childTnLst>
-                                    <p:set>
-                                      <p:cBhvr>
-                                        <p:cTn id="11" dur="1" fill="hold">
-                                          <p:stCondLst>
-                                            <p:cond delay="0"/>
-                                          </p:stCondLst>
-                                        </p:cTn>
-                                        <p:tgtEl>
-                                          <p:spTgt spid="26"/>
-                                        </p:tgtEl>
-                                        <p:attrNameLst>
-                                          <p:attrName>style.visibility</p:attrName>
-                                        </p:attrNameLst>
-                                      </p:cBhvr>
-                                      <p:to>
-                                        <p:strVal val="visible"/>
-                                      </p:to>
-                                    </p:set>
-                                    <p:animEffect transition="in" filter="fade">
-                                      <p:cBhvr>
-                                        <p:cTn id="12" dur="500"/>
-                                        <p:tgtEl>
-                                          <p:spTgt spid="26"/>
-                                        </p:tgtEl>
-                                      </p:cBhvr>
-                                    </p:animEffect>
-                                  </p:childTnLst>
-                                </p:cTn>
-                              </p:par>
-                            </p:childTnLst>
-                          </p:cTn>
-                        </p:par>
-                      </p:childTnLst>
-                    </p:cTn>
-                  </p:par>
-                </p:childTnLst>
-              </p:cTn>
-              <p:prevCondLst>
-                <p:cond evt="onPrev" delay="0">
-                  <p:tgtEl>
-                    <p:sldTgt/>
-                  </p:tgtEl>
-                </p:cond>
-              </p:prevCondLst>
-              <p:nextCondLst>
-                <p:cond evt="onNext" delay="0">
-                  <p:tgtEl>
-                    <p:sldTgt/>
-                  </p:tgtEl>
-                </p:cond>
-              </p:nextCondLst>
-            </p:seq>
-          </p:childTnLst>
-        </p:cTn>
+        <p:cTn id="1" dur="indefinite" restart="never" nodeType="tmRoot"/>
       </p:par>
     </p:tnLst>
-    <p:bldLst>
-      <p:bldP spid="25" grpId="0" animBg="1"/>
-      <p:bldP spid="26" grpId="0" animBg="1"/>
-    </p:bldLst>
   </p:timing>
 </p:sld>
 </file>
@@ -21091,9 +20707,207 @@
   <p:timing>
     <p:tnLst>
       <p:par>
-        <p:cTn id="1" dur="indefinite" restart="never" nodeType="tmRoot"/>
+        <p:cTn id="1" dur="indefinite" restart="never" nodeType="tmRoot">
+          <p:childTnLst>
+            <p:seq concurrent="1" nextAc="seek">
+              <p:cTn id="2" dur="indefinite" nodeType="mainSeq">
+                <p:childTnLst>
+                  <p:par>
+                    <p:cTn id="3" fill="hold">
+                      <p:stCondLst>
+                        <p:cond delay="indefinite"/>
+                        <p:cond evt="onBegin" delay="0">
+                          <p:tn val="2"/>
+                        </p:cond>
+                      </p:stCondLst>
+                      <p:childTnLst>
+                        <p:par>
+                          <p:cTn id="4" fill="hold">
+                            <p:stCondLst>
+                              <p:cond delay="0"/>
+                            </p:stCondLst>
+                            <p:childTnLst>
+                              <p:par>
+                                <p:cTn id="5" presetID="10" presetClass="entr" presetSubtype="0" fill="hold" grpId="0" nodeType="afterEffect">
+                                  <p:stCondLst>
+                                    <p:cond delay="0"/>
+                                  </p:stCondLst>
+                                  <p:childTnLst>
+                                    <p:set>
+                                      <p:cBhvr>
+                                        <p:cTn id="6" dur="1" fill="hold">
+                                          <p:stCondLst>
+                                            <p:cond delay="0"/>
+                                          </p:stCondLst>
+                                        </p:cTn>
+                                        <p:tgtEl>
+                                          <p:spTgt spid="7">
+                                            <p:graphicEl>
+                                              <a:chart seriesIdx="0" categoryIdx="-4" bldStep="series"/>
+                                            </p:graphicEl>
+                                          </p:spTgt>
+                                        </p:tgtEl>
+                                        <p:attrNameLst>
+                                          <p:attrName>style.visibility</p:attrName>
+                                        </p:attrNameLst>
+                                      </p:cBhvr>
+                                      <p:to>
+                                        <p:strVal val="visible"/>
+                                      </p:to>
+                                    </p:set>
+                                    <p:animEffect transition="in" filter="fade">
+                                      <p:cBhvr>
+                                        <p:cTn id="7" dur="500"/>
+                                        <p:tgtEl>
+                                          <p:spTgt spid="7">
+                                            <p:graphicEl>
+                                              <a:chart seriesIdx="0" categoryIdx="-4" bldStep="series"/>
+                                            </p:graphicEl>
+                                          </p:spTgt>
+                                        </p:tgtEl>
+                                      </p:cBhvr>
+                                    </p:animEffect>
+                                  </p:childTnLst>
+                                </p:cTn>
+                              </p:par>
+                            </p:childTnLst>
+                          </p:cTn>
+                        </p:par>
+                        <p:par>
+                          <p:cTn id="8" fill="hold">
+                            <p:stCondLst>
+                              <p:cond delay="500"/>
+                            </p:stCondLst>
+                            <p:childTnLst>
+                              <p:par>
+                                <p:cTn id="9" presetID="10" presetClass="entr" presetSubtype="0" fill="hold" grpId="0" nodeType="afterEffect">
+                                  <p:stCondLst>
+                                    <p:cond delay="0"/>
+                                  </p:stCondLst>
+                                  <p:childTnLst>
+                                    <p:set>
+                                      <p:cBhvr>
+                                        <p:cTn id="10" dur="1" fill="hold">
+                                          <p:stCondLst>
+                                            <p:cond delay="0"/>
+                                          </p:stCondLst>
+                                        </p:cTn>
+                                        <p:tgtEl>
+                                          <p:spTgt spid="7">
+                                            <p:graphicEl>
+                                              <a:chart seriesIdx="1" categoryIdx="-4" bldStep="series"/>
+                                            </p:graphicEl>
+                                          </p:spTgt>
+                                        </p:tgtEl>
+                                        <p:attrNameLst>
+                                          <p:attrName>style.visibility</p:attrName>
+                                        </p:attrNameLst>
+                                      </p:cBhvr>
+                                      <p:to>
+                                        <p:strVal val="visible"/>
+                                      </p:to>
+                                    </p:set>
+                                    <p:animEffect transition="in" filter="fade">
+                                      <p:cBhvr>
+                                        <p:cTn id="11" dur="500"/>
+                                        <p:tgtEl>
+                                          <p:spTgt spid="7">
+                                            <p:graphicEl>
+                                              <a:chart seriesIdx="1" categoryIdx="-4" bldStep="series"/>
+                                            </p:graphicEl>
+                                          </p:spTgt>
+                                        </p:tgtEl>
+                                      </p:cBhvr>
+                                    </p:animEffect>
+                                  </p:childTnLst>
+                                </p:cTn>
+                              </p:par>
+                            </p:childTnLst>
+                          </p:cTn>
+                        </p:par>
+                        <p:par>
+                          <p:cTn id="12" fill="hold">
+                            <p:stCondLst>
+                              <p:cond delay="1000"/>
+                            </p:stCondLst>
+                            <p:childTnLst>
+                              <p:par>
+                                <p:cTn id="13" presetID="10" presetClass="entr" presetSubtype="0" fill="hold" grpId="0" nodeType="afterEffect">
+                                  <p:stCondLst>
+                                    <p:cond delay="0"/>
+                                  </p:stCondLst>
+                                  <p:childTnLst>
+                                    <p:set>
+                                      <p:cBhvr>
+                                        <p:cTn id="14" dur="1" fill="hold">
+                                          <p:stCondLst>
+                                            <p:cond delay="0"/>
+                                          </p:stCondLst>
+                                        </p:cTn>
+                                        <p:tgtEl>
+                                          <p:spTgt spid="7">
+                                            <p:graphicEl>
+                                              <a:chart seriesIdx="2" categoryIdx="-4" bldStep="series"/>
+                                            </p:graphicEl>
+                                          </p:spTgt>
+                                        </p:tgtEl>
+                                        <p:attrNameLst>
+                                          <p:attrName>style.visibility</p:attrName>
+                                        </p:attrNameLst>
+                                      </p:cBhvr>
+                                      <p:to>
+                                        <p:strVal val="visible"/>
+                                      </p:to>
+                                    </p:set>
+                                    <p:animEffect transition="in" filter="fade">
+                                      <p:cBhvr>
+                                        <p:cTn id="15" dur="500"/>
+                                        <p:tgtEl>
+                                          <p:spTgt spid="7">
+                                            <p:graphicEl>
+                                              <a:chart seriesIdx="2" categoryIdx="-4" bldStep="series"/>
+                                            </p:graphicEl>
+                                          </p:spTgt>
+                                        </p:tgtEl>
+                                      </p:cBhvr>
+                                    </p:animEffect>
+                                  </p:childTnLst>
+                                </p:cTn>
+                              </p:par>
+                            </p:childTnLst>
+                          </p:cTn>
+                        </p:par>
+                      </p:childTnLst>
+                    </p:cTn>
+                  </p:par>
+                </p:childTnLst>
+              </p:cTn>
+              <p:prevCondLst>
+                <p:cond evt="onPrev" delay="0">
+                  <p:tgtEl>
+                    <p:sldTgt/>
+                  </p:tgtEl>
+                </p:cond>
+              </p:prevCondLst>
+              <p:nextCondLst>
+                <p:cond evt="onNext" delay="0">
+                  <p:tgtEl>
+                    <p:sldTgt/>
+                  </p:tgtEl>
+                </p:cond>
+              </p:nextCondLst>
+            </p:seq>
+          </p:childTnLst>
+        </p:cTn>
       </p:par>
     </p:tnLst>
+    <p:bldLst>
+      <p:bldGraphic spid="7" grpId="0" uiExpand="1">
+        <p:bldSub>
+          <a:bldChart bld="series"/>
+        </p:bldSub>
+      </p:bldGraphic>
+    </p:bldLst>
   </p:timing>
 </p:sld>
 </file>
@@ -21429,12 +21243,8 @@
               <a:buChar char="•"/>
             </a:pPr>
             <a:r>
-              <a:rPr lang="de-AT" sz="3200" dirty="0" err="1" smtClean="0"/>
-              <a:t>Arithemitically</a:t>
-            </a:r>
-            <a:r>
-              <a:rPr lang="de-AT" sz="3200" dirty="0" smtClean="0"/>
-              <a:t> intensive</a:t>
+              <a:rPr lang="en-US" sz="3200" dirty="0" smtClean="0"/>
+              <a:t>Arithmetically intensive</a:t>
             </a:r>
           </a:p>
           <a:p>
@@ -21513,7 +21323,7 @@
                                           </p:stCondLst>
                                         </p:cTn>
                                         <p:tgtEl>
-                                          <p:spTgt spid="6"/>
+                                          <p:spTgt spid="5"/>
                                         </p:tgtEl>
                                         <p:attrNameLst>
                                           <p:attrName>style.visibility</p:attrName>
@@ -21527,7 +21337,7 @@
                                       <p:cBhvr>
                                         <p:cTn id="7" dur="500"/>
                                         <p:tgtEl>
-                                          <p:spTgt spid="6"/>
+                                          <p:spTgt spid="5"/>
                                         </p:tgtEl>
                                       </p:cBhvr>
                                     </p:animEffect>
@@ -21537,36 +21347,27 @@
                             </p:childTnLst>
                           </p:cTn>
                         </p:par>
-                      </p:childTnLst>
-                    </p:cTn>
-                  </p:par>
-                  <p:par>
-                    <p:cTn id="8" fill="hold">
-                      <p:stCondLst>
-                        <p:cond delay="indefinite"/>
-                      </p:stCondLst>
-                      <p:childTnLst>
                         <p:par>
-                          <p:cTn id="9" fill="hold">
+                          <p:cTn id="8" fill="hold">
                             <p:stCondLst>
-                              <p:cond delay="0"/>
+                              <p:cond delay="500"/>
                             </p:stCondLst>
                             <p:childTnLst>
                               <p:par>
-                                <p:cTn id="10" presetID="10" presetClass="entr" presetSubtype="0" fill="hold" grpId="0" nodeType="clickEffect">
+                                <p:cTn id="9" presetID="10" presetClass="entr" presetSubtype="0" fill="hold" grpId="0" nodeType="afterEffect">
                                   <p:stCondLst>
-                                    <p:cond delay="0"/>
+                                    <p:cond delay="1000"/>
                                   </p:stCondLst>
                                   <p:childTnLst>
                                     <p:set>
                                       <p:cBhvr>
-                                        <p:cTn id="11" dur="1" fill="hold">
+                                        <p:cTn id="10" dur="1" fill="hold">
                                           <p:stCondLst>
                                             <p:cond delay="0"/>
                                           </p:stCondLst>
                                         </p:cTn>
                                         <p:tgtEl>
-                                          <p:spTgt spid="7"/>
+                                          <p:spTgt spid="8"/>
                                         </p:tgtEl>
                                         <p:attrNameLst>
                                           <p:attrName>style.visibility</p:attrName>
@@ -21578,9 +21379,9 @@
                                     </p:set>
                                     <p:animEffect transition="in" filter="fade">
                                       <p:cBhvr>
-                                        <p:cTn id="12" dur="500"/>
+                                        <p:cTn id="11" dur="500"/>
                                         <p:tgtEl>
-                                          <p:spTgt spid="7"/>
+                                          <p:spTgt spid="8"/>
                                         </p:tgtEl>
                                       </p:cBhvr>
                                     </p:animEffect>
@@ -21615,8 +21416,8 @@
       </p:par>
     </p:tnLst>
     <p:bldLst>
-      <p:bldP spid="6" grpId="0" animBg="1"/>
-      <p:bldP spid="7" grpId="0" animBg="1"/>
+      <p:bldP spid="5" grpId="0" animBg="1"/>
+      <p:bldP spid="8" grpId="0"/>
     </p:bldLst>
   </p:timing>
 </p:sld>
@@ -21917,15 +21718,7 @@
               <a:srgbClr val="FFFFFF"/>
             </a:contourClr>
           </a:sp3d>
-          <a:extLst>
-            <a:ext uri="{909E8E84-426E-40DD-AFC4-6F175D3DCCD1}">
-              <a14:hiddenFill xmlns:a14="http://schemas.microsoft.com/office/drawing/2010/main">
-                <a:solidFill>
-                  <a:srgbClr val="FFFFFF"/>
-                </a:solidFill>
-              </a14:hiddenFill>
-            </a:ext>
-          </a:extLst>
+          <a:extLst/>
         </p:spPr>
       </p:pic>
       <p:sp>
@@ -22110,142 +21903,9 @@
   <p:timing>
     <p:tnLst>
       <p:par>
-        <p:cTn id="1" dur="indefinite" restart="never" nodeType="tmRoot">
-          <p:childTnLst>
-            <p:seq concurrent="1" nextAc="seek">
-              <p:cTn id="2" dur="indefinite" nodeType="mainSeq">
-                <p:childTnLst>
-                  <p:par>
-                    <p:cTn id="3" fill="hold">
-                      <p:stCondLst>
-                        <p:cond delay="indefinite"/>
-                      </p:stCondLst>
-                      <p:childTnLst>
-                        <p:par>
-                          <p:cTn id="4" fill="hold">
-                            <p:stCondLst>
-                              <p:cond delay="0"/>
-                            </p:stCondLst>
-                            <p:childTnLst>
-                              <p:par>
-                                <p:cTn id="5" presetID="10" presetClass="entr" presetSubtype="0" fill="hold" grpId="0" nodeType="clickEffect">
-                                  <p:stCondLst>
-                                    <p:cond delay="0"/>
-                                  </p:stCondLst>
-                                  <p:childTnLst>
-                                    <p:set>
-                                      <p:cBhvr>
-                                        <p:cTn id="6" dur="1" fill="hold">
-                                          <p:stCondLst>
-                                            <p:cond delay="0"/>
-                                          </p:stCondLst>
-                                        </p:cTn>
-                                        <p:tgtEl>
-                                          <p:spTgt spid="5"/>
-                                        </p:tgtEl>
-                                        <p:attrNameLst>
-                                          <p:attrName>style.visibility</p:attrName>
-                                        </p:attrNameLst>
-                                      </p:cBhvr>
-                                      <p:to>
-                                        <p:strVal val="visible"/>
-                                      </p:to>
-                                    </p:set>
-                                    <p:animEffect transition="in" filter="fade">
-                                      <p:cBhvr>
-                                        <p:cTn id="7" dur="500"/>
-                                        <p:tgtEl>
-                                          <p:spTgt spid="5"/>
-                                        </p:tgtEl>
-                                      </p:cBhvr>
-                                    </p:animEffect>
-                                  </p:childTnLst>
-                                </p:cTn>
-                              </p:par>
-                            </p:childTnLst>
-                          </p:cTn>
-                        </p:par>
-                      </p:childTnLst>
-                    </p:cTn>
-                  </p:par>
-                  <p:par>
-                    <p:cTn id="8" fill="hold">
-                      <p:stCondLst>
-                        <p:cond delay="indefinite"/>
-                      </p:stCondLst>
-                      <p:childTnLst>
-                        <p:par>
-                          <p:cTn id="9" fill="hold">
-                            <p:stCondLst>
-                              <p:cond delay="0"/>
-                            </p:stCondLst>
-                            <p:childTnLst>
-                              <p:par>
-                                <p:cTn id="10" presetID="10" presetClass="entr" presetSubtype="0" fill="hold" grpId="0" nodeType="clickEffect">
-                                  <p:stCondLst>
-                                    <p:cond delay="0"/>
-                                  </p:stCondLst>
-                                  <p:childTnLst>
-                                    <p:set>
-                                      <p:cBhvr>
-                                        <p:cTn id="11" dur="1" fill="hold">
-                                          <p:stCondLst>
-                                            <p:cond delay="0"/>
-                                          </p:stCondLst>
-                                        </p:cTn>
-                                        <p:tgtEl>
-                                          <p:spTgt spid="6"/>
-                                        </p:tgtEl>
-                                        <p:attrNameLst>
-                                          <p:attrName>style.visibility</p:attrName>
-                                        </p:attrNameLst>
-                                      </p:cBhvr>
-                                      <p:to>
-                                        <p:strVal val="visible"/>
-                                      </p:to>
-                                    </p:set>
-                                    <p:animEffect transition="in" filter="fade">
-                                      <p:cBhvr>
-                                        <p:cTn id="12" dur="500"/>
-                                        <p:tgtEl>
-                                          <p:spTgt spid="6"/>
-                                        </p:tgtEl>
-                                      </p:cBhvr>
-                                    </p:animEffect>
-                                  </p:childTnLst>
-                                </p:cTn>
-                              </p:par>
-                            </p:childTnLst>
-                          </p:cTn>
-                        </p:par>
-                      </p:childTnLst>
-                    </p:cTn>
-                  </p:par>
-                </p:childTnLst>
-              </p:cTn>
-              <p:prevCondLst>
-                <p:cond evt="onPrev" delay="0">
-                  <p:tgtEl>
-                    <p:sldTgt/>
-                  </p:tgtEl>
-                </p:cond>
-              </p:prevCondLst>
-              <p:nextCondLst>
-                <p:cond evt="onNext" delay="0">
-                  <p:tgtEl>
-                    <p:sldTgt/>
-                  </p:tgtEl>
-                </p:cond>
-              </p:nextCondLst>
-            </p:seq>
-          </p:childTnLst>
-        </p:cTn>
+        <p:cTn id="1" dur="indefinite" restart="never" nodeType="tmRoot"/>
       </p:par>
     </p:tnLst>
-    <p:bldLst>
-      <p:bldP spid="5" grpId="0" animBg="1"/>
-      <p:bldP spid="6" grpId="0" animBg="1"/>
-    </p:bldLst>
   </p:timing>
 </p:sld>
 </file>
@@ -23533,88 +23193,9 @@
   <p:timing>
     <p:tnLst>
       <p:par>
-        <p:cTn id="1" dur="indefinite" restart="never" nodeType="tmRoot">
-          <p:childTnLst>
-            <p:seq concurrent="1" nextAc="seek">
-              <p:cTn id="2" dur="indefinite" nodeType="mainSeq">
-                <p:childTnLst>
-                  <p:par>
-                    <p:cTn id="3" fill="hold">
-                      <p:stCondLst>
-                        <p:cond delay="indefinite"/>
-                      </p:stCondLst>
-                      <p:childTnLst>
-                        <p:par>
-                          <p:cTn id="4" fill="hold">
-                            <p:stCondLst>
-                              <p:cond delay="0"/>
-                            </p:stCondLst>
-                            <p:childTnLst>
-                              <p:par>
-                                <p:cTn id="5" presetID="10" presetClass="entr" presetSubtype="0" fill="hold" grpId="0" nodeType="clickEffect">
-                                  <p:stCondLst>
-                                    <p:cond delay="0"/>
-                                  </p:stCondLst>
-                                  <p:childTnLst>
-                                    <p:set>
-                                      <p:cBhvr>
-                                        <p:cTn id="6" dur="1" fill="hold">
-                                          <p:stCondLst>
-                                            <p:cond delay="0"/>
-                                          </p:stCondLst>
-                                        </p:cTn>
-                                        <p:tgtEl>
-                                          <p:spTgt spid="14"/>
-                                        </p:tgtEl>
-                                        <p:attrNameLst>
-                                          <p:attrName>style.visibility</p:attrName>
-                                        </p:attrNameLst>
-                                      </p:cBhvr>
-                                      <p:to>
-                                        <p:strVal val="visible"/>
-                                      </p:to>
-                                    </p:set>
-                                    <p:animEffect transition="in" filter="fade">
-                                      <p:cBhvr>
-                                        <p:cTn id="7" dur="500"/>
-                                        <p:tgtEl>
-                                          <p:spTgt spid="14"/>
-                                        </p:tgtEl>
-                                      </p:cBhvr>
-                                    </p:animEffect>
-                                  </p:childTnLst>
-                                </p:cTn>
-                              </p:par>
-                            </p:childTnLst>
-                          </p:cTn>
-                        </p:par>
-                      </p:childTnLst>
-                    </p:cTn>
-                  </p:par>
-                </p:childTnLst>
-              </p:cTn>
-              <p:prevCondLst>
-                <p:cond evt="onPrev" delay="0">
-                  <p:tgtEl>
-                    <p:sldTgt/>
-                  </p:tgtEl>
-                </p:cond>
-              </p:prevCondLst>
-              <p:nextCondLst>
-                <p:cond evt="onNext" delay="0">
-                  <p:tgtEl>
-                    <p:sldTgt/>
-                  </p:tgtEl>
-                </p:cond>
-              </p:nextCondLst>
-            </p:seq>
-          </p:childTnLst>
-        </p:cTn>
+        <p:cTn id="1" dur="indefinite" restart="never" nodeType="tmRoot"/>
       </p:par>
     </p:tnLst>
-    <p:bldLst>
-      <p:bldP spid="14" grpId="0" animBg="1"/>
-    </p:bldLst>
   </p:timing>
 </p:sld>
 </file>
@@ -24719,88 +24300,9 @@
   <p:timing>
     <p:tnLst>
       <p:par>
-        <p:cTn id="1" dur="indefinite" restart="never" nodeType="tmRoot">
-          <p:childTnLst>
-            <p:seq concurrent="1" nextAc="seek">
-              <p:cTn id="2" dur="indefinite" nodeType="mainSeq">
-                <p:childTnLst>
-                  <p:par>
-                    <p:cTn id="3" fill="hold">
-                      <p:stCondLst>
-                        <p:cond delay="indefinite"/>
-                      </p:stCondLst>
-                      <p:childTnLst>
-                        <p:par>
-                          <p:cTn id="4" fill="hold">
-                            <p:stCondLst>
-                              <p:cond delay="0"/>
-                            </p:stCondLst>
-                            <p:childTnLst>
-                              <p:par>
-                                <p:cTn id="5" presetID="10" presetClass="entr" presetSubtype="0" fill="hold" grpId="0" nodeType="clickEffect">
-                                  <p:stCondLst>
-                                    <p:cond delay="0"/>
-                                  </p:stCondLst>
-                                  <p:childTnLst>
-                                    <p:set>
-                                      <p:cBhvr>
-                                        <p:cTn id="6" dur="1" fill="hold">
-                                          <p:stCondLst>
-                                            <p:cond delay="0"/>
-                                          </p:stCondLst>
-                                        </p:cTn>
-                                        <p:tgtEl>
-                                          <p:spTgt spid="19"/>
-                                        </p:tgtEl>
-                                        <p:attrNameLst>
-                                          <p:attrName>style.visibility</p:attrName>
-                                        </p:attrNameLst>
-                                      </p:cBhvr>
-                                      <p:to>
-                                        <p:strVal val="visible"/>
-                                      </p:to>
-                                    </p:set>
-                                    <p:animEffect transition="in" filter="fade">
-                                      <p:cBhvr>
-                                        <p:cTn id="7" dur="500"/>
-                                        <p:tgtEl>
-                                          <p:spTgt spid="19"/>
-                                        </p:tgtEl>
-                                      </p:cBhvr>
-                                    </p:animEffect>
-                                  </p:childTnLst>
-                                </p:cTn>
-                              </p:par>
-                            </p:childTnLst>
-                          </p:cTn>
-                        </p:par>
-                      </p:childTnLst>
-                    </p:cTn>
-                  </p:par>
-                </p:childTnLst>
-              </p:cTn>
-              <p:prevCondLst>
-                <p:cond evt="onPrev" delay="0">
-                  <p:tgtEl>
-                    <p:sldTgt/>
-                  </p:tgtEl>
-                </p:cond>
-              </p:prevCondLst>
-              <p:nextCondLst>
-                <p:cond evt="onNext" delay="0">
-                  <p:tgtEl>
-                    <p:sldTgt/>
-                  </p:tgtEl>
-                </p:cond>
-              </p:nextCondLst>
-            </p:seq>
-          </p:childTnLst>
-        </p:cTn>
+        <p:cTn id="1" dur="indefinite" restart="never" nodeType="tmRoot"/>
       </p:par>
     </p:tnLst>
-    <p:bldLst>
-      <p:bldP spid="19" grpId="0" animBg="1"/>
-    </p:bldLst>
   </p:timing>
 </p:sld>
 </file>
@@ -25586,88 +25088,9 @@
   <p:timing>
     <p:tnLst>
       <p:par>
-        <p:cTn id="1" dur="indefinite" restart="never" nodeType="tmRoot">
-          <p:childTnLst>
-            <p:seq concurrent="1" nextAc="seek">
-              <p:cTn id="2" dur="indefinite" nodeType="mainSeq">
-                <p:childTnLst>
-                  <p:par>
-                    <p:cTn id="3" fill="hold">
-                      <p:stCondLst>
-                        <p:cond delay="indefinite"/>
-                      </p:stCondLst>
-                      <p:childTnLst>
-                        <p:par>
-                          <p:cTn id="4" fill="hold">
-                            <p:stCondLst>
-                              <p:cond delay="0"/>
-                            </p:stCondLst>
-                            <p:childTnLst>
-                              <p:par>
-                                <p:cTn id="5" presetID="10" presetClass="entr" presetSubtype="0" fill="hold" grpId="0" nodeType="clickEffect">
-                                  <p:stCondLst>
-                                    <p:cond delay="0"/>
-                                  </p:stCondLst>
-                                  <p:childTnLst>
-                                    <p:set>
-                                      <p:cBhvr>
-                                        <p:cTn id="6" dur="1" fill="hold">
-                                          <p:stCondLst>
-                                            <p:cond delay="0"/>
-                                          </p:stCondLst>
-                                        </p:cTn>
-                                        <p:tgtEl>
-                                          <p:spTgt spid="15"/>
-                                        </p:tgtEl>
-                                        <p:attrNameLst>
-                                          <p:attrName>style.visibility</p:attrName>
-                                        </p:attrNameLst>
-                                      </p:cBhvr>
-                                      <p:to>
-                                        <p:strVal val="visible"/>
-                                      </p:to>
-                                    </p:set>
-                                    <p:animEffect transition="in" filter="fade">
-                                      <p:cBhvr>
-                                        <p:cTn id="7" dur="500"/>
-                                        <p:tgtEl>
-                                          <p:spTgt spid="15"/>
-                                        </p:tgtEl>
-                                      </p:cBhvr>
-                                    </p:animEffect>
-                                  </p:childTnLst>
-                                </p:cTn>
-                              </p:par>
-                            </p:childTnLst>
-                          </p:cTn>
-                        </p:par>
-                      </p:childTnLst>
-                    </p:cTn>
-                  </p:par>
-                </p:childTnLst>
-              </p:cTn>
-              <p:prevCondLst>
-                <p:cond evt="onPrev" delay="0">
-                  <p:tgtEl>
-                    <p:sldTgt/>
-                  </p:tgtEl>
-                </p:cond>
-              </p:prevCondLst>
-              <p:nextCondLst>
-                <p:cond evt="onNext" delay="0">
-                  <p:tgtEl>
-                    <p:sldTgt/>
-                  </p:tgtEl>
-                </p:cond>
-              </p:nextCondLst>
-            </p:seq>
-          </p:childTnLst>
-        </p:cTn>
+        <p:cTn id="1" dur="indefinite" restart="never" nodeType="tmRoot"/>
       </p:par>
     </p:tnLst>
-    <p:bldLst>
-      <p:bldP spid="15" grpId="0" animBg="1"/>
-    </p:bldLst>
   </p:timing>
 </p:sld>
 </file>
@@ -26196,88 +25619,9 @@
   <p:timing>
     <p:tnLst>
       <p:par>
-        <p:cTn id="1" dur="indefinite" restart="never" nodeType="tmRoot">
-          <p:childTnLst>
-            <p:seq concurrent="1" nextAc="seek">
-              <p:cTn id="2" dur="indefinite" nodeType="mainSeq">
-                <p:childTnLst>
-                  <p:par>
-                    <p:cTn id="3" fill="hold">
-                      <p:stCondLst>
-                        <p:cond delay="indefinite"/>
-                      </p:stCondLst>
-                      <p:childTnLst>
-                        <p:par>
-                          <p:cTn id="4" fill="hold">
-                            <p:stCondLst>
-                              <p:cond delay="0"/>
-                            </p:stCondLst>
-                            <p:childTnLst>
-                              <p:par>
-                                <p:cTn id="5" presetID="10" presetClass="entr" presetSubtype="0" fill="hold" grpId="0" nodeType="clickEffect">
-                                  <p:stCondLst>
-                                    <p:cond delay="0"/>
-                                  </p:stCondLst>
-                                  <p:childTnLst>
-                                    <p:set>
-                                      <p:cBhvr>
-                                        <p:cTn id="6" dur="1" fill="hold">
-                                          <p:stCondLst>
-                                            <p:cond delay="0"/>
-                                          </p:stCondLst>
-                                        </p:cTn>
-                                        <p:tgtEl>
-                                          <p:spTgt spid="7"/>
-                                        </p:tgtEl>
-                                        <p:attrNameLst>
-                                          <p:attrName>style.visibility</p:attrName>
-                                        </p:attrNameLst>
-                                      </p:cBhvr>
-                                      <p:to>
-                                        <p:strVal val="visible"/>
-                                      </p:to>
-                                    </p:set>
-                                    <p:animEffect transition="in" filter="fade">
-                                      <p:cBhvr>
-                                        <p:cTn id="7" dur="500"/>
-                                        <p:tgtEl>
-                                          <p:spTgt spid="7"/>
-                                        </p:tgtEl>
-                                      </p:cBhvr>
-                                    </p:animEffect>
-                                  </p:childTnLst>
-                                </p:cTn>
-                              </p:par>
-                            </p:childTnLst>
-                          </p:cTn>
-                        </p:par>
-                      </p:childTnLst>
-                    </p:cTn>
-                  </p:par>
-                </p:childTnLst>
-              </p:cTn>
-              <p:prevCondLst>
-                <p:cond evt="onPrev" delay="0">
-                  <p:tgtEl>
-                    <p:sldTgt/>
-                  </p:tgtEl>
-                </p:cond>
-              </p:prevCondLst>
-              <p:nextCondLst>
-                <p:cond evt="onNext" delay="0">
-                  <p:tgtEl>
-                    <p:sldTgt/>
-                  </p:tgtEl>
-                </p:cond>
-              </p:nextCondLst>
-            </p:seq>
-          </p:childTnLst>
-        </p:cTn>
+        <p:cTn id="1" dur="indefinite" restart="never" nodeType="tmRoot"/>
       </p:par>
     </p:tnLst>
-    <p:bldLst>
-      <p:bldP spid="7" grpId="0" animBg="1"/>
-    </p:bldLst>
   </p:timing>
 </p:sld>
 </file>
